--- a/Rubikc PPT.pptx
+++ b/Rubikc PPT.pptx
@@ -23,6 +23,9 @@
     <p:sldId id="269" r:id="rId18"/>
     <p:sldId id="270" r:id="rId19"/>
     <p:sldId id="271" r:id="rId20"/>
+    <p:sldId id="272" r:id="rId21"/>
+    <p:sldId id="273" r:id="rId22"/>
+    <p:sldId id="274" r:id="rId23"/>
   </p:sldIdLst>
   <p:sldSz cx="9144000" cy="5143500"/>
   <p:notesSz cx="7559675" cy="10691813"/>
@@ -80,8 +83,8 @@
         </p:nvSpPr>
         <p:spPr>
           <a:xfrm>
-            <a:off x="2514600" y="257040"/>
-            <a:ext cx="4111200" cy="624240"/>
+            <a:off x="2514600" y="256320"/>
+            <a:ext cx="4110480" cy="625320"/>
           </a:xfrm>
           <a:prstGeom prst="rect">
             <a:avLst/>
@@ -96,10 +99,10 @@
             <a:noAutofit/>
           </a:bodyPr>
           <a:p>
-            <a:pPr indent="0">
+            <a:pPr indent="0" algn="ctr">
               <a:buNone/>
             </a:pPr>
-            <a:endParaRPr b="0" lang="en-US" sz="1800" spc="-1" strike="noStrike">
+            <a:endParaRPr b="0" lang="en-IN" sz="4400" spc="-1" strike="noStrike">
               <a:solidFill>
                 <a:srgbClr val="000000"/>
               </a:solidFill>
@@ -137,15 +140,12 @@
           </a:bodyPr>
           <a:p>
             <a:pPr indent="0">
-              <a:lnSpc>
-                <a:spcPct val="90000"/>
-              </a:lnSpc>
               <a:spcBef>
                 <a:spcPts val="1417"/>
               </a:spcBef>
               <a:buNone/>
             </a:pPr>
-            <a:endParaRPr b="0" lang="en-US" sz="2800" spc="-1" strike="noStrike">
+            <a:endParaRPr b="0" lang="en-IN" sz="3200" spc="-1" strike="noStrike">
               <a:solidFill>
                 <a:srgbClr val="000000"/>
               </a:solidFill>
@@ -183,15 +183,12 @@
           </a:bodyPr>
           <a:p>
             <a:pPr indent="0">
-              <a:lnSpc>
-                <a:spcPct val="90000"/>
-              </a:lnSpc>
               <a:spcBef>
                 <a:spcPts val="1417"/>
               </a:spcBef>
               <a:buNone/>
             </a:pPr>
-            <a:endParaRPr b="0" lang="en-US" sz="2800" spc="-1" strike="noStrike">
+            <a:endParaRPr b="0" lang="en-IN" sz="3200" spc="-1" strike="noStrike">
               <a:solidFill>
                 <a:srgbClr val="000000"/>
               </a:solidFill>
@@ -234,8 +231,8 @@
         </p:nvSpPr>
         <p:spPr>
           <a:xfrm>
-            <a:off x="2514600" y="257040"/>
-            <a:ext cx="4111200" cy="624240"/>
+            <a:off x="2514600" y="256320"/>
+            <a:ext cx="4110480" cy="625320"/>
           </a:xfrm>
           <a:prstGeom prst="rect">
             <a:avLst/>
@@ -250,10 +247,10 @@
             <a:noAutofit/>
           </a:bodyPr>
           <a:p>
-            <a:pPr indent="0">
+            <a:pPr indent="0" algn="ctr">
               <a:buNone/>
             </a:pPr>
-            <a:endParaRPr b="0" lang="en-US" sz="1800" spc="-1" strike="noStrike">
+            <a:endParaRPr b="0" lang="en-IN" sz="4400" spc="-1" strike="noStrike">
               <a:solidFill>
                 <a:srgbClr val="000000"/>
               </a:solidFill>
@@ -291,15 +288,12 @@
           </a:bodyPr>
           <a:p>
             <a:pPr indent="0">
-              <a:lnSpc>
-                <a:spcPct val="90000"/>
-              </a:lnSpc>
               <a:spcBef>
                 <a:spcPts val="1417"/>
               </a:spcBef>
               <a:buNone/>
             </a:pPr>
-            <a:endParaRPr b="0" lang="en-US" sz="2800" spc="-1" strike="noStrike">
+            <a:endParaRPr b="0" lang="en-IN" sz="3200" spc="-1" strike="noStrike">
               <a:solidFill>
                 <a:srgbClr val="000000"/>
               </a:solidFill>
@@ -337,15 +331,12 @@
           </a:bodyPr>
           <a:p>
             <a:pPr indent="0">
-              <a:lnSpc>
-                <a:spcPct val="90000"/>
-              </a:lnSpc>
               <a:spcBef>
                 <a:spcPts val="1417"/>
               </a:spcBef>
               <a:buNone/>
             </a:pPr>
-            <a:endParaRPr b="0" lang="en-US" sz="2800" spc="-1" strike="noStrike">
+            <a:endParaRPr b="0" lang="en-IN" sz="3200" spc="-1" strike="noStrike">
               <a:solidFill>
                 <a:srgbClr val="000000"/>
               </a:solidFill>
@@ -383,15 +374,12 @@
           </a:bodyPr>
           <a:p>
             <a:pPr indent="0">
-              <a:lnSpc>
-                <a:spcPct val="90000"/>
-              </a:lnSpc>
               <a:spcBef>
                 <a:spcPts val="1417"/>
               </a:spcBef>
               <a:buNone/>
             </a:pPr>
-            <a:endParaRPr b="0" lang="en-US" sz="2800" spc="-1" strike="noStrike">
+            <a:endParaRPr b="0" lang="en-IN" sz="3200" spc="-1" strike="noStrike">
               <a:solidFill>
                 <a:srgbClr val="000000"/>
               </a:solidFill>
@@ -429,15 +417,12 @@
           </a:bodyPr>
           <a:p>
             <a:pPr indent="0">
-              <a:lnSpc>
-                <a:spcPct val="90000"/>
-              </a:lnSpc>
               <a:spcBef>
                 <a:spcPts val="1417"/>
               </a:spcBef>
               <a:buNone/>
             </a:pPr>
-            <a:endParaRPr b="0" lang="en-US" sz="2800" spc="-1" strike="noStrike">
+            <a:endParaRPr b="0" lang="en-IN" sz="3200" spc="-1" strike="noStrike">
               <a:solidFill>
                 <a:srgbClr val="000000"/>
               </a:solidFill>
@@ -480,8 +465,8 @@
         </p:nvSpPr>
         <p:spPr>
           <a:xfrm>
-            <a:off x="2514600" y="257040"/>
-            <a:ext cx="4111200" cy="624240"/>
+            <a:off x="2514600" y="256320"/>
+            <a:ext cx="4110480" cy="625320"/>
           </a:xfrm>
           <a:prstGeom prst="rect">
             <a:avLst/>
@@ -496,10 +481,10 @@
             <a:noAutofit/>
           </a:bodyPr>
           <a:p>
-            <a:pPr indent="0">
+            <a:pPr indent="0" algn="ctr">
               <a:buNone/>
             </a:pPr>
-            <a:endParaRPr b="0" lang="en-US" sz="1800" spc="-1" strike="noStrike">
+            <a:endParaRPr b="0" lang="en-IN" sz="4400" spc="-1" strike="noStrike">
               <a:solidFill>
                 <a:srgbClr val="000000"/>
               </a:solidFill>
@@ -537,15 +522,12 @@
           </a:bodyPr>
           <a:p>
             <a:pPr indent="0">
-              <a:lnSpc>
-                <a:spcPct val="90000"/>
-              </a:lnSpc>
               <a:spcBef>
                 <a:spcPts val="1417"/>
               </a:spcBef>
               <a:buNone/>
             </a:pPr>
-            <a:endParaRPr b="0" lang="en-US" sz="2800" spc="-1" strike="noStrike">
+            <a:endParaRPr b="0" lang="en-IN" sz="3200" spc="-1" strike="noStrike">
               <a:solidFill>
                 <a:srgbClr val="000000"/>
               </a:solidFill>
@@ -583,15 +565,12 @@
           </a:bodyPr>
           <a:p>
             <a:pPr indent="0">
-              <a:lnSpc>
-                <a:spcPct val="90000"/>
-              </a:lnSpc>
               <a:spcBef>
                 <a:spcPts val="1417"/>
               </a:spcBef>
               <a:buNone/>
             </a:pPr>
-            <a:endParaRPr b="0" lang="en-US" sz="2800" spc="-1" strike="noStrike">
+            <a:endParaRPr b="0" lang="en-IN" sz="3200" spc="-1" strike="noStrike">
               <a:solidFill>
                 <a:srgbClr val="000000"/>
               </a:solidFill>
@@ -629,15 +608,12 @@
           </a:bodyPr>
           <a:p>
             <a:pPr indent="0">
-              <a:lnSpc>
-                <a:spcPct val="90000"/>
-              </a:lnSpc>
               <a:spcBef>
                 <a:spcPts val="1417"/>
               </a:spcBef>
               <a:buNone/>
             </a:pPr>
-            <a:endParaRPr b="0" lang="en-US" sz="2800" spc="-1" strike="noStrike">
+            <a:endParaRPr b="0" lang="en-IN" sz="3200" spc="-1" strike="noStrike">
               <a:solidFill>
                 <a:srgbClr val="000000"/>
               </a:solidFill>
@@ -675,15 +651,12 @@
           </a:bodyPr>
           <a:p>
             <a:pPr indent="0">
-              <a:lnSpc>
-                <a:spcPct val="90000"/>
-              </a:lnSpc>
               <a:spcBef>
                 <a:spcPts val="1417"/>
               </a:spcBef>
               <a:buNone/>
             </a:pPr>
-            <a:endParaRPr b="0" lang="en-US" sz="2800" spc="-1" strike="noStrike">
+            <a:endParaRPr b="0" lang="en-IN" sz="3200" spc="-1" strike="noStrike">
               <a:solidFill>
                 <a:srgbClr val="000000"/>
               </a:solidFill>
@@ -721,15 +694,12 @@
           </a:bodyPr>
           <a:p>
             <a:pPr indent="0">
-              <a:lnSpc>
-                <a:spcPct val="90000"/>
-              </a:lnSpc>
               <a:spcBef>
                 <a:spcPts val="1417"/>
               </a:spcBef>
               <a:buNone/>
             </a:pPr>
-            <a:endParaRPr b="0" lang="en-US" sz="2800" spc="-1" strike="noStrike">
+            <a:endParaRPr b="0" lang="en-IN" sz="3200" spc="-1" strike="noStrike">
               <a:solidFill>
                 <a:srgbClr val="000000"/>
               </a:solidFill>
@@ -767,15 +737,12 @@
           </a:bodyPr>
           <a:p>
             <a:pPr indent="0">
-              <a:lnSpc>
-                <a:spcPct val="90000"/>
-              </a:lnSpc>
               <a:spcBef>
                 <a:spcPts val="1417"/>
               </a:spcBef>
               <a:buNone/>
             </a:pPr>
-            <a:endParaRPr b="0" lang="en-US" sz="2800" spc="-1" strike="noStrike">
+            <a:endParaRPr b="0" lang="en-IN" sz="3200" spc="-1" strike="noStrike">
               <a:solidFill>
                 <a:srgbClr val="000000"/>
               </a:solidFill>
@@ -820,7 +787,7 @@
         <p:txBody>
           <a:bodyPr/>
           <a:p>
-            <a:fld id="{E39791F8-C68B-4CC5-B8BF-EA277138CA30}" type="slidenum">
+            <a:fld id="{192D728C-E4F8-47DB-BB7C-18133E44D750}" type="slidenum">
               <a:t>&lt;#&gt;</a:t>
             </a:fld>
           </a:p>
@@ -860,8 +827,8 @@
         </p:nvSpPr>
         <p:spPr>
           <a:xfrm>
-            <a:off x="2514600" y="257040"/>
-            <a:ext cx="4111200" cy="624240"/>
+            <a:off x="2514600" y="256320"/>
+            <a:ext cx="4110480" cy="625320"/>
           </a:xfrm>
           <a:prstGeom prst="rect">
             <a:avLst/>
@@ -876,10 +843,10 @@
             <a:noAutofit/>
           </a:bodyPr>
           <a:p>
-            <a:pPr indent="0">
+            <a:pPr indent="0" algn="ctr">
               <a:buNone/>
             </a:pPr>
-            <a:endParaRPr b="0" lang="en-US" sz="1800" spc="-1" strike="noStrike">
+            <a:endParaRPr b="0" lang="en-IN" sz="4400" spc="-1" strike="noStrike">
               <a:solidFill>
                 <a:srgbClr val="000000"/>
               </a:solidFill>
@@ -942,7 +909,7 @@
         <p:txBody>
           <a:bodyPr/>
           <a:p>
-            <a:fld id="{3DA6B41E-E41C-4E25-90D5-EF9AFCB8568C}" type="slidenum">
+            <a:fld id="{B566C90A-532A-415C-B1F6-63316EAD2332}" type="slidenum">
               <a:t>&lt;#&gt;</a:t>
             </a:fld>
           </a:p>
@@ -982,8 +949,8 @@
         </p:nvSpPr>
         <p:spPr>
           <a:xfrm>
-            <a:off x="2514600" y="257040"/>
-            <a:ext cx="4111200" cy="624240"/>
+            <a:off x="2514600" y="256320"/>
+            <a:ext cx="4110480" cy="625320"/>
           </a:xfrm>
           <a:prstGeom prst="rect">
             <a:avLst/>
@@ -998,10 +965,10 @@
             <a:noAutofit/>
           </a:bodyPr>
           <a:p>
-            <a:pPr indent="0">
+            <a:pPr indent="0" algn="ctr">
               <a:buNone/>
             </a:pPr>
-            <a:endParaRPr b="0" lang="en-US" sz="1800" spc="-1" strike="noStrike">
+            <a:endParaRPr b="0" lang="en-IN" sz="4400" spc="-1" strike="noStrike">
               <a:solidFill>
                 <a:srgbClr val="000000"/>
               </a:solidFill>
@@ -1039,15 +1006,12 @@
           </a:bodyPr>
           <a:p>
             <a:pPr indent="0">
-              <a:lnSpc>
-                <a:spcPct val="90000"/>
-              </a:lnSpc>
               <a:spcBef>
                 <a:spcPts val="1417"/>
               </a:spcBef>
               <a:buNone/>
             </a:pPr>
-            <a:endParaRPr b="0" lang="en-US" sz="2800" spc="-1" strike="noStrike">
+            <a:endParaRPr b="0" lang="en-IN" sz="3200" spc="-1" strike="noStrike">
               <a:solidFill>
                 <a:srgbClr val="000000"/>
               </a:solidFill>
@@ -1070,7 +1034,7 @@
         <p:txBody>
           <a:bodyPr/>
           <a:p>
-            <a:fld id="{737AB486-8843-49F2-A1FF-FE1E9BB113B5}" type="slidenum">
+            <a:fld id="{5F431DCD-E08A-400B-AEB2-A881E6AD826F}" type="slidenum">
               <a:t>&lt;#&gt;</a:t>
             </a:fld>
           </a:p>
@@ -1110,8 +1074,8 @@
         </p:nvSpPr>
         <p:spPr>
           <a:xfrm>
-            <a:off x="2514600" y="257040"/>
-            <a:ext cx="4111200" cy="624240"/>
+            <a:off x="2514600" y="256320"/>
+            <a:ext cx="4110480" cy="625320"/>
           </a:xfrm>
           <a:prstGeom prst="rect">
             <a:avLst/>
@@ -1126,10 +1090,10 @@
             <a:noAutofit/>
           </a:bodyPr>
           <a:p>
-            <a:pPr indent="0">
+            <a:pPr indent="0" algn="ctr">
               <a:buNone/>
             </a:pPr>
-            <a:endParaRPr b="0" lang="en-US" sz="1800" spc="-1" strike="noStrike">
+            <a:endParaRPr b="0" lang="en-IN" sz="4400" spc="-1" strike="noStrike">
               <a:solidFill>
                 <a:srgbClr val="000000"/>
               </a:solidFill>
@@ -1167,15 +1131,12 @@
           </a:bodyPr>
           <a:p>
             <a:pPr indent="0">
-              <a:lnSpc>
-                <a:spcPct val="90000"/>
-              </a:lnSpc>
               <a:spcBef>
                 <a:spcPts val="1417"/>
               </a:spcBef>
               <a:buNone/>
             </a:pPr>
-            <a:endParaRPr b="0" lang="en-US" sz="2800" spc="-1" strike="noStrike">
+            <a:endParaRPr b="0" lang="en-IN" sz="3200" spc="-1" strike="noStrike">
               <a:solidFill>
                 <a:srgbClr val="000000"/>
               </a:solidFill>
@@ -1213,15 +1174,12 @@
           </a:bodyPr>
           <a:p>
             <a:pPr indent="0">
-              <a:lnSpc>
-                <a:spcPct val="90000"/>
-              </a:lnSpc>
               <a:spcBef>
                 <a:spcPts val="1417"/>
               </a:spcBef>
               <a:buNone/>
             </a:pPr>
-            <a:endParaRPr b="0" lang="en-US" sz="2800" spc="-1" strike="noStrike">
+            <a:endParaRPr b="0" lang="en-IN" sz="3200" spc="-1" strike="noStrike">
               <a:solidFill>
                 <a:srgbClr val="000000"/>
               </a:solidFill>
@@ -1244,7 +1202,7 @@
         <p:txBody>
           <a:bodyPr/>
           <a:p>
-            <a:fld id="{633B4F51-10A1-4F57-8C4A-E52CDB4E18E2}" type="slidenum">
+            <a:fld id="{565990B6-96DA-4ABE-96D9-504B156C990E}" type="slidenum">
               <a:t>&lt;#&gt;</a:t>
             </a:fld>
           </a:p>
@@ -1284,8 +1242,8 @@
         </p:nvSpPr>
         <p:spPr>
           <a:xfrm>
-            <a:off x="2514600" y="257040"/>
-            <a:ext cx="4111200" cy="624240"/>
+            <a:off x="2514600" y="256320"/>
+            <a:ext cx="4110480" cy="625320"/>
           </a:xfrm>
           <a:prstGeom prst="rect">
             <a:avLst/>
@@ -1300,10 +1258,10 @@
             <a:noAutofit/>
           </a:bodyPr>
           <a:p>
-            <a:pPr indent="0">
+            <a:pPr indent="0" algn="ctr">
               <a:buNone/>
             </a:pPr>
-            <a:endParaRPr b="0" lang="en-US" sz="1800" spc="-1" strike="noStrike">
+            <a:endParaRPr b="0" lang="en-IN" sz="4400" spc="-1" strike="noStrike">
               <a:solidFill>
                 <a:srgbClr val="000000"/>
               </a:solidFill>
@@ -1326,7 +1284,7 @@
         <p:txBody>
           <a:bodyPr/>
           <a:p>
-            <a:fld id="{9D49F9E5-FD68-4646-90D2-73A1947467A8}" type="slidenum">
+            <a:fld id="{147C8FB2-754B-4638-A034-8F0E98BF46A0}" type="slidenum">
               <a:t>&lt;#&gt;</a:t>
             </a:fld>
           </a:p>
@@ -1366,8 +1324,8 @@
         </p:nvSpPr>
         <p:spPr>
           <a:xfrm>
-            <a:off x="2514600" y="257040"/>
-            <a:ext cx="4111200" cy="2894760"/>
+            <a:off x="2514600" y="256320"/>
+            <a:ext cx="4110480" cy="2898360"/>
           </a:xfrm>
           <a:prstGeom prst="rect">
             <a:avLst/>
@@ -1406,7 +1364,7 @@
         <p:txBody>
           <a:bodyPr/>
           <a:p>
-            <a:fld id="{19CD884D-5A78-4845-BF7C-944683B5EBDA}" type="slidenum">
+            <a:fld id="{F1C93DBB-F519-4633-9A2C-B6DC359748BB}" type="slidenum">
               <a:t>&lt;#&gt;</a:t>
             </a:fld>
           </a:p>
@@ -1446,8 +1404,8 @@
         </p:nvSpPr>
         <p:spPr>
           <a:xfrm>
-            <a:off x="2514600" y="257040"/>
-            <a:ext cx="4111200" cy="624240"/>
+            <a:off x="2514600" y="256320"/>
+            <a:ext cx="4110480" cy="625320"/>
           </a:xfrm>
           <a:prstGeom prst="rect">
             <a:avLst/>
@@ -1462,10 +1420,10 @@
             <a:noAutofit/>
           </a:bodyPr>
           <a:p>
-            <a:pPr indent="0">
+            <a:pPr indent="0" algn="ctr">
               <a:buNone/>
             </a:pPr>
-            <a:endParaRPr b="0" lang="en-US" sz="1800" spc="-1" strike="noStrike">
+            <a:endParaRPr b="0" lang="en-IN" sz="4400" spc="-1" strike="noStrike">
               <a:solidFill>
                 <a:srgbClr val="000000"/>
               </a:solidFill>
@@ -1503,15 +1461,12 @@
           </a:bodyPr>
           <a:p>
             <a:pPr indent="0">
-              <a:lnSpc>
-                <a:spcPct val="90000"/>
-              </a:lnSpc>
               <a:spcBef>
                 <a:spcPts val="1417"/>
               </a:spcBef>
               <a:buNone/>
             </a:pPr>
-            <a:endParaRPr b="0" lang="en-US" sz="2800" spc="-1" strike="noStrike">
+            <a:endParaRPr b="0" lang="en-IN" sz="3200" spc="-1" strike="noStrike">
               <a:solidFill>
                 <a:srgbClr val="000000"/>
               </a:solidFill>
@@ -1549,15 +1504,12 @@
           </a:bodyPr>
           <a:p>
             <a:pPr indent="0">
-              <a:lnSpc>
-                <a:spcPct val="90000"/>
-              </a:lnSpc>
               <a:spcBef>
                 <a:spcPts val="1417"/>
               </a:spcBef>
               <a:buNone/>
             </a:pPr>
-            <a:endParaRPr b="0" lang="en-US" sz="2800" spc="-1" strike="noStrike">
+            <a:endParaRPr b="0" lang="en-IN" sz="3200" spc="-1" strike="noStrike">
               <a:solidFill>
                 <a:srgbClr val="000000"/>
               </a:solidFill>
@@ -1595,15 +1547,12 @@
           </a:bodyPr>
           <a:p>
             <a:pPr indent="0">
-              <a:lnSpc>
-                <a:spcPct val="90000"/>
-              </a:lnSpc>
               <a:spcBef>
                 <a:spcPts val="1417"/>
               </a:spcBef>
               <a:buNone/>
             </a:pPr>
-            <a:endParaRPr b="0" lang="en-US" sz="2800" spc="-1" strike="noStrike">
+            <a:endParaRPr b="0" lang="en-IN" sz="3200" spc="-1" strike="noStrike">
               <a:solidFill>
                 <a:srgbClr val="000000"/>
               </a:solidFill>
@@ -1626,7 +1575,7 @@
         <p:txBody>
           <a:bodyPr/>
           <a:p>
-            <a:fld id="{D0CEC4FB-A89B-4B73-9596-E3C6DDD72053}" type="slidenum">
+            <a:fld id="{6807241B-9304-404D-87C9-275A777C506B}" type="slidenum">
               <a:t>&lt;#&gt;</a:t>
             </a:fld>
           </a:p>
@@ -1666,8 +1615,8 @@
         </p:nvSpPr>
         <p:spPr>
           <a:xfrm>
-            <a:off x="2514600" y="257040"/>
-            <a:ext cx="4111200" cy="624240"/>
+            <a:off x="2514600" y="256320"/>
+            <a:ext cx="4110480" cy="625320"/>
           </a:xfrm>
           <a:prstGeom prst="rect">
             <a:avLst/>
@@ -1682,10 +1631,10 @@
             <a:noAutofit/>
           </a:bodyPr>
           <a:p>
-            <a:pPr indent="0">
+            <a:pPr indent="0" algn="ctr">
               <a:buNone/>
             </a:pPr>
-            <a:endParaRPr b="0" lang="en-US" sz="1800" spc="-1" strike="noStrike">
+            <a:endParaRPr b="0" lang="en-IN" sz="4400" spc="-1" strike="noStrike">
               <a:solidFill>
                 <a:srgbClr val="000000"/>
               </a:solidFill>
@@ -1768,8 +1717,8 @@
         </p:nvSpPr>
         <p:spPr>
           <a:xfrm>
-            <a:off x="2514600" y="257040"/>
-            <a:ext cx="4111200" cy="624240"/>
+            <a:off x="2514600" y="256320"/>
+            <a:ext cx="4110480" cy="625320"/>
           </a:xfrm>
           <a:prstGeom prst="rect">
             <a:avLst/>
@@ -1784,10 +1733,10 @@
             <a:noAutofit/>
           </a:bodyPr>
           <a:p>
-            <a:pPr indent="0">
+            <a:pPr indent="0" algn="ctr">
               <a:buNone/>
             </a:pPr>
-            <a:endParaRPr b="0" lang="en-US" sz="1800" spc="-1" strike="noStrike">
+            <a:endParaRPr b="0" lang="en-IN" sz="4400" spc="-1" strike="noStrike">
               <a:solidFill>
                 <a:srgbClr val="000000"/>
               </a:solidFill>
@@ -1825,15 +1774,12 @@
           </a:bodyPr>
           <a:p>
             <a:pPr indent="0">
-              <a:lnSpc>
-                <a:spcPct val="90000"/>
-              </a:lnSpc>
               <a:spcBef>
                 <a:spcPts val="1417"/>
               </a:spcBef>
               <a:buNone/>
             </a:pPr>
-            <a:endParaRPr b="0" lang="en-US" sz="2800" spc="-1" strike="noStrike">
+            <a:endParaRPr b="0" lang="en-IN" sz="3200" spc="-1" strike="noStrike">
               <a:solidFill>
                 <a:srgbClr val="000000"/>
               </a:solidFill>
@@ -1871,15 +1817,12 @@
           </a:bodyPr>
           <a:p>
             <a:pPr indent="0">
-              <a:lnSpc>
-                <a:spcPct val="90000"/>
-              </a:lnSpc>
               <a:spcBef>
                 <a:spcPts val="1417"/>
               </a:spcBef>
               <a:buNone/>
             </a:pPr>
-            <a:endParaRPr b="0" lang="en-US" sz="2800" spc="-1" strike="noStrike">
+            <a:endParaRPr b="0" lang="en-IN" sz="3200" spc="-1" strike="noStrike">
               <a:solidFill>
                 <a:srgbClr val="000000"/>
               </a:solidFill>
@@ -1917,15 +1860,12 @@
           </a:bodyPr>
           <a:p>
             <a:pPr indent="0">
-              <a:lnSpc>
-                <a:spcPct val="90000"/>
-              </a:lnSpc>
               <a:spcBef>
                 <a:spcPts val="1417"/>
               </a:spcBef>
               <a:buNone/>
             </a:pPr>
-            <a:endParaRPr b="0" lang="en-US" sz="2800" spc="-1" strike="noStrike">
+            <a:endParaRPr b="0" lang="en-IN" sz="3200" spc="-1" strike="noStrike">
               <a:solidFill>
                 <a:srgbClr val="000000"/>
               </a:solidFill>
@@ -1948,7 +1888,7 @@
         <p:txBody>
           <a:bodyPr/>
           <a:p>
-            <a:fld id="{75CF9384-A997-4A73-8FFE-2E503694B171}" type="slidenum">
+            <a:fld id="{632AB08A-002B-435F-9DF1-75C527B7429C}" type="slidenum">
               <a:t>&lt;#&gt;</a:t>
             </a:fld>
           </a:p>
@@ -1988,8 +1928,8 @@
         </p:nvSpPr>
         <p:spPr>
           <a:xfrm>
-            <a:off x="2514600" y="257040"/>
-            <a:ext cx="4111200" cy="624240"/>
+            <a:off x="2514600" y="256320"/>
+            <a:ext cx="4110480" cy="625320"/>
           </a:xfrm>
           <a:prstGeom prst="rect">
             <a:avLst/>
@@ -2004,10 +1944,10 @@
             <a:noAutofit/>
           </a:bodyPr>
           <a:p>
-            <a:pPr indent="0">
+            <a:pPr indent="0" algn="ctr">
               <a:buNone/>
             </a:pPr>
-            <a:endParaRPr b="0" lang="en-US" sz="1800" spc="-1" strike="noStrike">
+            <a:endParaRPr b="0" lang="en-IN" sz="4400" spc="-1" strike="noStrike">
               <a:solidFill>
                 <a:srgbClr val="000000"/>
               </a:solidFill>
@@ -2045,15 +1985,12 @@
           </a:bodyPr>
           <a:p>
             <a:pPr indent="0">
-              <a:lnSpc>
-                <a:spcPct val="90000"/>
-              </a:lnSpc>
               <a:spcBef>
                 <a:spcPts val="1417"/>
               </a:spcBef>
               <a:buNone/>
             </a:pPr>
-            <a:endParaRPr b="0" lang="en-US" sz="2800" spc="-1" strike="noStrike">
+            <a:endParaRPr b="0" lang="en-IN" sz="3200" spc="-1" strike="noStrike">
               <a:solidFill>
                 <a:srgbClr val="000000"/>
               </a:solidFill>
@@ -2091,15 +2028,12 @@
           </a:bodyPr>
           <a:p>
             <a:pPr indent="0">
-              <a:lnSpc>
-                <a:spcPct val="90000"/>
-              </a:lnSpc>
               <a:spcBef>
                 <a:spcPts val="1417"/>
               </a:spcBef>
               <a:buNone/>
             </a:pPr>
-            <a:endParaRPr b="0" lang="en-US" sz="2800" spc="-1" strike="noStrike">
+            <a:endParaRPr b="0" lang="en-IN" sz="3200" spc="-1" strike="noStrike">
               <a:solidFill>
                 <a:srgbClr val="000000"/>
               </a:solidFill>
@@ -2137,15 +2071,12 @@
           </a:bodyPr>
           <a:p>
             <a:pPr indent="0">
-              <a:lnSpc>
-                <a:spcPct val="90000"/>
-              </a:lnSpc>
               <a:spcBef>
                 <a:spcPts val="1417"/>
               </a:spcBef>
               <a:buNone/>
             </a:pPr>
-            <a:endParaRPr b="0" lang="en-US" sz="2800" spc="-1" strike="noStrike">
+            <a:endParaRPr b="0" lang="en-IN" sz="3200" spc="-1" strike="noStrike">
               <a:solidFill>
                 <a:srgbClr val="000000"/>
               </a:solidFill>
@@ -2168,7 +2099,7 @@
         <p:txBody>
           <a:bodyPr/>
           <a:p>
-            <a:fld id="{C62CADFE-22EA-4F87-9B96-38551FEBFBBB}" type="slidenum">
+            <a:fld id="{94F40784-0BEE-4DDA-8D40-99D922BFB187}" type="slidenum">
               <a:t>&lt;#&gt;</a:t>
             </a:fld>
           </a:p>
@@ -2208,8 +2139,8 @@
         </p:nvSpPr>
         <p:spPr>
           <a:xfrm>
-            <a:off x="2514600" y="257040"/>
-            <a:ext cx="4111200" cy="624240"/>
+            <a:off x="2514600" y="256320"/>
+            <a:ext cx="4110480" cy="625320"/>
           </a:xfrm>
           <a:prstGeom prst="rect">
             <a:avLst/>
@@ -2224,10 +2155,10 @@
             <a:noAutofit/>
           </a:bodyPr>
           <a:p>
-            <a:pPr indent="0">
+            <a:pPr indent="0" algn="ctr">
               <a:buNone/>
             </a:pPr>
-            <a:endParaRPr b="0" lang="en-US" sz="1800" spc="-1" strike="noStrike">
+            <a:endParaRPr b="0" lang="en-IN" sz="4400" spc="-1" strike="noStrike">
               <a:solidFill>
                 <a:srgbClr val="000000"/>
               </a:solidFill>
@@ -2265,15 +2196,12 @@
           </a:bodyPr>
           <a:p>
             <a:pPr indent="0">
-              <a:lnSpc>
-                <a:spcPct val="90000"/>
-              </a:lnSpc>
               <a:spcBef>
                 <a:spcPts val="1417"/>
               </a:spcBef>
               <a:buNone/>
             </a:pPr>
-            <a:endParaRPr b="0" lang="en-US" sz="2800" spc="-1" strike="noStrike">
+            <a:endParaRPr b="0" lang="en-IN" sz="3200" spc="-1" strike="noStrike">
               <a:solidFill>
                 <a:srgbClr val="000000"/>
               </a:solidFill>
@@ -2311,15 +2239,12 @@
           </a:bodyPr>
           <a:p>
             <a:pPr indent="0">
-              <a:lnSpc>
-                <a:spcPct val="90000"/>
-              </a:lnSpc>
               <a:spcBef>
                 <a:spcPts val="1417"/>
               </a:spcBef>
               <a:buNone/>
             </a:pPr>
-            <a:endParaRPr b="0" lang="en-US" sz="2800" spc="-1" strike="noStrike">
+            <a:endParaRPr b="0" lang="en-IN" sz="3200" spc="-1" strike="noStrike">
               <a:solidFill>
                 <a:srgbClr val="000000"/>
               </a:solidFill>
@@ -2342,7 +2267,7 @@
         <p:txBody>
           <a:bodyPr/>
           <a:p>
-            <a:fld id="{AA7E6E2F-B78F-4933-B971-E9AD16C5A5F3}" type="slidenum">
+            <a:fld id="{CFE180AD-21E5-4659-A43D-F857ECB79188}" type="slidenum">
               <a:t>&lt;#&gt;</a:t>
             </a:fld>
           </a:p>
@@ -2382,8 +2307,8 @@
         </p:nvSpPr>
         <p:spPr>
           <a:xfrm>
-            <a:off x="2514600" y="257040"/>
-            <a:ext cx="4111200" cy="624240"/>
+            <a:off x="2514600" y="256320"/>
+            <a:ext cx="4110480" cy="625320"/>
           </a:xfrm>
           <a:prstGeom prst="rect">
             <a:avLst/>
@@ -2398,10 +2323,10 @@
             <a:noAutofit/>
           </a:bodyPr>
           <a:p>
-            <a:pPr indent="0">
+            <a:pPr indent="0" algn="ctr">
               <a:buNone/>
             </a:pPr>
-            <a:endParaRPr b="0" lang="en-US" sz="1800" spc="-1" strike="noStrike">
+            <a:endParaRPr b="0" lang="en-IN" sz="4400" spc="-1" strike="noStrike">
               <a:solidFill>
                 <a:srgbClr val="000000"/>
               </a:solidFill>
@@ -2439,15 +2364,12 @@
           </a:bodyPr>
           <a:p>
             <a:pPr indent="0">
-              <a:lnSpc>
-                <a:spcPct val="90000"/>
-              </a:lnSpc>
               <a:spcBef>
                 <a:spcPts val="1417"/>
               </a:spcBef>
               <a:buNone/>
             </a:pPr>
-            <a:endParaRPr b="0" lang="en-US" sz="2800" spc="-1" strike="noStrike">
+            <a:endParaRPr b="0" lang="en-IN" sz="3200" spc="-1" strike="noStrike">
               <a:solidFill>
                 <a:srgbClr val="000000"/>
               </a:solidFill>
@@ -2485,15 +2407,12 @@
           </a:bodyPr>
           <a:p>
             <a:pPr indent="0">
-              <a:lnSpc>
-                <a:spcPct val="90000"/>
-              </a:lnSpc>
               <a:spcBef>
                 <a:spcPts val="1417"/>
               </a:spcBef>
               <a:buNone/>
             </a:pPr>
-            <a:endParaRPr b="0" lang="en-US" sz="2800" spc="-1" strike="noStrike">
+            <a:endParaRPr b="0" lang="en-IN" sz="3200" spc="-1" strike="noStrike">
               <a:solidFill>
                 <a:srgbClr val="000000"/>
               </a:solidFill>
@@ -2531,15 +2450,12 @@
           </a:bodyPr>
           <a:p>
             <a:pPr indent="0">
-              <a:lnSpc>
-                <a:spcPct val="90000"/>
-              </a:lnSpc>
               <a:spcBef>
                 <a:spcPts val="1417"/>
               </a:spcBef>
               <a:buNone/>
             </a:pPr>
-            <a:endParaRPr b="0" lang="en-US" sz="2800" spc="-1" strike="noStrike">
+            <a:endParaRPr b="0" lang="en-IN" sz="3200" spc="-1" strike="noStrike">
               <a:solidFill>
                 <a:srgbClr val="000000"/>
               </a:solidFill>
@@ -2577,15 +2493,12 @@
           </a:bodyPr>
           <a:p>
             <a:pPr indent="0">
-              <a:lnSpc>
-                <a:spcPct val="90000"/>
-              </a:lnSpc>
               <a:spcBef>
                 <a:spcPts val="1417"/>
               </a:spcBef>
               <a:buNone/>
             </a:pPr>
-            <a:endParaRPr b="0" lang="en-US" sz="2800" spc="-1" strike="noStrike">
+            <a:endParaRPr b="0" lang="en-IN" sz="3200" spc="-1" strike="noStrike">
               <a:solidFill>
                 <a:srgbClr val="000000"/>
               </a:solidFill>
@@ -2608,7 +2521,7 @@
         <p:txBody>
           <a:bodyPr/>
           <a:p>
-            <a:fld id="{14A86CDE-22DA-4E0E-8D38-97DCA537801E}" type="slidenum">
+            <a:fld id="{08C8DD6D-FEE3-4EE9-9AB2-A13607AE3F9B}" type="slidenum">
               <a:t>&lt;#&gt;</a:t>
             </a:fld>
           </a:p>
@@ -2648,8 +2561,8 @@
         </p:nvSpPr>
         <p:spPr>
           <a:xfrm>
-            <a:off x="2514600" y="257040"/>
-            <a:ext cx="4111200" cy="624240"/>
+            <a:off x="2514600" y="256320"/>
+            <a:ext cx="4110480" cy="625320"/>
           </a:xfrm>
           <a:prstGeom prst="rect">
             <a:avLst/>
@@ -2664,10 +2577,10 @@
             <a:noAutofit/>
           </a:bodyPr>
           <a:p>
-            <a:pPr indent="0">
+            <a:pPr indent="0" algn="ctr">
               <a:buNone/>
             </a:pPr>
-            <a:endParaRPr b="0" lang="en-US" sz="1800" spc="-1" strike="noStrike">
+            <a:endParaRPr b="0" lang="en-IN" sz="4400" spc="-1" strike="noStrike">
               <a:solidFill>
                 <a:srgbClr val="000000"/>
               </a:solidFill>
@@ -2705,15 +2618,12 @@
           </a:bodyPr>
           <a:p>
             <a:pPr indent="0">
-              <a:lnSpc>
-                <a:spcPct val="90000"/>
-              </a:lnSpc>
               <a:spcBef>
                 <a:spcPts val="1417"/>
               </a:spcBef>
               <a:buNone/>
             </a:pPr>
-            <a:endParaRPr b="0" lang="en-US" sz="2800" spc="-1" strike="noStrike">
+            <a:endParaRPr b="0" lang="en-IN" sz="3200" spc="-1" strike="noStrike">
               <a:solidFill>
                 <a:srgbClr val="000000"/>
               </a:solidFill>
@@ -2751,15 +2661,12 @@
           </a:bodyPr>
           <a:p>
             <a:pPr indent="0">
-              <a:lnSpc>
-                <a:spcPct val="90000"/>
-              </a:lnSpc>
               <a:spcBef>
                 <a:spcPts val="1417"/>
               </a:spcBef>
               <a:buNone/>
             </a:pPr>
-            <a:endParaRPr b="0" lang="en-US" sz="2800" spc="-1" strike="noStrike">
+            <a:endParaRPr b="0" lang="en-IN" sz="3200" spc="-1" strike="noStrike">
               <a:solidFill>
                 <a:srgbClr val="000000"/>
               </a:solidFill>
@@ -2797,15 +2704,12 @@
           </a:bodyPr>
           <a:p>
             <a:pPr indent="0">
-              <a:lnSpc>
-                <a:spcPct val="90000"/>
-              </a:lnSpc>
               <a:spcBef>
                 <a:spcPts val="1417"/>
               </a:spcBef>
               <a:buNone/>
             </a:pPr>
-            <a:endParaRPr b="0" lang="en-US" sz="2800" spc="-1" strike="noStrike">
+            <a:endParaRPr b="0" lang="en-IN" sz="3200" spc="-1" strike="noStrike">
               <a:solidFill>
                 <a:srgbClr val="000000"/>
               </a:solidFill>
@@ -2843,15 +2747,12 @@
           </a:bodyPr>
           <a:p>
             <a:pPr indent="0">
-              <a:lnSpc>
-                <a:spcPct val="90000"/>
-              </a:lnSpc>
               <a:spcBef>
                 <a:spcPts val="1417"/>
               </a:spcBef>
               <a:buNone/>
             </a:pPr>
-            <a:endParaRPr b="0" lang="en-US" sz="2800" spc="-1" strike="noStrike">
+            <a:endParaRPr b="0" lang="en-IN" sz="3200" spc="-1" strike="noStrike">
               <a:solidFill>
                 <a:srgbClr val="000000"/>
               </a:solidFill>
@@ -2889,15 +2790,12 @@
           </a:bodyPr>
           <a:p>
             <a:pPr indent="0">
-              <a:lnSpc>
-                <a:spcPct val="90000"/>
-              </a:lnSpc>
               <a:spcBef>
                 <a:spcPts val="1417"/>
               </a:spcBef>
               <a:buNone/>
             </a:pPr>
-            <a:endParaRPr b="0" lang="en-US" sz="2800" spc="-1" strike="noStrike">
+            <a:endParaRPr b="0" lang="en-IN" sz="3200" spc="-1" strike="noStrike">
               <a:solidFill>
                 <a:srgbClr val="000000"/>
               </a:solidFill>
@@ -2935,15 +2833,12 @@
           </a:bodyPr>
           <a:p>
             <a:pPr indent="0">
-              <a:lnSpc>
-                <a:spcPct val="90000"/>
-              </a:lnSpc>
               <a:spcBef>
                 <a:spcPts val="1417"/>
               </a:spcBef>
               <a:buNone/>
             </a:pPr>
-            <a:endParaRPr b="0" lang="en-US" sz="2800" spc="-1" strike="noStrike">
+            <a:endParaRPr b="0" lang="en-IN" sz="3200" spc="-1" strike="noStrike">
               <a:solidFill>
                 <a:srgbClr val="000000"/>
               </a:solidFill>
@@ -2966,7 +2861,7 @@
         <p:txBody>
           <a:bodyPr/>
           <a:p>
-            <a:fld id="{1EC40F4F-9045-4D10-895A-7DB9BAE8AFB7}" type="slidenum">
+            <a:fld id="{C027EFF1-0D2A-47D3-8136-6FE3C8A83083}" type="slidenum">
               <a:t>&lt;#&gt;</a:t>
             </a:fld>
           </a:p>
@@ -3008,7 +2903,7 @@
         <p:txBody>
           <a:bodyPr/>
           <a:p>
-            <a:fld id="{DD114E57-DFB6-42BB-8472-A53FE7680EC1}" type="slidenum">
+            <a:fld id="{88768943-210B-42E6-8847-CFF64D4D52B6}" type="slidenum">
               <a:t>&lt;#&gt;</a:t>
             </a:fld>
           </a:p>
@@ -3048,8 +2943,8 @@
         </p:nvSpPr>
         <p:spPr>
           <a:xfrm>
-            <a:off x="2514600" y="257040"/>
-            <a:ext cx="4111200" cy="624240"/>
+            <a:off x="2514600" y="256320"/>
+            <a:ext cx="4110480" cy="625320"/>
           </a:xfrm>
           <a:prstGeom prst="rect">
             <a:avLst/>
@@ -3064,10 +2959,10 @@
             <a:noAutofit/>
           </a:bodyPr>
           <a:p>
-            <a:pPr indent="0">
+            <a:pPr indent="0" algn="ctr">
               <a:buNone/>
             </a:pPr>
-            <a:endParaRPr b="0" lang="en-US" sz="1800" spc="-1" strike="noStrike">
+            <a:endParaRPr b="0" lang="en-IN" sz="4400" spc="-1" strike="noStrike">
               <a:solidFill>
                 <a:srgbClr val="000000"/>
               </a:solidFill>
@@ -3130,7 +3025,7 @@
         <p:txBody>
           <a:bodyPr/>
           <a:p>
-            <a:fld id="{EA8A691F-6122-41D5-8D51-DDCAD0036891}" type="slidenum">
+            <a:fld id="{4FFA4A74-824C-4AEF-BE40-0210867B898C}" type="slidenum">
               <a:t>&lt;#&gt;</a:t>
             </a:fld>
           </a:p>
@@ -3170,8 +3065,8 @@
         </p:nvSpPr>
         <p:spPr>
           <a:xfrm>
-            <a:off x="2514600" y="257040"/>
-            <a:ext cx="4111200" cy="624240"/>
+            <a:off x="2514600" y="256320"/>
+            <a:ext cx="4110480" cy="625320"/>
           </a:xfrm>
           <a:prstGeom prst="rect">
             <a:avLst/>
@@ -3186,10 +3081,10 @@
             <a:noAutofit/>
           </a:bodyPr>
           <a:p>
-            <a:pPr indent="0">
+            <a:pPr indent="0" algn="ctr">
               <a:buNone/>
             </a:pPr>
-            <a:endParaRPr b="0" lang="en-US" sz="1800" spc="-1" strike="noStrike">
+            <a:endParaRPr b="0" lang="en-IN" sz="4400" spc="-1" strike="noStrike">
               <a:solidFill>
                 <a:srgbClr val="000000"/>
               </a:solidFill>
@@ -3227,15 +3122,12 @@
           </a:bodyPr>
           <a:p>
             <a:pPr indent="0">
-              <a:lnSpc>
-                <a:spcPct val="90000"/>
-              </a:lnSpc>
               <a:spcBef>
                 <a:spcPts val="1417"/>
               </a:spcBef>
               <a:buNone/>
             </a:pPr>
-            <a:endParaRPr b="0" lang="en-US" sz="2800" spc="-1" strike="noStrike">
+            <a:endParaRPr b="0" lang="en-IN" sz="3200" spc="-1" strike="noStrike">
               <a:solidFill>
                 <a:srgbClr val="000000"/>
               </a:solidFill>
@@ -3258,7 +3150,7 @@
         <p:txBody>
           <a:bodyPr/>
           <a:p>
-            <a:fld id="{CE36BC3E-4B58-4F8C-AFB6-2492A5DAF4A3}" type="slidenum">
+            <a:fld id="{ECAD3072-4AA1-4747-BEB5-CDDEB667C364}" type="slidenum">
               <a:t>&lt;#&gt;</a:t>
             </a:fld>
           </a:p>
@@ -3298,8 +3190,8 @@
         </p:nvSpPr>
         <p:spPr>
           <a:xfrm>
-            <a:off x="2514600" y="257040"/>
-            <a:ext cx="4111200" cy="624240"/>
+            <a:off x="2514600" y="256320"/>
+            <a:ext cx="4110480" cy="625320"/>
           </a:xfrm>
           <a:prstGeom prst="rect">
             <a:avLst/>
@@ -3314,10 +3206,10 @@
             <a:noAutofit/>
           </a:bodyPr>
           <a:p>
-            <a:pPr indent="0">
+            <a:pPr indent="0" algn="ctr">
               <a:buNone/>
             </a:pPr>
-            <a:endParaRPr b="0" lang="en-US" sz="1800" spc="-1" strike="noStrike">
+            <a:endParaRPr b="0" lang="en-IN" sz="4400" spc="-1" strike="noStrike">
               <a:solidFill>
                 <a:srgbClr val="000000"/>
               </a:solidFill>
@@ -3355,15 +3247,12 @@
           </a:bodyPr>
           <a:p>
             <a:pPr indent="0">
-              <a:lnSpc>
-                <a:spcPct val="90000"/>
-              </a:lnSpc>
               <a:spcBef>
                 <a:spcPts val="1417"/>
               </a:spcBef>
               <a:buNone/>
             </a:pPr>
-            <a:endParaRPr b="0" lang="en-US" sz="2800" spc="-1" strike="noStrike">
+            <a:endParaRPr b="0" lang="en-IN" sz="3200" spc="-1" strike="noStrike">
               <a:solidFill>
                 <a:srgbClr val="000000"/>
               </a:solidFill>
@@ -3401,15 +3290,12 @@
           </a:bodyPr>
           <a:p>
             <a:pPr indent="0">
-              <a:lnSpc>
-                <a:spcPct val="90000"/>
-              </a:lnSpc>
               <a:spcBef>
                 <a:spcPts val="1417"/>
               </a:spcBef>
               <a:buNone/>
             </a:pPr>
-            <a:endParaRPr b="0" lang="en-US" sz="2800" spc="-1" strike="noStrike">
+            <a:endParaRPr b="0" lang="en-IN" sz="3200" spc="-1" strike="noStrike">
               <a:solidFill>
                 <a:srgbClr val="000000"/>
               </a:solidFill>
@@ -3432,7 +3318,7 @@
         <p:txBody>
           <a:bodyPr/>
           <a:p>
-            <a:fld id="{EF1FCD2B-9401-49AE-86C1-828BE0FBE503}" type="slidenum">
+            <a:fld id="{78945F96-E596-4EF8-9A67-F0831B2D3F73}" type="slidenum">
               <a:t>&lt;#&gt;</a:t>
             </a:fld>
           </a:p>
@@ -3472,8 +3358,8 @@
         </p:nvSpPr>
         <p:spPr>
           <a:xfrm>
-            <a:off x="2514600" y="257040"/>
-            <a:ext cx="4111200" cy="624240"/>
+            <a:off x="2514600" y="256320"/>
+            <a:ext cx="4110480" cy="625320"/>
           </a:xfrm>
           <a:prstGeom prst="rect">
             <a:avLst/>
@@ -3488,10 +3374,10 @@
             <a:noAutofit/>
           </a:bodyPr>
           <a:p>
-            <a:pPr indent="0">
+            <a:pPr indent="0" algn="ctr">
               <a:buNone/>
             </a:pPr>
-            <a:endParaRPr b="0" lang="en-US" sz="1800" spc="-1" strike="noStrike">
+            <a:endParaRPr b="0" lang="en-IN" sz="4400" spc="-1" strike="noStrike">
               <a:solidFill>
                 <a:srgbClr val="000000"/>
               </a:solidFill>
@@ -3514,7 +3400,7 @@
         <p:txBody>
           <a:bodyPr/>
           <a:p>
-            <a:fld id="{D4F80523-8CC2-491D-BBA3-67F93A6BED23}" type="slidenum">
+            <a:fld id="{07087E3D-6A15-4DF0-B66A-7268F12D7052}" type="slidenum">
               <a:t>&lt;#&gt;</a:t>
             </a:fld>
           </a:p>
@@ -3554,8 +3440,8 @@
         </p:nvSpPr>
         <p:spPr>
           <a:xfrm>
-            <a:off x="2514600" y="257040"/>
-            <a:ext cx="4111200" cy="624240"/>
+            <a:off x="2514600" y="256320"/>
+            <a:ext cx="4110480" cy="625320"/>
           </a:xfrm>
           <a:prstGeom prst="rect">
             <a:avLst/>
@@ -3570,10 +3456,10 @@
             <a:noAutofit/>
           </a:bodyPr>
           <a:p>
-            <a:pPr indent="0">
+            <a:pPr indent="0" algn="ctr">
               <a:buNone/>
             </a:pPr>
-            <a:endParaRPr b="0" lang="en-US" sz="1800" spc="-1" strike="noStrike">
+            <a:endParaRPr b="0" lang="en-IN" sz="4400" spc="-1" strike="noStrike">
               <a:solidFill>
                 <a:srgbClr val="000000"/>
               </a:solidFill>
@@ -3611,15 +3497,12 @@
           </a:bodyPr>
           <a:p>
             <a:pPr indent="0">
-              <a:lnSpc>
-                <a:spcPct val="90000"/>
-              </a:lnSpc>
               <a:spcBef>
                 <a:spcPts val="1417"/>
               </a:spcBef>
               <a:buNone/>
             </a:pPr>
-            <a:endParaRPr b="0" lang="en-US" sz="2800" spc="-1" strike="noStrike">
+            <a:endParaRPr b="0" lang="en-IN" sz="3200" spc="-1" strike="noStrike">
               <a:solidFill>
                 <a:srgbClr val="000000"/>
               </a:solidFill>
@@ -3662,8 +3545,8 @@
         </p:nvSpPr>
         <p:spPr>
           <a:xfrm>
-            <a:off x="2514600" y="257040"/>
-            <a:ext cx="4111200" cy="2894760"/>
+            <a:off x="2514600" y="256320"/>
+            <a:ext cx="4110480" cy="2898360"/>
           </a:xfrm>
           <a:prstGeom prst="rect">
             <a:avLst/>
@@ -3702,7 +3585,7 @@
         <p:txBody>
           <a:bodyPr/>
           <a:p>
-            <a:fld id="{8F09D15F-4796-4563-A711-DBACD6290125}" type="slidenum">
+            <a:fld id="{95404D4D-D1D3-4CCE-9844-FB6370DA8FE8}" type="slidenum">
               <a:t>&lt;#&gt;</a:t>
             </a:fld>
           </a:p>
@@ -3742,8 +3625,8 @@
         </p:nvSpPr>
         <p:spPr>
           <a:xfrm>
-            <a:off x="2514600" y="257040"/>
-            <a:ext cx="4111200" cy="624240"/>
+            <a:off x="2514600" y="256320"/>
+            <a:ext cx="4110480" cy="625320"/>
           </a:xfrm>
           <a:prstGeom prst="rect">
             <a:avLst/>
@@ -3758,10 +3641,10 @@
             <a:noAutofit/>
           </a:bodyPr>
           <a:p>
-            <a:pPr indent="0">
+            <a:pPr indent="0" algn="ctr">
               <a:buNone/>
             </a:pPr>
-            <a:endParaRPr b="0" lang="en-US" sz="1800" spc="-1" strike="noStrike">
+            <a:endParaRPr b="0" lang="en-IN" sz="4400" spc="-1" strike="noStrike">
               <a:solidFill>
                 <a:srgbClr val="000000"/>
               </a:solidFill>
@@ -3799,15 +3682,12 @@
           </a:bodyPr>
           <a:p>
             <a:pPr indent="0">
-              <a:lnSpc>
-                <a:spcPct val="90000"/>
-              </a:lnSpc>
               <a:spcBef>
                 <a:spcPts val="1417"/>
               </a:spcBef>
               <a:buNone/>
             </a:pPr>
-            <a:endParaRPr b="0" lang="en-US" sz="2800" spc="-1" strike="noStrike">
+            <a:endParaRPr b="0" lang="en-IN" sz="3200" spc="-1" strike="noStrike">
               <a:solidFill>
                 <a:srgbClr val="000000"/>
               </a:solidFill>
@@ -3845,15 +3725,12 @@
           </a:bodyPr>
           <a:p>
             <a:pPr indent="0">
-              <a:lnSpc>
-                <a:spcPct val="90000"/>
-              </a:lnSpc>
               <a:spcBef>
                 <a:spcPts val="1417"/>
               </a:spcBef>
               <a:buNone/>
             </a:pPr>
-            <a:endParaRPr b="0" lang="en-US" sz="2800" spc="-1" strike="noStrike">
+            <a:endParaRPr b="0" lang="en-IN" sz="3200" spc="-1" strike="noStrike">
               <a:solidFill>
                 <a:srgbClr val="000000"/>
               </a:solidFill>
@@ -3891,15 +3768,12 @@
           </a:bodyPr>
           <a:p>
             <a:pPr indent="0">
-              <a:lnSpc>
-                <a:spcPct val="90000"/>
-              </a:lnSpc>
               <a:spcBef>
                 <a:spcPts val="1417"/>
               </a:spcBef>
               <a:buNone/>
             </a:pPr>
-            <a:endParaRPr b="0" lang="en-US" sz="2800" spc="-1" strike="noStrike">
+            <a:endParaRPr b="0" lang="en-IN" sz="3200" spc="-1" strike="noStrike">
               <a:solidFill>
                 <a:srgbClr val="000000"/>
               </a:solidFill>
@@ -3922,7 +3796,7 @@
         <p:txBody>
           <a:bodyPr/>
           <a:p>
-            <a:fld id="{51598092-461F-484D-8B7A-76B54D276670}" type="slidenum">
+            <a:fld id="{4205663E-DAAF-4247-8816-1B6CFD9B1904}" type="slidenum">
               <a:t>&lt;#&gt;</a:t>
             </a:fld>
           </a:p>
@@ -3962,8 +3836,8 @@
         </p:nvSpPr>
         <p:spPr>
           <a:xfrm>
-            <a:off x="2514600" y="257040"/>
-            <a:ext cx="4111200" cy="624240"/>
+            <a:off x="2514600" y="256320"/>
+            <a:ext cx="4110480" cy="625320"/>
           </a:xfrm>
           <a:prstGeom prst="rect">
             <a:avLst/>
@@ -3978,10 +3852,10 @@
             <a:noAutofit/>
           </a:bodyPr>
           <a:p>
-            <a:pPr indent="0">
+            <a:pPr indent="0" algn="ctr">
               <a:buNone/>
             </a:pPr>
-            <a:endParaRPr b="0" lang="en-US" sz="1800" spc="-1" strike="noStrike">
+            <a:endParaRPr b="0" lang="en-IN" sz="4400" spc="-1" strike="noStrike">
               <a:solidFill>
                 <a:srgbClr val="000000"/>
               </a:solidFill>
@@ -4019,15 +3893,12 @@
           </a:bodyPr>
           <a:p>
             <a:pPr indent="0">
-              <a:lnSpc>
-                <a:spcPct val="90000"/>
-              </a:lnSpc>
               <a:spcBef>
                 <a:spcPts val="1417"/>
               </a:spcBef>
               <a:buNone/>
             </a:pPr>
-            <a:endParaRPr b="0" lang="en-US" sz="2800" spc="-1" strike="noStrike">
+            <a:endParaRPr b="0" lang="en-IN" sz="3200" spc="-1" strike="noStrike">
               <a:solidFill>
                 <a:srgbClr val="000000"/>
               </a:solidFill>
@@ -4065,15 +3936,12 @@
           </a:bodyPr>
           <a:p>
             <a:pPr indent="0">
-              <a:lnSpc>
-                <a:spcPct val="90000"/>
-              </a:lnSpc>
               <a:spcBef>
                 <a:spcPts val="1417"/>
               </a:spcBef>
               <a:buNone/>
             </a:pPr>
-            <a:endParaRPr b="0" lang="en-US" sz="2800" spc="-1" strike="noStrike">
+            <a:endParaRPr b="0" lang="en-IN" sz="3200" spc="-1" strike="noStrike">
               <a:solidFill>
                 <a:srgbClr val="000000"/>
               </a:solidFill>
@@ -4111,15 +3979,12 @@
           </a:bodyPr>
           <a:p>
             <a:pPr indent="0">
-              <a:lnSpc>
-                <a:spcPct val="90000"/>
-              </a:lnSpc>
               <a:spcBef>
                 <a:spcPts val="1417"/>
               </a:spcBef>
               <a:buNone/>
             </a:pPr>
-            <a:endParaRPr b="0" lang="en-US" sz="2800" spc="-1" strike="noStrike">
+            <a:endParaRPr b="0" lang="en-IN" sz="3200" spc="-1" strike="noStrike">
               <a:solidFill>
                 <a:srgbClr val="000000"/>
               </a:solidFill>
@@ -4142,7 +4007,7 @@
         <p:txBody>
           <a:bodyPr/>
           <a:p>
-            <a:fld id="{B4B5FC8A-0DDD-4C5E-ADE1-C21C76ADF338}" type="slidenum">
+            <a:fld id="{A7342AE7-33B1-4818-85DC-E4ABE2CCF7FD}" type="slidenum">
               <a:t>&lt;#&gt;</a:t>
             </a:fld>
           </a:p>
@@ -4182,8 +4047,8 @@
         </p:nvSpPr>
         <p:spPr>
           <a:xfrm>
-            <a:off x="2514600" y="257040"/>
-            <a:ext cx="4111200" cy="624240"/>
+            <a:off x="2514600" y="256320"/>
+            <a:ext cx="4110480" cy="625320"/>
           </a:xfrm>
           <a:prstGeom prst="rect">
             <a:avLst/>
@@ -4198,10 +4063,10 @@
             <a:noAutofit/>
           </a:bodyPr>
           <a:p>
-            <a:pPr indent="0">
+            <a:pPr indent="0" algn="ctr">
               <a:buNone/>
             </a:pPr>
-            <a:endParaRPr b="0" lang="en-US" sz="1800" spc="-1" strike="noStrike">
+            <a:endParaRPr b="0" lang="en-IN" sz="4400" spc="-1" strike="noStrike">
               <a:solidFill>
                 <a:srgbClr val="000000"/>
               </a:solidFill>
@@ -4239,15 +4104,12 @@
           </a:bodyPr>
           <a:p>
             <a:pPr indent="0">
-              <a:lnSpc>
-                <a:spcPct val="90000"/>
-              </a:lnSpc>
               <a:spcBef>
                 <a:spcPts val="1417"/>
               </a:spcBef>
               <a:buNone/>
             </a:pPr>
-            <a:endParaRPr b="0" lang="en-US" sz="2800" spc="-1" strike="noStrike">
+            <a:endParaRPr b="0" lang="en-IN" sz="3200" spc="-1" strike="noStrike">
               <a:solidFill>
                 <a:srgbClr val="000000"/>
               </a:solidFill>
@@ -4285,15 +4147,12 @@
           </a:bodyPr>
           <a:p>
             <a:pPr indent="0">
-              <a:lnSpc>
-                <a:spcPct val="90000"/>
-              </a:lnSpc>
               <a:spcBef>
                 <a:spcPts val="1417"/>
               </a:spcBef>
               <a:buNone/>
             </a:pPr>
-            <a:endParaRPr b="0" lang="en-US" sz="2800" spc="-1" strike="noStrike">
+            <a:endParaRPr b="0" lang="en-IN" sz="3200" spc="-1" strike="noStrike">
               <a:solidFill>
                 <a:srgbClr val="000000"/>
               </a:solidFill>
@@ -4331,15 +4190,12 @@
           </a:bodyPr>
           <a:p>
             <a:pPr indent="0">
-              <a:lnSpc>
-                <a:spcPct val="90000"/>
-              </a:lnSpc>
               <a:spcBef>
                 <a:spcPts val="1417"/>
               </a:spcBef>
               <a:buNone/>
             </a:pPr>
-            <a:endParaRPr b="0" lang="en-US" sz="2800" spc="-1" strike="noStrike">
+            <a:endParaRPr b="0" lang="en-IN" sz="3200" spc="-1" strike="noStrike">
               <a:solidFill>
                 <a:srgbClr val="000000"/>
               </a:solidFill>
@@ -4362,7 +4218,7 @@
         <p:txBody>
           <a:bodyPr/>
           <a:p>
-            <a:fld id="{D02D12CC-74F6-4B27-889E-A05AD580712F}" type="slidenum">
+            <a:fld id="{73F1789E-9E91-475B-9B19-E9E0919E83F9}" type="slidenum">
               <a:t>&lt;#&gt;</a:t>
             </a:fld>
           </a:p>
@@ -4402,8 +4258,8 @@
         </p:nvSpPr>
         <p:spPr>
           <a:xfrm>
-            <a:off x="2514600" y="257040"/>
-            <a:ext cx="4111200" cy="624240"/>
+            <a:off x="2514600" y="256320"/>
+            <a:ext cx="4110480" cy="625320"/>
           </a:xfrm>
           <a:prstGeom prst="rect">
             <a:avLst/>
@@ -4418,10 +4274,10 @@
             <a:noAutofit/>
           </a:bodyPr>
           <a:p>
-            <a:pPr indent="0">
+            <a:pPr indent="0" algn="ctr">
               <a:buNone/>
             </a:pPr>
-            <a:endParaRPr b="0" lang="en-US" sz="1800" spc="-1" strike="noStrike">
+            <a:endParaRPr b="0" lang="en-IN" sz="4400" spc="-1" strike="noStrike">
               <a:solidFill>
                 <a:srgbClr val="000000"/>
               </a:solidFill>
@@ -4459,15 +4315,12 @@
           </a:bodyPr>
           <a:p>
             <a:pPr indent="0">
-              <a:lnSpc>
-                <a:spcPct val="90000"/>
-              </a:lnSpc>
               <a:spcBef>
                 <a:spcPts val="1417"/>
               </a:spcBef>
               <a:buNone/>
             </a:pPr>
-            <a:endParaRPr b="0" lang="en-US" sz="2800" spc="-1" strike="noStrike">
+            <a:endParaRPr b="0" lang="en-IN" sz="3200" spc="-1" strike="noStrike">
               <a:solidFill>
                 <a:srgbClr val="000000"/>
               </a:solidFill>
@@ -4505,15 +4358,12 @@
           </a:bodyPr>
           <a:p>
             <a:pPr indent="0">
-              <a:lnSpc>
-                <a:spcPct val="90000"/>
-              </a:lnSpc>
               <a:spcBef>
                 <a:spcPts val="1417"/>
               </a:spcBef>
               <a:buNone/>
             </a:pPr>
-            <a:endParaRPr b="0" lang="en-US" sz="2800" spc="-1" strike="noStrike">
+            <a:endParaRPr b="0" lang="en-IN" sz="3200" spc="-1" strike="noStrike">
               <a:solidFill>
                 <a:srgbClr val="000000"/>
               </a:solidFill>
@@ -4536,7 +4386,7 @@
         <p:txBody>
           <a:bodyPr/>
           <a:p>
-            <a:fld id="{E8CAE45F-24EE-44A2-8AC2-949ED1E01BD5}" type="slidenum">
+            <a:fld id="{C97CFFD4-D1F7-4832-889B-C38ED1C650E5}" type="slidenum">
               <a:t>&lt;#&gt;</a:t>
             </a:fld>
           </a:p>
@@ -4576,8 +4426,8 @@
         </p:nvSpPr>
         <p:spPr>
           <a:xfrm>
-            <a:off x="2514600" y="257040"/>
-            <a:ext cx="4111200" cy="624240"/>
+            <a:off x="2514600" y="256320"/>
+            <a:ext cx="4110480" cy="625320"/>
           </a:xfrm>
           <a:prstGeom prst="rect">
             <a:avLst/>
@@ -4592,10 +4442,10 @@
             <a:noAutofit/>
           </a:bodyPr>
           <a:p>
-            <a:pPr indent="0">
+            <a:pPr indent="0" algn="ctr">
               <a:buNone/>
             </a:pPr>
-            <a:endParaRPr b="0" lang="en-US" sz="1800" spc="-1" strike="noStrike">
+            <a:endParaRPr b="0" lang="en-IN" sz="4400" spc="-1" strike="noStrike">
               <a:solidFill>
                 <a:srgbClr val="000000"/>
               </a:solidFill>
@@ -4633,15 +4483,12 @@
           </a:bodyPr>
           <a:p>
             <a:pPr indent="0">
-              <a:lnSpc>
-                <a:spcPct val="90000"/>
-              </a:lnSpc>
               <a:spcBef>
                 <a:spcPts val="1417"/>
               </a:spcBef>
               <a:buNone/>
             </a:pPr>
-            <a:endParaRPr b="0" lang="en-US" sz="2800" spc="-1" strike="noStrike">
+            <a:endParaRPr b="0" lang="en-IN" sz="3200" spc="-1" strike="noStrike">
               <a:solidFill>
                 <a:srgbClr val="000000"/>
               </a:solidFill>
@@ -4679,15 +4526,12 @@
           </a:bodyPr>
           <a:p>
             <a:pPr indent="0">
-              <a:lnSpc>
-                <a:spcPct val="90000"/>
-              </a:lnSpc>
               <a:spcBef>
                 <a:spcPts val="1417"/>
               </a:spcBef>
               <a:buNone/>
             </a:pPr>
-            <a:endParaRPr b="0" lang="en-US" sz="2800" spc="-1" strike="noStrike">
+            <a:endParaRPr b="0" lang="en-IN" sz="3200" spc="-1" strike="noStrike">
               <a:solidFill>
                 <a:srgbClr val="000000"/>
               </a:solidFill>
@@ -4725,15 +4569,12 @@
           </a:bodyPr>
           <a:p>
             <a:pPr indent="0">
-              <a:lnSpc>
-                <a:spcPct val="90000"/>
-              </a:lnSpc>
               <a:spcBef>
                 <a:spcPts val="1417"/>
               </a:spcBef>
               <a:buNone/>
             </a:pPr>
-            <a:endParaRPr b="0" lang="en-US" sz="2800" spc="-1" strike="noStrike">
+            <a:endParaRPr b="0" lang="en-IN" sz="3200" spc="-1" strike="noStrike">
               <a:solidFill>
                 <a:srgbClr val="000000"/>
               </a:solidFill>
@@ -4771,15 +4612,12 @@
           </a:bodyPr>
           <a:p>
             <a:pPr indent="0">
-              <a:lnSpc>
-                <a:spcPct val="90000"/>
-              </a:lnSpc>
               <a:spcBef>
                 <a:spcPts val="1417"/>
               </a:spcBef>
               <a:buNone/>
             </a:pPr>
-            <a:endParaRPr b="0" lang="en-US" sz="2800" spc="-1" strike="noStrike">
+            <a:endParaRPr b="0" lang="en-IN" sz="3200" spc="-1" strike="noStrike">
               <a:solidFill>
                 <a:srgbClr val="000000"/>
               </a:solidFill>
@@ -4802,7 +4640,7 @@
         <p:txBody>
           <a:bodyPr/>
           <a:p>
-            <a:fld id="{A7C54B76-994D-4C6C-A4BB-7FAD0ACF6CF2}" type="slidenum">
+            <a:fld id="{9E5FAB28-B1E3-4A9D-AF86-8C501CCEE3C9}" type="slidenum">
               <a:t>&lt;#&gt;</a:t>
             </a:fld>
           </a:p>
@@ -4842,8 +4680,8 @@
         </p:nvSpPr>
         <p:spPr>
           <a:xfrm>
-            <a:off x="2514600" y="257040"/>
-            <a:ext cx="4111200" cy="624240"/>
+            <a:off x="2514600" y="256320"/>
+            <a:ext cx="4110480" cy="625320"/>
           </a:xfrm>
           <a:prstGeom prst="rect">
             <a:avLst/>
@@ -4858,10 +4696,10 @@
             <a:noAutofit/>
           </a:bodyPr>
           <a:p>
-            <a:pPr indent="0">
+            <a:pPr indent="0" algn="ctr">
               <a:buNone/>
             </a:pPr>
-            <a:endParaRPr b="0" lang="en-US" sz="1800" spc="-1" strike="noStrike">
+            <a:endParaRPr b="0" lang="en-IN" sz="4400" spc="-1" strike="noStrike">
               <a:solidFill>
                 <a:srgbClr val="000000"/>
               </a:solidFill>
@@ -4899,15 +4737,12 @@
           </a:bodyPr>
           <a:p>
             <a:pPr indent="0">
-              <a:lnSpc>
-                <a:spcPct val="90000"/>
-              </a:lnSpc>
               <a:spcBef>
                 <a:spcPts val="1417"/>
               </a:spcBef>
               <a:buNone/>
             </a:pPr>
-            <a:endParaRPr b="0" lang="en-US" sz="2800" spc="-1" strike="noStrike">
+            <a:endParaRPr b="0" lang="en-IN" sz="3200" spc="-1" strike="noStrike">
               <a:solidFill>
                 <a:srgbClr val="000000"/>
               </a:solidFill>
@@ -4945,15 +4780,12 @@
           </a:bodyPr>
           <a:p>
             <a:pPr indent="0">
-              <a:lnSpc>
-                <a:spcPct val="90000"/>
-              </a:lnSpc>
               <a:spcBef>
                 <a:spcPts val="1417"/>
               </a:spcBef>
               <a:buNone/>
             </a:pPr>
-            <a:endParaRPr b="0" lang="en-US" sz="2800" spc="-1" strike="noStrike">
+            <a:endParaRPr b="0" lang="en-IN" sz="3200" spc="-1" strike="noStrike">
               <a:solidFill>
                 <a:srgbClr val="000000"/>
               </a:solidFill>
@@ -4991,15 +4823,12 @@
           </a:bodyPr>
           <a:p>
             <a:pPr indent="0">
-              <a:lnSpc>
-                <a:spcPct val="90000"/>
-              </a:lnSpc>
               <a:spcBef>
                 <a:spcPts val="1417"/>
               </a:spcBef>
               <a:buNone/>
             </a:pPr>
-            <a:endParaRPr b="0" lang="en-US" sz="2800" spc="-1" strike="noStrike">
+            <a:endParaRPr b="0" lang="en-IN" sz="3200" spc="-1" strike="noStrike">
               <a:solidFill>
                 <a:srgbClr val="000000"/>
               </a:solidFill>
@@ -5037,15 +4866,12 @@
           </a:bodyPr>
           <a:p>
             <a:pPr indent="0">
-              <a:lnSpc>
-                <a:spcPct val="90000"/>
-              </a:lnSpc>
               <a:spcBef>
                 <a:spcPts val="1417"/>
               </a:spcBef>
               <a:buNone/>
             </a:pPr>
-            <a:endParaRPr b="0" lang="en-US" sz="2800" spc="-1" strike="noStrike">
+            <a:endParaRPr b="0" lang="en-IN" sz="3200" spc="-1" strike="noStrike">
               <a:solidFill>
                 <a:srgbClr val="000000"/>
               </a:solidFill>
@@ -5083,15 +4909,12 @@
           </a:bodyPr>
           <a:p>
             <a:pPr indent="0">
-              <a:lnSpc>
-                <a:spcPct val="90000"/>
-              </a:lnSpc>
               <a:spcBef>
                 <a:spcPts val="1417"/>
               </a:spcBef>
               <a:buNone/>
             </a:pPr>
-            <a:endParaRPr b="0" lang="en-US" sz="2800" spc="-1" strike="noStrike">
+            <a:endParaRPr b="0" lang="en-IN" sz="3200" spc="-1" strike="noStrike">
               <a:solidFill>
                 <a:srgbClr val="000000"/>
               </a:solidFill>
@@ -5129,15 +4952,12 @@
           </a:bodyPr>
           <a:p>
             <a:pPr indent="0">
-              <a:lnSpc>
-                <a:spcPct val="90000"/>
-              </a:lnSpc>
               <a:spcBef>
                 <a:spcPts val="1417"/>
               </a:spcBef>
               <a:buNone/>
             </a:pPr>
-            <a:endParaRPr b="0" lang="en-US" sz="2800" spc="-1" strike="noStrike">
+            <a:endParaRPr b="0" lang="en-IN" sz="3200" spc="-1" strike="noStrike">
               <a:solidFill>
                 <a:srgbClr val="000000"/>
               </a:solidFill>
@@ -5160,7 +4980,7 @@
         <p:txBody>
           <a:bodyPr/>
           <a:p>
-            <a:fld id="{B95B86A4-8AF2-43DB-B4E1-6B0C36B7A286}" type="slidenum">
+            <a:fld id="{FE18479E-1DB4-4C6C-8B19-1B90A461AB70}" type="slidenum">
               <a:t>&lt;#&gt;</a:t>
             </a:fld>
           </a:p>
@@ -5200,8 +5020,8 @@
         </p:nvSpPr>
         <p:spPr>
           <a:xfrm>
-            <a:off x="2514600" y="257040"/>
-            <a:ext cx="4111200" cy="624240"/>
+            <a:off x="2514600" y="256320"/>
+            <a:ext cx="4110480" cy="625320"/>
           </a:xfrm>
           <a:prstGeom prst="rect">
             <a:avLst/>
@@ -5216,10 +5036,10 @@
             <a:noAutofit/>
           </a:bodyPr>
           <a:p>
-            <a:pPr indent="0">
+            <a:pPr indent="0" algn="ctr">
               <a:buNone/>
             </a:pPr>
-            <a:endParaRPr b="0" lang="en-US" sz="1800" spc="-1" strike="noStrike">
+            <a:endParaRPr b="0" lang="en-IN" sz="4400" spc="-1" strike="noStrike">
               <a:solidFill>
                 <a:srgbClr val="000000"/>
               </a:solidFill>
@@ -5257,15 +5077,12 @@
           </a:bodyPr>
           <a:p>
             <a:pPr indent="0">
-              <a:lnSpc>
-                <a:spcPct val="90000"/>
-              </a:lnSpc>
               <a:spcBef>
                 <a:spcPts val="1417"/>
               </a:spcBef>
               <a:buNone/>
             </a:pPr>
-            <a:endParaRPr b="0" lang="en-US" sz="2800" spc="-1" strike="noStrike">
+            <a:endParaRPr b="0" lang="en-IN" sz="3200" spc="-1" strike="noStrike">
               <a:solidFill>
                 <a:srgbClr val="000000"/>
               </a:solidFill>
@@ -5303,15 +5120,12 @@
           </a:bodyPr>
           <a:p>
             <a:pPr indent="0">
-              <a:lnSpc>
-                <a:spcPct val="90000"/>
-              </a:lnSpc>
               <a:spcBef>
                 <a:spcPts val="1417"/>
               </a:spcBef>
               <a:buNone/>
             </a:pPr>
-            <a:endParaRPr b="0" lang="en-US" sz="2800" spc="-1" strike="noStrike">
+            <a:endParaRPr b="0" lang="en-IN" sz="3200" spc="-1" strike="noStrike">
               <a:solidFill>
                 <a:srgbClr val="000000"/>
               </a:solidFill>
@@ -5354,8 +5168,8 @@
         </p:nvSpPr>
         <p:spPr>
           <a:xfrm>
-            <a:off x="2514600" y="257040"/>
-            <a:ext cx="4111200" cy="624240"/>
+            <a:off x="2514600" y="256320"/>
+            <a:ext cx="4110480" cy="625320"/>
           </a:xfrm>
           <a:prstGeom prst="rect">
             <a:avLst/>
@@ -5370,10 +5184,10 @@
             <a:noAutofit/>
           </a:bodyPr>
           <a:p>
-            <a:pPr indent="0">
+            <a:pPr indent="0" algn="ctr">
               <a:buNone/>
             </a:pPr>
-            <a:endParaRPr b="0" lang="en-US" sz="1800" spc="-1" strike="noStrike">
+            <a:endParaRPr b="0" lang="en-IN" sz="4400" spc="-1" strike="noStrike">
               <a:solidFill>
                 <a:srgbClr val="000000"/>
               </a:solidFill>
@@ -5416,8 +5230,8 @@
         </p:nvSpPr>
         <p:spPr>
           <a:xfrm>
-            <a:off x="2514600" y="257040"/>
-            <a:ext cx="4111200" cy="2894760"/>
+            <a:off x="2514600" y="256320"/>
+            <a:ext cx="4110480" cy="2898360"/>
           </a:xfrm>
           <a:prstGeom prst="rect">
             <a:avLst/>
@@ -5476,8 +5290,8 @@
         </p:nvSpPr>
         <p:spPr>
           <a:xfrm>
-            <a:off x="2514600" y="257040"/>
-            <a:ext cx="4111200" cy="624240"/>
+            <a:off x="2514600" y="256320"/>
+            <a:ext cx="4110480" cy="625320"/>
           </a:xfrm>
           <a:prstGeom prst="rect">
             <a:avLst/>
@@ -5492,10 +5306,10 @@
             <a:noAutofit/>
           </a:bodyPr>
           <a:p>
-            <a:pPr indent="0">
+            <a:pPr indent="0" algn="ctr">
               <a:buNone/>
             </a:pPr>
-            <a:endParaRPr b="0" lang="en-US" sz="1800" spc="-1" strike="noStrike">
+            <a:endParaRPr b="0" lang="en-IN" sz="4400" spc="-1" strike="noStrike">
               <a:solidFill>
                 <a:srgbClr val="000000"/>
               </a:solidFill>
@@ -5533,15 +5347,12 @@
           </a:bodyPr>
           <a:p>
             <a:pPr indent="0">
-              <a:lnSpc>
-                <a:spcPct val="90000"/>
-              </a:lnSpc>
               <a:spcBef>
                 <a:spcPts val="1417"/>
               </a:spcBef>
               <a:buNone/>
             </a:pPr>
-            <a:endParaRPr b="0" lang="en-US" sz="2800" spc="-1" strike="noStrike">
+            <a:endParaRPr b="0" lang="en-IN" sz="3200" spc="-1" strike="noStrike">
               <a:solidFill>
                 <a:srgbClr val="000000"/>
               </a:solidFill>
@@ -5579,15 +5390,12 @@
           </a:bodyPr>
           <a:p>
             <a:pPr indent="0">
-              <a:lnSpc>
-                <a:spcPct val="90000"/>
-              </a:lnSpc>
               <a:spcBef>
                 <a:spcPts val="1417"/>
               </a:spcBef>
               <a:buNone/>
             </a:pPr>
-            <a:endParaRPr b="0" lang="en-US" sz="2800" spc="-1" strike="noStrike">
+            <a:endParaRPr b="0" lang="en-IN" sz="3200" spc="-1" strike="noStrike">
               <a:solidFill>
                 <a:srgbClr val="000000"/>
               </a:solidFill>
@@ -5625,15 +5433,12 @@
           </a:bodyPr>
           <a:p>
             <a:pPr indent="0">
-              <a:lnSpc>
-                <a:spcPct val="90000"/>
-              </a:lnSpc>
               <a:spcBef>
                 <a:spcPts val="1417"/>
               </a:spcBef>
               <a:buNone/>
             </a:pPr>
-            <a:endParaRPr b="0" lang="en-US" sz="2800" spc="-1" strike="noStrike">
+            <a:endParaRPr b="0" lang="en-IN" sz="3200" spc="-1" strike="noStrike">
               <a:solidFill>
                 <a:srgbClr val="000000"/>
               </a:solidFill>
@@ -5676,8 +5481,8 @@
         </p:nvSpPr>
         <p:spPr>
           <a:xfrm>
-            <a:off x="2514600" y="257040"/>
-            <a:ext cx="4111200" cy="624240"/>
+            <a:off x="2514600" y="256320"/>
+            <a:ext cx="4110480" cy="625320"/>
           </a:xfrm>
           <a:prstGeom prst="rect">
             <a:avLst/>
@@ -5692,10 +5497,10 @@
             <a:noAutofit/>
           </a:bodyPr>
           <a:p>
-            <a:pPr indent="0">
+            <a:pPr indent="0" algn="ctr">
               <a:buNone/>
             </a:pPr>
-            <a:endParaRPr b="0" lang="en-US" sz="1800" spc="-1" strike="noStrike">
+            <a:endParaRPr b="0" lang="en-IN" sz="4400" spc="-1" strike="noStrike">
               <a:solidFill>
                 <a:srgbClr val="000000"/>
               </a:solidFill>
@@ -5733,15 +5538,12 @@
           </a:bodyPr>
           <a:p>
             <a:pPr indent="0">
-              <a:lnSpc>
-                <a:spcPct val="90000"/>
-              </a:lnSpc>
               <a:spcBef>
                 <a:spcPts val="1417"/>
               </a:spcBef>
               <a:buNone/>
             </a:pPr>
-            <a:endParaRPr b="0" lang="en-US" sz="2800" spc="-1" strike="noStrike">
+            <a:endParaRPr b="0" lang="en-IN" sz="3200" spc="-1" strike="noStrike">
               <a:solidFill>
                 <a:srgbClr val="000000"/>
               </a:solidFill>
@@ -5779,15 +5581,12 @@
           </a:bodyPr>
           <a:p>
             <a:pPr indent="0">
-              <a:lnSpc>
-                <a:spcPct val="90000"/>
-              </a:lnSpc>
               <a:spcBef>
                 <a:spcPts val="1417"/>
               </a:spcBef>
               <a:buNone/>
             </a:pPr>
-            <a:endParaRPr b="0" lang="en-US" sz="2800" spc="-1" strike="noStrike">
+            <a:endParaRPr b="0" lang="en-IN" sz="3200" spc="-1" strike="noStrike">
               <a:solidFill>
                 <a:srgbClr val="000000"/>
               </a:solidFill>
@@ -5825,15 +5624,12 @@
           </a:bodyPr>
           <a:p>
             <a:pPr indent="0">
-              <a:lnSpc>
-                <a:spcPct val="90000"/>
-              </a:lnSpc>
               <a:spcBef>
                 <a:spcPts val="1417"/>
               </a:spcBef>
               <a:buNone/>
             </a:pPr>
-            <a:endParaRPr b="0" lang="en-US" sz="2800" spc="-1" strike="noStrike">
+            <a:endParaRPr b="0" lang="en-IN" sz="3200" spc="-1" strike="noStrike">
               <a:solidFill>
                 <a:srgbClr val="000000"/>
               </a:solidFill>
@@ -5876,8 +5672,8 @@
         </p:nvSpPr>
         <p:spPr>
           <a:xfrm>
-            <a:off x="2514600" y="257040"/>
-            <a:ext cx="4111200" cy="624240"/>
+            <a:off x="2514600" y="256320"/>
+            <a:ext cx="4110480" cy="625320"/>
           </a:xfrm>
           <a:prstGeom prst="rect">
             <a:avLst/>
@@ -5892,10 +5688,10 @@
             <a:noAutofit/>
           </a:bodyPr>
           <a:p>
-            <a:pPr indent="0">
+            <a:pPr indent="0" algn="ctr">
               <a:buNone/>
             </a:pPr>
-            <a:endParaRPr b="0" lang="en-US" sz="1800" spc="-1" strike="noStrike">
+            <a:endParaRPr b="0" lang="en-IN" sz="4400" spc="-1" strike="noStrike">
               <a:solidFill>
                 <a:srgbClr val="000000"/>
               </a:solidFill>
@@ -5933,15 +5729,12 @@
           </a:bodyPr>
           <a:p>
             <a:pPr indent="0">
-              <a:lnSpc>
-                <a:spcPct val="90000"/>
-              </a:lnSpc>
               <a:spcBef>
                 <a:spcPts val="1417"/>
               </a:spcBef>
               <a:buNone/>
             </a:pPr>
-            <a:endParaRPr b="0" lang="en-US" sz="2800" spc="-1" strike="noStrike">
+            <a:endParaRPr b="0" lang="en-IN" sz="3200" spc="-1" strike="noStrike">
               <a:solidFill>
                 <a:srgbClr val="000000"/>
               </a:solidFill>
@@ -5979,15 +5772,12 @@
           </a:bodyPr>
           <a:p>
             <a:pPr indent="0">
-              <a:lnSpc>
-                <a:spcPct val="90000"/>
-              </a:lnSpc>
               <a:spcBef>
                 <a:spcPts val="1417"/>
               </a:spcBef>
               <a:buNone/>
             </a:pPr>
-            <a:endParaRPr b="0" lang="en-US" sz="2800" spc="-1" strike="noStrike">
+            <a:endParaRPr b="0" lang="en-IN" sz="3200" spc="-1" strike="noStrike">
               <a:solidFill>
                 <a:srgbClr val="000000"/>
               </a:solidFill>
@@ -6025,15 +5815,12 @@
           </a:bodyPr>
           <a:p>
             <a:pPr indent="0">
-              <a:lnSpc>
-                <a:spcPct val="90000"/>
-              </a:lnSpc>
               <a:spcBef>
                 <a:spcPts val="1417"/>
               </a:spcBef>
               <a:buNone/>
             </a:pPr>
-            <a:endParaRPr b="0" lang="en-US" sz="2800" spc="-1" strike="noStrike">
+            <a:endParaRPr b="0" lang="en-IN" sz="3200" spc="-1" strike="noStrike">
               <a:solidFill>
                 <a:srgbClr val="000000"/>
               </a:solidFill>
@@ -6083,8 +5870,8 @@
         </p:nvSpPr>
         <p:spPr>
           <a:xfrm>
-            <a:off x="2514600" y="257040"/>
-            <a:ext cx="4111200" cy="624240"/>
+            <a:off x="2514600" y="256320"/>
+            <a:ext cx="4110480" cy="624960"/>
           </a:xfrm>
           <a:prstGeom prst="rect">
             <a:avLst/>
@@ -6103,7 +5890,7 @@
               <a:buNone/>
             </a:pPr>
             <a:r>
-              <a:rPr b="0" lang="en-US" sz="4400" spc="-1" strike="noStrike">
+              <a:rPr b="0" lang="en-IN" sz="1800" spc="-1" strike="noStrike">
                 <a:solidFill>
                   <a:srgbClr val="000000"/>
                 </a:solidFill>
@@ -6111,7 +5898,7 @@
               </a:rPr>
               <a:t>Click to edit the title text format</a:t>
             </a:r>
-            <a:endParaRPr b="0" lang="en-US" sz="4400" spc="-1" strike="noStrike">
+            <a:endParaRPr b="0" lang="en-IN" sz="1800" spc="-1" strike="noStrike">
               <a:solidFill>
                 <a:srgbClr val="000000"/>
               </a:solidFill>
@@ -6149,9 +5936,6 @@
           </a:bodyPr>
           <a:p>
             <a:pPr marL="432000" indent="-324000">
-              <a:lnSpc>
-                <a:spcPct val="90000"/>
-              </a:lnSpc>
               <a:spcBef>
                 <a:spcPts val="1417"/>
               </a:spcBef>
@@ -6163,7 +5947,7 @@
               <a:buChar char=""/>
             </a:pPr>
             <a:r>
-              <a:rPr b="0" lang="en-US" sz="2800" spc="-1" strike="noStrike">
+              <a:rPr b="0" lang="en-IN" sz="3200" spc="-1" strike="noStrike">
                 <a:solidFill>
                   <a:srgbClr val="000000"/>
                 </a:solidFill>
@@ -6171,7 +5955,7 @@
               </a:rPr>
               <a:t>Click to edit the outline text format</a:t>
             </a:r>
-            <a:endParaRPr b="0" lang="en-US" sz="2800" spc="-1" strike="noStrike">
+            <a:endParaRPr b="0" lang="en-IN" sz="3200" spc="-1" strike="noStrike">
               <a:solidFill>
                 <a:srgbClr val="000000"/>
               </a:solidFill>
@@ -6180,9 +5964,6 @@
           </a:p>
           <a:p>
             <a:pPr lvl="1" marL="864000" indent="-324000">
-              <a:lnSpc>
-                <a:spcPct val="90000"/>
-              </a:lnSpc>
               <a:spcBef>
                 <a:spcPts val="1134"/>
               </a:spcBef>
@@ -6194,7 +5975,7 @@
               <a:buChar char=""/>
             </a:pPr>
             <a:r>
-              <a:rPr b="0" lang="en-US" sz="2000" spc="-1" strike="noStrike">
+              <a:rPr b="0" lang="en-IN" sz="2800" spc="-1" strike="noStrike">
                 <a:solidFill>
                   <a:srgbClr val="000000"/>
                 </a:solidFill>
@@ -6202,7 +5983,7 @@
               </a:rPr>
               <a:t>Second Outline Level</a:t>
             </a:r>
-            <a:endParaRPr b="0" lang="en-US" sz="2000" spc="-1" strike="noStrike">
+            <a:endParaRPr b="0" lang="en-IN" sz="2800" spc="-1" strike="noStrike">
               <a:solidFill>
                 <a:srgbClr val="000000"/>
               </a:solidFill>
@@ -6211,9 +5992,6 @@
           </a:p>
           <a:p>
             <a:pPr lvl="2" marL="1296000" indent="-288000">
-              <a:lnSpc>
-                <a:spcPct val="90000"/>
-              </a:lnSpc>
               <a:spcBef>
                 <a:spcPts val="850"/>
               </a:spcBef>
@@ -6225,7 +6003,7 @@
               <a:buChar char=""/>
             </a:pPr>
             <a:r>
-              <a:rPr b="0" lang="en-US" sz="1800" spc="-1" strike="noStrike">
+              <a:rPr b="0" lang="en-IN" sz="2400" spc="-1" strike="noStrike">
                 <a:solidFill>
                   <a:srgbClr val="000000"/>
                 </a:solidFill>
@@ -6233,7 +6011,7 @@
               </a:rPr>
               <a:t>Third Outline Level</a:t>
             </a:r>
-            <a:endParaRPr b="0" lang="en-US" sz="1800" spc="-1" strike="noStrike">
+            <a:endParaRPr b="0" lang="en-IN" sz="2400" spc="-1" strike="noStrike">
               <a:solidFill>
                 <a:srgbClr val="000000"/>
               </a:solidFill>
@@ -6242,9 +6020,6 @@
           </a:p>
           <a:p>
             <a:pPr lvl="3" marL="1728000" indent="-216000">
-              <a:lnSpc>
-                <a:spcPct val="90000"/>
-              </a:lnSpc>
               <a:spcBef>
                 <a:spcPts val="567"/>
               </a:spcBef>
@@ -6256,7 +6031,7 @@
               <a:buChar char=""/>
             </a:pPr>
             <a:r>
-              <a:rPr b="0" lang="en-US" sz="1800" spc="-1" strike="noStrike">
+              <a:rPr b="0" lang="en-IN" sz="2000" spc="-1" strike="noStrike">
                 <a:solidFill>
                   <a:srgbClr val="000000"/>
                 </a:solidFill>
@@ -6264,7 +6039,7 @@
               </a:rPr>
               <a:t>Fourth Outline Level</a:t>
             </a:r>
-            <a:endParaRPr b="0" lang="en-US" sz="1800" spc="-1" strike="noStrike">
+            <a:endParaRPr b="0" lang="en-IN" sz="2000" spc="-1" strike="noStrike">
               <a:solidFill>
                 <a:srgbClr val="000000"/>
               </a:solidFill>
@@ -6273,9 +6048,6 @@
           </a:p>
           <a:p>
             <a:pPr lvl="4" marL="2160000" indent="-216000">
-              <a:lnSpc>
-                <a:spcPct val="90000"/>
-              </a:lnSpc>
               <a:spcBef>
                 <a:spcPts val="283"/>
               </a:spcBef>
@@ -6287,7 +6059,7 @@
               <a:buChar char=""/>
             </a:pPr>
             <a:r>
-              <a:rPr b="0" lang="en-US" sz="2000" spc="-1" strike="noStrike">
+              <a:rPr b="0" lang="en-IN" sz="2000" spc="-1" strike="noStrike">
                 <a:solidFill>
                   <a:srgbClr val="000000"/>
                 </a:solidFill>
@@ -6295,7 +6067,7 @@
               </a:rPr>
               <a:t>Fifth Outline Level</a:t>
             </a:r>
-            <a:endParaRPr b="0" lang="en-US" sz="2000" spc="-1" strike="noStrike">
+            <a:endParaRPr b="0" lang="en-IN" sz="2000" spc="-1" strike="noStrike">
               <a:solidFill>
                 <a:srgbClr val="000000"/>
               </a:solidFill>
@@ -6304,9 +6076,6 @@
           </a:p>
           <a:p>
             <a:pPr lvl="5" marL="2592000" indent="-216000">
-              <a:lnSpc>
-                <a:spcPct val="90000"/>
-              </a:lnSpc>
               <a:spcBef>
                 <a:spcPts val="283"/>
               </a:spcBef>
@@ -6318,7 +6087,7 @@
               <a:buChar char=""/>
             </a:pPr>
             <a:r>
-              <a:rPr b="0" lang="en-US" sz="2000" spc="-1" strike="noStrike">
+              <a:rPr b="0" lang="en-IN" sz="2000" spc="-1" strike="noStrike">
                 <a:solidFill>
                   <a:srgbClr val="000000"/>
                 </a:solidFill>
@@ -6326,7 +6095,7 @@
               </a:rPr>
               <a:t>Sixth Outline Level</a:t>
             </a:r>
-            <a:endParaRPr b="0" lang="en-US" sz="2000" spc="-1" strike="noStrike">
+            <a:endParaRPr b="0" lang="en-IN" sz="2000" spc="-1" strike="noStrike">
               <a:solidFill>
                 <a:srgbClr val="000000"/>
               </a:solidFill>
@@ -6335,9 +6104,6 @@
           </a:p>
           <a:p>
             <a:pPr lvl="6" marL="3024000" indent="-216000">
-              <a:lnSpc>
-                <a:spcPct val="90000"/>
-              </a:lnSpc>
               <a:spcBef>
                 <a:spcPts val="283"/>
               </a:spcBef>
@@ -6349,7 +6115,7 @@
               <a:buChar char=""/>
             </a:pPr>
             <a:r>
-              <a:rPr b="0" lang="en-US" sz="2000" spc="-1" strike="noStrike">
+              <a:rPr b="0" lang="en-IN" sz="2000" spc="-1" strike="noStrike">
                 <a:solidFill>
                   <a:srgbClr val="000000"/>
                 </a:solidFill>
@@ -6357,7 +6123,7 @@
               </a:rPr>
               <a:t>Seventh Outline Level</a:t>
             </a:r>
-            <a:endParaRPr b="0" lang="en-US" sz="2000" spc="-1" strike="noStrike">
+            <a:endParaRPr b="0" lang="en-IN" sz="2000" spc="-1" strike="noStrike">
               <a:solidFill>
                 <a:srgbClr val="000000"/>
               </a:solidFill>
@@ -6423,7 +6189,7 @@
         <p:spPr>
           <a:xfrm>
             <a:off x="8472600" y="4663080"/>
-            <a:ext cx="545040" cy="389880"/>
+            <a:ext cx="544320" cy="389160"/>
           </a:xfrm>
           <a:prstGeom prst="rect">
             <a:avLst/>
@@ -6465,7 +6231,7 @@
                 <a:tab algn="l" pos="0"/>
               </a:tabLst>
             </a:pPr>
-            <a:fld id="{6C8FAB9D-D878-4FB8-A748-ECAA326302F7}" type="slidenum">
+            <a:fld id="{565DFBBC-AEFE-472C-B9A3-7885D179E6CF}" type="slidenum">
               <a:rPr b="0" lang="en-IN" sz="1400" spc="-1" strike="noStrike">
                 <a:solidFill>
                   <a:srgbClr val="000000"/>
@@ -6512,11 +6278,11 @@
             <a:noAutofit/>
           </a:bodyPr>
           <a:p>
-            <a:pPr indent="0">
+            <a:pPr indent="0" algn="ctr">
               <a:buNone/>
             </a:pPr>
             <a:r>
-              <a:rPr b="0" lang="en-US" sz="1800" spc="-1" strike="noStrike">
+              <a:rPr b="0" lang="en-IN" sz="4400" spc="-1" strike="noStrike">
                 <a:solidFill>
                   <a:srgbClr val="000000"/>
                 </a:solidFill>
@@ -6524,7 +6290,7 @@
               </a:rPr>
               <a:t>Click to edit the title text format</a:t>
             </a:r>
-            <a:endParaRPr b="0" lang="en-US" sz="1800" spc="-1" strike="noStrike">
+            <a:endParaRPr b="0" lang="en-IN" sz="4400" spc="-1" strike="noStrike">
               <a:solidFill>
                 <a:srgbClr val="000000"/>
               </a:solidFill>
@@ -6562,9 +6328,6 @@
           </a:bodyPr>
           <a:p>
             <a:pPr marL="432000" indent="-324000">
-              <a:lnSpc>
-                <a:spcPct val="90000"/>
-              </a:lnSpc>
               <a:spcBef>
                 <a:spcPts val="1417"/>
               </a:spcBef>
@@ -6576,7 +6339,7 @@
               <a:buChar char=""/>
             </a:pPr>
             <a:r>
-              <a:rPr b="0" lang="en-US" sz="2800" spc="-1" strike="noStrike">
+              <a:rPr b="0" lang="en-IN" sz="3200" spc="-1" strike="noStrike">
                 <a:solidFill>
                   <a:srgbClr val="000000"/>
                 </a:solidFill>
@@ -6584,7 +6347,7 @@
               </a:rPr>
               <a:t>Click to edit the outline text format</a:t>
             </a:r>
-            <a:endParaRPr b="0" lang="en-US" sz="2800" spc="-1" strike="noStrike">
+            <a:endParaRPr b="0" lang="en-IN" sz="3200" spc="-1" strike="noStrike">
               <a:solidFill>
                 <a:srgbClr val="000000"/>
               </a:solidFill>
@@ -6593,9 +6356,6 @@
           </a:p>
           <a:p>
             <a:pPr lvl="1" marL="864000" indent="-324000">
-              <a:lnSpc>
-                <a:spcPct val="90000"/>
-              </a:lnSpc>
               <a:spcBef>
                 <a:spcPts val="1134"/>
               </a:spcBef>
@@ -6607,7 +6367,7 @@
               <a:buChar char=""/>
             </a:pPr>
             <a:r>
-              <a:rPr b="0" lang="en-US" sz="2000" spc="-1" strike="noStrike">
+              <a:rPr b="0" lang="en-IN" sz="2800" spc="-1" strike="noStrike">
                 <a:solidFill>
                   <a:srgbClr val="000000"/>
                 </a:solidFill>
@@ -6615,7 +6375,7 @@
               </a:rPr>
               <a:t>Second Outline Level</a:t>
             </a:r>
-            <a:endParaRPr b="0" lang="en-US" sz="2000" spc="-1" strike="noStrike">
+            <a:endParaRPr b="0" lang="en-IN" sz="2800" spc="-1" strike="noStrike">
               <a:solidFill>
                 <a:srgbClr val="000000"/>
               </a:solidFill>
@@ -6624,9 +6384,6 @@
           </a:p>
           <a:p>
             <a:pPr lvl="2" marL="1296000" indent="-288000">
-              <a:lnSpc>
-                <a:spcPct val="90000"/>
-              </a:lnSpc>
               <a:spcBef>
                 <a:spcPts val="850"/>
               </a:spcBef>
@@ -6638,7 +6395,7 @@
               <a:buChar char=""/>
             </a:pPr>
             <a:r>
-              <a:rPr b="0" lang="en-US" sz="1800" spc="-1" strike="noStrike">
+              <a:rPr b="0" lang="en-IN" sz="2400" spc="-1" strike="noStrike">
                 <a:solidFill>
                   <a:srgbClr val="000000"/>
                 </a:solidFill>
@@ -6646,7 +6403,7 @@
               </a:rPr>
               <a:t>Third Outline Level</a:t>
             </a:r>
-            <a:endParaRPr b="0" lang="en-US" sz="1800" spc="-1" strike="noStrike">
+            <a:endParaRPr b="0" lang="en-IN" sz="2400" spc="-1" strike="noStrike">
               <a:solidFill>
                 <a:srgbClr val="000000"/>
               </a:solidFill>
@@ -6655,9 +6412,6 @@
           </a:p>
           <a:p>
             <a:pPr lvl="3" marL="1728000" indent="-216000">
-              <a:lnSpc>
-                <a:spcPct val="90000"/>
-              </a:lnSpc>
               <a:spcBef>
                 <a:spcPts val="567"/>
               </a:spcBef>
@@ -6669,7 +6423,7 @@
               <a:buChar char=""/>
             </a:pPr>
             <a:r>
-              <a:rPr b="0" lang="en-US" sz="1800" spc="-1" strike="noStrike">
+              <a:rPr b="0" lang="en-IN" sz="2000" spc="-1" strike="noStrike">
                 <a:solidFill>
                   <a:srgbClr val="000000"/>
                 </a:solidFill>
@@ -6677,7 +6431,7 @@
               </a:rPr>
               <a:t>Fourth Outline Level</a:t>
             </a:r>
-            <a:endParaRPr b="0" lang="en-US" sz="1800" spc="-1" strike="noStrike">
+            <a:endParaRPr b="0" lang="en-IN" sz="2000" spc="-1" strike="noStrike">
               <a:solidFill>
                 <a:srgbClr val="000000"/>
               </a:solidFill>
@@ -6686,9 +6440,6 @@
           </a:p>
           <a:p>
             <a:pPr lvl="4" marL="2160000" indent="-216000">
-              <a:lnSpc>
-                <a:spcPct val="90000"/>
-              </a:lnSpc>
               <a:spcBef>
                 <a:spcPts val="283"/>
               </a:spcBef>
@@ -6700,7 +6451,7 @@
               <a:buChar char=""/>
             </a:pPr>
             <a:r>
-              <a:rPr b="0" lang="en-US" sz="2000" spc="-1" strike="noStrike">
+              <a:rPr b="0" lang="en-IN" sz="2000" spc="-1" strike="noStrike">
                 <a:solidFill>
                   <a:srgbClr val="000000"/>
                 </a:solidFill>
@@ -6708,7 +6459,7 @@
               </a:rPr>
               <a:t>Fifth Outline Level</a:t>
             </a:r>
-            <a:endParaRPr b="0" lang="en-US" sz="2000" spc="-1" strike="noStrike">
+            <a:endParaRPr b="0" lang="en-IN" sz="2000" spc="-1" strike="noStrike">
               <a:solidFill>
                 <a:srgbClr val="000000"/>
               </a:solidFill>
@@ -6717,9 +6468,6 @@
           </a:p>
           <a:p>
             <a:pPr lvl="5" marL="2592000" indent="-216000">
-              <a:lnSpc>
-                <a:spcPct val="90000"/>
-              </a:lnSpc>
               <a:spcBef>
                 <a:spcPts val="283"/>
               </a:spcBef>
@@ -6731,7 +6479,7 @@
               <a:buChar char=""/>
             </a:pPr>
             <a:r>
-              <a:rPr b="0" lang="en-US" sz="2000" spc="-1" strike="noStrike">
+              <a:rPr b="0" lang="en-IN" sz="2000" spc="-1" strike="noStrike">
                 <a:solidFill>
                   <a:srgbClr val="000000"/>
                 </a:solidFill>
@@ -6739,7 +6487,7 @@
               </a:rPr>
               <a:t>Sixth Outline Level</a:t>
             </a:r>
-            <a:endParaRPr b="0" lang="en-US" sz="2000" spc="-1" strike="noStrike">
+            <a:endParaRPr b="0" lang="en-IN" sz="2000" spc="-1" strike="noStrike">
               <a:solidFill>
                 <a:srgbClr val="000000"/>
               </a:solidFill>
@@ -6748,9 +6496,6 @@
           </a:p>
           <a:p>
             <a:pPr lvl="6" marL="3024000" indent="-216000">
-              <a:lnSpc>
-                <a:spcPct val="90000"/>
-              </a:lnSpc>
               <a:spcBef>
                 <a:spcPts val="283"/>
               </a:spcBef>
@@ -6762,7 +6507,7 @@
               <a:buChar char=""/>
             </a:pPr>
             <a:r>
-              <a:rPr b="0" lang="en-US" sz="2000" spc="-1" strike="noStrike">
+              <a:rPr b="0" lang="en-IN" sz="2000" spc="-1" strike="noStrike">
                 <a:solidFill>
                   <a:srgbClr val="000000"/>
                 </a:solidFill>
@@ -6770,7 +6515,7 @@
               </a:rPr>
               <a:t>Seventh Outline Level</a:t>
             </a:r>
-            <a:endParaRPr b="0" lang="en-US" sz="2000" spc="-1" strike="noStrike">
+            <a:endParaRPr b="0" lang="en-IN" sz="2000" spc="-1" strike="noStrike">
               <a:solidFill>
                 <a:srgbClr val="000000"/>
               </a:solidFill>
@@ -6836,7 +6581,7 @@
         <p:spPr>
           <a:xfrm>
             <a:off x="8472600" y="4663080"/>
-            <a:ext cx="545040" cy="389880"/>
+            <a:ext cx="544320" cy="389160"/>
           </a:xfrm>
           <a:prstGeom prst="rect">
             <a:avLst/>
@@ -6878,7 +6623,7 @@
                 <a:tab algn="l" pos="0"/>
               </a:tabLst>
             </a:pPr>
-            <a:fld id="{3173F3DF-64C4-4D02-940E-D9DCE628A79E}" type="slidenum">
+            <a:fld id="{CF9E1481-46EE-46BE-A4D8-B51966A6BBCF}" type="slidenum">
               <a:rPr b="0" lang="en-IN" sz="1400" spc="-1" strike="noStrike">
                 <a:solidFill>
                   <a:srgbClr val="000000"/>
@@ -6925,11 +6670,11 @@
             <a:noAutofit/>
           </a:bodyPr>
           <a:p>
-            <a:pPr indent="0">
+            <a:pPr indent="0" algn="ctr">
               <a:buNone/>
             </a:pPr>
             <a:r>
-              <a:rPr b="0" lang="en-US" sz="1800" spc="-1" strike="noStrike">
+              <a:rPr b="0" lang="en-IN" sz="4400" spc="-1" strike="noStrike">
                 <a:solidFill>
                   <a:srgbClr val="000000"/>
                 </a:solidFill>
@@ -6937,7 +6682,7 @@
               </a:rPr>
               <a:t>Click to edit the title text format</a:t>
             </a:r>
-            <a:endParaRPr b="0" lang="en-US" sz="1800" spc="-1" strike="noStrike">
+            <a:endParaRPr b="0" lang="en-IN" sz="4400" spc="-1" strike="noStrike">
               <a:solidFill>
                 <a:srgbClr val="000000"/>
               </a:solidFill>
@@ -6975,9 +6720,6 @@
           </a:bodyPr>
           <a:p>
             <a:pPr marL="432000" indent="-324000">
-              <a:lnSpc>
-                <a:spcPct val="90000"/>
-              </a:lnSpc>
               <a:spcBef>
                 <a:spcPts val="1417"/>
               </a:spcBef>
@@ -6989,7 +6731,7 @@
               <a:buChar char=""/>
             </a:pPr>
             <a:r>
-              <a:rPr b="0" lang="en-US" sz="2800" spc="-1" strike="noStrike">
+              <a:rPr b="0" lang="en-IN" sz="3200" spc="-1" strike="noStrike">
                 <a:solidFill>
                   <a:srgbClr val="000000"/>
                 </a:solidFill>
@@ -6997,7 +6739,7 @@
               </a:rPr>
               <a:t>Click to edit the outline text format</a:t>
             </a:r>
-            <a:endParaRPr b="0" lang="en-US" sz="2800" spc="-1" strike="noStrike">
+            <a:endParaRPr b="0" lang="en-IN" sz="3200" spc="-1" strike="noStrike">
               <a:solidFill>
                 <a:srgbClr val="000000"/>
               </a:solidFill>
@@ -7006,9 +6748,6 @@
           </a:p>
           <a:p>
             <a:pPr lvl="1" marL="864000" indent="-324000">
-              <a:lnSpc>
-                <a:spcPct val="90000"/>
-              </a:lnSpc>
               <a:spcBef>
                 <a:spcPts val="1134"/>
               </a:spcBef>
@@ -7020,7 +6759,7 @@
               <a:buChar char=""/>
             </a:pPr>
             <a:r>
-              <a:rPr b="0" lang="en-US" sz="2000" spc="-1" strike="noStrike">
+              <a:rPr b="0" lang="en-IN" sz="2800" spc="-1" strike="noStrike">
                 <a:solidFill>
                   <a:srgbClr val="000000"/>
                 </a:solidFill>
@@ -7028,7 +6767,7 @@
               </a:rPr>
               <a:t>Second Outline Level</a:t>
             </a:r>
-            <a:endParaRPr b="0" lang="en-US" sz="2000" spc="-1" strike="noStrike">
+            <a:endParaRPr b="0" lang="en-IN" sz="2800" spc="-1" strike="noStrike">
               <a:solidFill>
                 <a:srgbClr val="000000"/>
               </a:solidFill>
@@ -7037,9 +6776,6 @@
           </a:p>
           <a:p>
             <a:pPr lvl="2" marL="1296000" indent="-288000">
-              <a:lnSpc>
-                <a:spcPct val="90000"/>
-              </a:lnSpc>
               <a:spcBef>
                 <a:spcPts val="850"/>
               </a:spcBef>
@@ -7051,7 +6787,7 @@
               <a:buChar char=""/>
             </a:pPr>
             <a:r>
-              <a:rPr b="0" lang="en-US" sz="1800" spc="-1" strike="noStrike">
+              <a:rPr b="0" lang="en-IN" sz="2400" spc="-1" strike="noStrike">
                 <a:solidFill>
                   <a:srgbClr val="000000"/>
                 </a:solidFill>
@@ -7059,7 +6795,7 @@
               </a:rPr>
               <a:t>Third Outline Level</a:t>
             </a:r>
-            <a:endParaRPr b="0" lang="en-US" sz="1800" spc="-1" strike="noStrike">
+            <a:endParaRPr b="0" lang="en-IN" sz="2400" spc="-1" strike="noStrike">
               <a:solidFill>
                 <a:srgbClr val="000000"/>
               </a:solidFill>
@@ -7068,9 +6804,6 @@
           </a:p>
           <a:p>
             <a:pPr lvl="3" marL="1728000" indent="-216000">
-              <a:lnSpc>
-                <a:spcPct val="90000"/>
-              </a:lnSpc>
               <a:spcBef>
                 <a:spcPts val="567"/>
               </a:spcBef>
@@ -7082,7 +6815,7 @@
               <a:buChar char=""/>
             </a:pPr>
             <a:r>
-              <a:rPr b="0" lang="en-US" sz="1800" spc="-1" strike="noStrike">
+              <a:rPr b="0" lang="en-IN" sz="2000" spc="-1" strike="noStrike">
                 <a:solidFill>
                   <a:srgbClr val="000000"/>
                 </a:solidFill>
@@ -7090,7 +6823,7 @@
               </a:rPr>
               <a:t>Fourth Outline Level</a:t>
             </a:r>
-            <a:endParaRPr b="0" lang="en-US" sz="1800" spc="-1" strike="noStrike">
+            <a:endParaRPr b="0" lang="en-IN" sz="2000" spc="-1" strike="noStrike">
               <a:solidFill>
                 <a:srgbClr val="000000"/>
               </a:solidFill>
@@ -7099,9 +6832,6 @@
           </a:p>
           <a:p>
             <a:pPr lvl="4" marL="2160000" indent="-216000">
-              <a:lnSpc>
-                <a:spcPct val="90000"/>
-              </a:lnSpc>
               <a:spcBef>
                 <a:spcPts val="283"/>
               </a:spcBef>
@@ -7113,7 +6843,7 @@
               <a:buChar char=""/>
             </a:pPr>
             <a:r>
-              <a:rPr b="0" lang="en-US" sz="2000" spc="-1" strike="noStrike">
+              <a:rPr b="0" lang="en-IN" sz="2000" spc="-1" strike="noStrike">
                 <a:solidFill>
                   <a:srgbClr val="000000"/>
                 </a:solidFill>
@@ -7121,7 +6851,7 @@
               </a:rPr>
               <a:t>Fifth Outline Level</a:t>
             </a:r>
-            <a:endParaRPr b="0" lang="en-US" sz="2000" spc="-1" strike="noStrike">
+            <a:endParaRPr b="0" lang="en-IN" sz="2000" spc="-1" strike="noStrike">
               <a:solidFill>
                 <a:srgbClr val="000000"/>
               </a:solidFill>
@@ -7130,9 +6860,6 @@
           </a:p>
           <a:p>
             <a:pPr lvl="5" marL="2592000" indent="-216000">
-              <a:lnSpc>
-                <a:spcPct val="90000"/>
-              </a:lnSpc>
               <a:spcBef>
                 <a:spcPts val="283"/>
               </a:spcBef>
@@ -7144,7 +6871,7 @@
               <a:buChar char=""/>
             </a:pPr>
             <a:r>
-              <a:rPr b="0" lang="en-US" sz="2000" spc="-1" strike="noStrike">
+              <a:rPr b="0" lang="en-IN" sz="2000" spc="-1" strike="noStrike">
                 <a:solidFill>
                   <a:srgbClr val="000000"/>
                 </a:solidFill>
@@ -7152,7 +6879,7 @@
               </a:rPr>
               <a:t>Sixth Outline Level</a:t>
             </a:r>
-            <a:endParaRPr b="0" lang="en-US" sz="2000" spc="-1" strike="noStrike">
+            <a:endParaRPr b="0" lang="en-IN" sz="2000" spc="-1" strike="noStrike">
               <a:solidFill>
                 <a:srgbClr val="000000"/>
               </a:solidFill>
@@ -7161,9 +6888,6 @@
           </a:p>
           <a:p>
             <a:pPr lvl="6" marL="3024000" indent="-216000">
-              <a:lnSpc>
-                <a:spcPct val="90000"/>
-              </a:lnSpc>
               <a:spcBef>
                 <a:spcPts val="283"/>
               </a:spcBef>
@@ -7175,7 +6899,7 @@
               <a:buChar char=""/>
             </a:pPr>
             <a:r>
-              <a:rPr b="0" lang="en-US" sz="2000" spc="-1" strike="noStrike">
+              <a:rPr b="0" lang="en-IN" sz="2000" spc="-1" strike="noStrike">
                 <a:solidFill>
                   <a:srgbClr val="000000"/>
                 </a:solidFill>
@@ -7183,7 +6907,7 @@
               </a:rPr>
               <a:t>Seventh Outline Level</a:t>
             </a:r>
-            <a:endParaRPr b="0" lang="en-US" sz="2000" spc="-1" strike="noStrike">
+            <a:endParaRPr b="0" lang="en-IN" sz="2000" spc="-1" strike="noStrike">
               <a:solidFill>
                 <a:srgbClr val="000000"/>
               </a:solidFill>
@@ -7248,8 +6972,8 @@
         </p:nvSpPr>
         <p:spPr>
           <a:xfrm>
-            <a:off x="1595520" y="3539160"/>
-            <a:ext cx="5754960" cy="1140480"/>
+            <a:off x="1800000" y="3539160"/>
+            <a:ext cx="5754240" cy="1139760"/>
           </a:xfrm>
           <a:prstGeom prst="rect">
             <a:avLst/>
@@ -7293,7 +7017,7 @@
               </a:rPr>
               <a:t>Rubikc Cube Game</a:t>
             </a:r>
-            <a:endParaRPr b="0" lang="en-US" sz="2400" spc="-1" strike="noStrike">
+            <a:endParaRPr b="0" lang="en-IN" sz="2400" spc="-1" strike="noStrike">
               <a:solidFill>
                 <a:srgbClr val="000000"/>
               </a:solidFill>
@@ -7315,7 +7039,7 @@
         <p:spPr>
           <a:xfrm>
             <a:off x="180000" y="1080000"/>
-            <a:ext cx="8817480" cy="2311920"/>
+            <a:ext cx="8996760" cy="2311200"/>
           </a:xfrm>
           <a:prstGeom prst="rect">
             <a:avLst/>
@@ -7572,7 +7296,7 @@
       </p:grpSpPr>
       <p:sp>
         <p:nvSpPr>
-          <p:cNvPr id="150" name="PlaceHolder 1"/>
+          <p:cNvPr id="151" name="PlaceHolder 1"/>
           <p:cNvSpPr>
             <a:spLocks noGrp="1"/>
           </p:cNvSpPr>
@@ -7582,8 +7306,8 @@
         </p:nvSpPr>
         <p:spPr>
           <a:xfrm>
-            <a:off x="2160000" y="0"/>
-            <a:ext cx="5037840" cy="537840"/>
+            <a:off x="2880000" y="180000"/>
+            <a:ext cx="3238920" cy="697680"/>
           </a:xfrm>
           <a:prstGeom prst="rect">
             <a:avLst/>
@@ -7615,9 +7339,9 @@
                 <a:latin typeface="Arial"/>
                 <a:ea typeface="Arial"/>
               </a:rPr>
-              <a:t>Shuffled State</a:t>
+              <a:t>Solved Cube</a:t>
             </a:r>
-            <a:endParaRPr b="0" lang="en-US" sz="3600" spc="-1" strike="noStrike">
+            <a:endParaRPr b="0" lang="en-IN" sz="3600" spc="-1" strike="noStrike">
               <a:solidFill>
                 <a:srgbClr val="000000"/>
               </a:solidFill>
@@ -7628,7 +7352,7 @@
       </p:sp>
       <p:pic>
         <p:nvPicPr>
-          <p:cNvPr id="151" name="Picture 150" descr=""/>
+          <p:cNvPr id="152" name="Picture 148" descr=""/>
           <p:cNvPicPr/>
           <p:nvPr/>
         </p:nvPicPr>
@@ -7638,8 +7362,8 @@
         </p:blipFill>
         <p:spPr>
           <a:xfrm>
-            <a:off x="1749960" y="720000"/>
-            <a:ext cx="5269680" cy="4215600"/>
+            <a:off x="900000" y="932760"/>
+            <a:ext cx="7559640" cy="3926880"/>
           </a:xfrm>
           <a:prstGeom prst="rect">
             <a:avLst/>
@@ -7662,38 +7386,38 @@
   <p:timing>
     <p:tnLst>
       <p:par>
-        <p:cTn id="165" dur="indefinite" restart="never" nodeType="tmRoot">
+        <p:cTn id="164" dur="indefinite" restart="never" nodeType="tmRoot">
           <p:childTnLst>
             <p:seq>
-              <p:cTn id="166" dur="indefinite" nodeType="mainSeq">
+              <p:cTn id="165" dur="indefinite" nodeType="mainSeq">
                 <p:childTnLst>
                   <p:par>
-                    <p:cTn id="167" fill="hold">
+                    <p:cTn id="166" fill="hold">
                       <p:stCondLst>
                         <p:cond delay="indefinite"/>
                       </p:stCondLst>
                       <p:childTnLst>
                         <p:par>
-                          <p:cTn id="168" fill="hold">
+                          <p:cTn id="167" fill="hold">
                             <p:stCondLst>
                               <p:cond delay="0"/>
                             </p:stCondLst>
                             <p:childTnLst>
                               <p:par>
-                                <p:cTn id="169" nodeType="clickEffect" fill="hold" presetClass="entr" presetID="1">
+                                <p:cTn id="168" nodeType="clickEffect" fill="hold" presetClass="entr" presetID="16" presetSubtype="21">
                                   <p:stCondLst>
                                     <p:cond delay="0"/>
                                   </p:stCondLst>
                                   <p:childTnLst>
                                     <p:set>
                                       <p:cBhvr>
-                                        <p:cTn id="170" dur="1" fill="hold">
+                                        <p:cTn id="169" dur="1" fill="hold">
                                           <p:stCondLst>
                                             <p:cond delay="0"/>
                                           </p:stCondLst>
                                         </p:cTn>
                                         <p:tgtEl>
-                                          <p:spTgt spid="151"/>
+                                          <p:spTgt spid="152"/>
                                         </p:tgtEl>
                                         <p:attrNameLst>
                                           <p:attrName>style.visibility</p:attrName>
@@ -7703,6 +7427,14 @@
                                         <p:strVal val="visible"/>
                                       </p:to>
                                     </p:set>
+                                    <p:animEffect filter="barn(inVertical)" transition="in">
+                                      <p:cBhvr additive="repl">
+                                        <p:cTn id="170" dur="500"/>
+                                        <p:tgtEl>
+                                          <p:spTgt spid="152"/>
+                                        </p:tgtEl>
+                                      </p:cBhvr>
+                                    </p:animEffect>
                                   </p:childTnLst>
                                 </p:cTn>
                               </p:par>
@@ -7756,14 +7488,14 @@
       </p:grpSpPr>
       <p:sp>
         <p:nvSpPr>
-          <p:cNvPr id="152" name="Google Shape;385;p66"/>
+          <p:cNvPr id="153" name="Google Shape;385;p66"/>
           <p:cNvSpPr/>
           <p:nvPr/>
         </p:nvSpPr>
         <p:spPr>
           <a:xfrm>
-            <a:off x="2434680" y="-70560"/>
-            <a:ext cx="4005000" cy="637200"/>
+            <a:off x="2475360" y="83160"/>
+            <a:ext cx="4004280" cy="636480"/>
           </a:xfrm>
           <a:prstGeom prst="rect">
             <a:avLst/>
@@ -7811,29 +7543,6 @@
           </a:p>
         </p:txBody>
       </p:sp>
-      <p:pic>
-        <p:nvPicPr>
-          <p:cNvPr id="153" name="Picture 152" descr=""/>
-          <p:cNvPicPr/>
-          <p:nvPr/>
-        </p:nvPicPr>
-        <p:blipFill>
-          <a:blip r:embed="rId1"/>
-          <a:stretch/>
-        </p:blipFill>
-        <p:spPr>
-          <a:xfrm>
-            <a:off x="2700000" y="1305000"/>
-            <a:ext cx="3152160" cy="2294640"/>
-          </a:xfrm>
-          <a:prstGeom prst="rect">
-            <a:avLst/>
-          </a:prstGeom>
-          <a:ln w="0">
-            <a:noFill/>
-          </a:ln>
-        </p:spPr>
-      </p:pic>
       <p:sp>
         <p:nvSpPr>
           <p:cNvPr id="154" name="Google Shape;385;p 1"/>
@@ -7842,8 +7551,8 @@
         </p:nvSpPr>
         <p:spPr>
           <a:xfrm>
-            <a:off x="360000" y="3502440"/>
-            <a:ext cx="8459640" cy="637200"/>
+            <a:off x="540720" y="1260000"/>
+            <a:ext cx="3058920" cy="719640"/>
           </a:xfrm>
           <a:prstGeom prst="rect">
             <a:avLst/>
@@ -7877,27 +7586,7 @@
                 <a:latin typeface="Arial"/>
                 <a:ea typeface="DejaVu Sans"/>
               </a:rPr>
-              <a:t>Raycasts</a:t>
-            </a:r>
-            <a:r>
-              <a:rPr b="1" lang="en-IN" sz="3600" spc="-1" strike="noStrike">
-                <a:solidFill>
-                  <a:srgbClr val="331d54"/>
-                </a:solidFill>
-                <a:latin typeface="Arial"/>
-                <a:ea typeface="Arial"/>
-              </a:rPr>
-              <a:t> </a:t>
-            </a:r>
-            <a:r>
-              <a:rPr b="0" lang="en-US" sz="1600" spc="-1" strike="noStrike">
-                <a:solidFill>
-                  <a:srgbClr val="000000"/>
-                </a:solidFill>
-                <a:latin typeface="Arial"/>
-                <a:ea typeface="DejaVu Sans"/>
-              </a:rPr>
-              <a:t>are fired from front and if collision is detected on cube surface then it</a:t>
+              <a:t>Raycasts are fired from front and if collision is detected on cube surface then it</a:t>
             </a:r>
             <a:r>
               <a:rPr b="1" lang="en-IN" sz="3600" spc="-1" strike="noStrike">
@@ -7928,6 +7617,948 @@
           </a:p>
         </p:txBody>
       </p:sp>
+      <p:pic>
+        <p:nvPicPr>
+          <p:cNvPr id="155" name="" descr=""/>
+          <p:cNvPicPr/>
+          <p:nvPr/>
+        </p:nvPicPr>
+        <p:blipFill>
+          <a:blip r:embed="rId1"/>
+          <a:stretch/>
+        </p:blipFill>
+        <p:spPr>
+          <a:xfrm>
+            <a:off x="3600000" y="720000"/>
+            <a:ext cx="5523840" cy="4382280"/>
+          </a:xfrm>
+          <a:prstGeom prst="rect">
+            <a:avLst/>
+          </a:prstGeom>
+          <a:ln w="0">
+            <a:noFill/>
+          </a:ln>
+        </p:spPr>
+      </p:pic>
+    </p:spTree>
+  </p:cSld>
+  <mc:AlternateContent>
+    <mc:Choice Requires="p14">
+      <p:transition spd="slow" p14:dur="2000"/>
+    </mc:Choice>
+    <mc:Fallback>
+      <p:transition spd="slow"/>
+    </mc:Fallback>
+  </mc:AlternateContent>
+</p:sld>
+</file>
+
+<file path=ppt/slides/slide12.xml><?xml version="1.0" encoding="utf-8"?>
+<p:sld xmlns:a="http://schemas.openxmlformats.org/drawingml/2006/main" xmlns:p="http://schemas.openxmlformats.org/presentationml/2006/main" xmlns:r="http://schemas.openxmlformats.org/officeDocument/2006/relationships" xmlns:p14="http://schemas.microsoft.com/office/powerpoint/2010/main" xmlns:p15="http://schemas.microsoft.com/office/powerpoint/2012/main" xmlns:mc="http://schemas.openxmlformats.org/markup-compatibility/2006">
+  <p:cSld>
+    <p:spTree>
+      <p:nvGrpSpPr>
+        <p:cNvPr id="1" name=""/>
+        <p:cNvGrpSpPr/>
+        <p:nvPr/>
+      </p:nvGrpSpPr>
+      <p:grpSpPr>
+        <a:xfrm>
+          <a:off x="0" y="0"/>
+          <a:ext cx="0" cy="0"/>
+          <a:chOff x="0" y="0"/>
+          <a:chExt cx="0" cy="0"/>
+        </a:xfrm>
+      </p:grpSpPr>
+      <p:sp>
+        <p:nvSpPr>
+          <p:cNvPr id="156" name="Google Shape;385;p 2"/>
+          <p:cNvSpPr/>
+          <p:nvPr/>
+        </p:nvSpPr>
+        <p:spPr>
+          <a:xfrm>
+            <a:off x="1620000" y="180000"/>
+            <a:ext cx="5484960" cy="636480"/>
+          </a:xfrm>
+          <a:prstGeom prst="rect">
+            <a:avLst/>
+          </a:prstGeom>
+          <a:noFill/>
+          <a:ln w="0">
+            <a:noFill/>
+          </a:ln>
+        </p:spPr>
+        <p:style>
+          <a:lnRef idx="0"/>
+          <a:fillRef idx="0"/>
+          <a:effectRef idx="0"/>
+          <a:fontRef idx="minor"/>
+        </p:style>
+        <p:txBody>
+          <a:bodyPr lIns="90000" rIns="90000" tIns="45000" bIns="45000" anchor="t">
+            <a:noAutofit/>
+          </a:bodyPr>
+          <a:p>
+            <a:pPr algn="ctr">
+              <a:lnSpc>
+                <a:spcPct val="100000"/>
+              </a:lnSpc>
+              <a:tabLst>
+                <a:tab algn="l" pos="0"/>
+              </a:tabLst>
+            </a:pPr>
+            <a:r>
+              <a:rPr b="1" lang="en-IN" sz="3600" spc="-1" strike="noStrike">
+                <a:solidFill>
+                  <a:srgbClr val="331d54"/>
+                </a:solidFill>
+                <a:latin typeface="Arial"/>
+                <a:ea typeface="Arial"/>
+              </a:rPr>
+              <a:t>Kociemba's algorithm?</a:t>
+            </a:r>
+            <a:endParaRPr b="0" lang="en-IN" sz="3600" spc="-1" strike="noStrike">
+              <a:solidFill>
+                <a:srgbClr val="000000"/>
+              </a:solidFill>
+              <a:latin typeface="Arial"/>
+            </a:endParaRPr>
+          </a:p>
+        </p:txBody>
+      </p:sp>
+      <p:sp>
+        <p:nvSpPr>
+          <p:cNvPr id="157" name="Google Shape;385;p 3"/>
+          <p:cNvSpPr/>
+          <p:nvPr/>
+        </p:nvSpPr>
+        <p:spPr>
+          <a:xfrm>
+            <a:off x="180000" y="1080000"/>
+            <a:ext cx="5399640" cy="3238920"/>
+          </a:xfrm>
+          <a:prstGeom prst="rect">
+            <a:avLst/>
+          </a:prstGeom>
+          <a:noFill/>
+          <a:ln w="0">
+            <a:noFill/>
+          </a:ln>
+        </p:spPr>
+        <p:style>
+          <a:lnRef idx="0"/>
+          <a:fillRef idx="0"/>
+          <a:effectRef idx="0"/>
+          <a:fontRef idx="minor"/>
+        </p:style>
+        <p:txBody>
+          <a:bodyPr lIns="90000" rIns="90000" tIns="45000" bIns="45000" anchor="t">
+            <a:noAutofit/>
+          </a:bodyPr>
+          <a:p>
+            <a:pPr>
+              <a:lnSpc>
+                <a:spcPct val="150000"/>
+              </a:lnSpc>
+            </a:pPr>
+            <a:endParaRPr b="0" lang="en-IN" sz="1800" spc="-1" strike="noStrike">
+              <a:solidFill>
+                <a:srgbClr val="000000"/>
+              </a:solidFill>
+              <a:latin typeface="Arial"/>
+              <a:ea typeface="DejaVu Sans"/>
+            </a:endParaRPr>
+          </a:p>
+        </p:txBody>
+      </p:sp>
+      <p:sp>
+        <p:nvSpPr>
+          <p:cNvPr id="158" name=""/>
+          <p:cNvSpPr/>
+          <p:nvPr/>
+        </p:nvSpPr>
+        <p:spPr>
+          <a:xfrm>
+            <a:off x="180000" y="1080000"/>
+            <a:ext cx="5305680" cy="2394000"/>
+          </a:xfrm>
+          <a:prstGeom prst="rect">
+            <a:avLst/>
+          </a:prstGeom>
+          <a:noFill/>
+          <a:ln w="0">
+            <a:noFill/>
+          </a:ln>
+        </p:spPr>
+        <p:style>
+          <a:lnRef idx="0"/>
+          <a:fillRef idx="0"/>
+          <a:effectRef idx="0"/>
+          <a:fontRef idx="minor"/>
+        </p:style>
+        <p:txBody>
+          <a:bodyPr lIns="90000" rIns="90000" tIns="45000" bIns="45000" anchor="t">
+            <a:noAutofit/>
+          </a:bodyPr>
+          <a:p>
+            <a:pPr>
+              <a:lnSpc>
+                <a:spcPct val="100000"/>
+              </a:lnSpc>
+            </a:pPr>
+            <a:r>
+              <a:rPr b="0" lang="en-IN" sz="1800" spc="-1" strike="noStrike">
+                <a:solidFill>
+                  <a:srgbClr val="000000"/>
+                </a:solidFill>
+                <a:latin typeface="Roboto"/>
+              </a:rPr>
+              <a:t>Kociemba's algorithm is a method for solving the Rubik's Cube puzzle. It is a more advanced method than the beginner's method, which involves solving the cube layer by layer. Kociemba's algorithm is named after its creator, Herbert Kociemba, who developed it in the 1990s.</a:t>
+            </a:r>
+            <a:endParaRPr b="0" lang="en-IN" sz="1800" spc="-1" strike="noStrike">
+              <a:solidFill>
+                <a:srgbClr val="000000"/>
+              </a:solidFill>
+              <a:latin typeface="Roboto"/>
+            </a:endParaRPr>
+          </a:p>
+          <a:p>
+            <a:pPr>
+              <a:lnSpc>
+                <a:spcPct val="100000"/>
+              </a:lnSpc>
+            </a:pPr>
+            <a:endParaRPr b="0" lang="en-IN" sz="1800" spc="-1" strike="noStrike">
+              <a:solidFill>
+                <a:srgbClr val="000000"/>
+              </a:solidFill>
+              <a:latin typeface="Roboto"/>
+            </a:endParaRPr>
+          </a:p>
+          <a:p>
+            <a:pPr>
+              <a:lnSpc>
+                <a:spcPct val="100000"/>
+              </a:lnSpc>
+            </a:pPr>
+            <a:r>
+              <a:rPr b="0" lang="en-IN" sz="1800" spc="-1" strike="noStrike">
+                <a:solidFill>
+                  <a:srgbClr val="000000"/>
+                </a:solidFill>
+                <a:latin typeface="Roboto"/>
+              </a:rPr>
+              <a:t>Kociemba's algorithm uses a two-phase approach to solve the Rubik's Cube. In the first phase, the corners of the cube are solved. In the second phase, the edges are solved. The two phases are completely independent, meaning that the algorithm solves the corners first and then the edges, rather than solving both at the same time.</a:t>
+            </a:r>
+            <a:endParaRPr b="0" lang="en-IN" sz="1800" spc="-1" strike="noStrike">
+              <a:solidFill>
+                <a:srgbClr val="000000"/>
+              </a:solidFill>
+              <a:latin typeface="Roboto"/>
+            </a:endParaRPr>
+          </a:p>
+        </p:txBody>
+      </p:sp>
+      <p:pic>
+        <p:nvPicPr>
+          <p:cNvPr id="159" name="" descr=""/>
+          <p:cNvPicPr/>
+          <p:nvPr/>
+        </p:nvPicPr>
+        <p:blipFill>
+          <a:blip r:embed="rId1"/>
+          <a:stretch/>
+        </p:blipFill>
+        <p:spPr>
+          <a:xfrm>
+            <a:off x="5619960" y="1673280"/>
+            <a:ext cx="3199680" cy="2466360"/>
+          </a:xfrm>
+          <a:prstGeom prst="rect">
+            <a:avLst/>
+          </a:prstGeom>
+          <a:ln w="0">
+            <a:noFill/>
+          </a:ln>
+        </p:spPr>
+      </p:pic>
+    </p:spTree>
+  </p:cSld>
+  <mc:AlternateContent>
+    <mc:Choice Requires="p14">
+      <p:transition spd="slow" p14:dur="2000"/>
+    </mc:Choice>
+    <mc:Fallback>
+      <p:transition spd="slow"/>
+    </mc:Fallback>
+  </mc:AlternateContent>
+</p:sld>
+</file>
+
+<file path=ppt/slides/slide13.xml><?xml version="1.0" encoding="utf-8"?>
+<p:sld xmlns:a="http://schemas.openxmlformats.org/drawingml/2006/main" xmlns:p="http://schemas.openxmlformats.org/presentationml/2006/main" xmlns:r="http://schemas.openxmlformats.org/officeDocument/2006/relationships" xmlns:p14="http://schemas.microsoft.com/office/powerpoint/2010/main" xmlns:p15="http://schemas.microsoft.com/office/powerpoint/2012/main" xmlns:mc="http://schemas.openxmlformats.org/markup-compatibility/2006">
+  <p:cSld>
+    <p:spTree>
+      <p:nvGrpSpPr>
+        <p:cNvPr id="1" name=""/>
+        <p:cNvGrpSpPr/>
+        <p:nvPr/>
+      </p:nvGrpSpPr>
+      <p:grpSpPr>
+        <a:xfrm>
+          <a:off x="0" y="0"/>
+          <a:ext cx="0" cy="0"/>
+          <a:chOff x="0" y="0"/>
+          <a:chExt cx="0" cy="0"/>
+        </a:xfrm>
+      </p:grpSpPr>
+      <p:sp>
+        <p:nvSpPr>
+          <p:cNvPr id="160" name="Google Shape;385;p 4"/>
+          <p:cNvSpPr/>
+          <p:nvPr/>
+        </p:nvSpPr>
+        <p:spPr>
+          <a:xfrm>
+            <a:off x="1620000" y="180000"/>
+            <a:ext cx="5484960" cy="636480"/>
+          </a:xfrm>
+          <a:prstGeom prst="rect">
+            <a:avLst/>
+          </a:prstGeom>
+          <a:noFill/>
+          <a:ln w="0">
+            <a:noFill/>
+          </a:ln>
+        </p:spPr>
+        <p:style>
+          <a:lnRef idx="0"/>
+          <a:fillRef idx="0"/>
+          <a:effectRef idx="0"/>
+          <a:fontRef idx="minor"/>
+        </p:style>
+        <p:txBody>
+          <a:bodyPr lIns="90000" rIns="90000" tIns="45000" bIns="45000" anchor="t">
+            <a:noAutofit/>
+          </a:bodyPr>
+          <a:p>
+            <a:pPr algn="ctr">
+              <a:lnSpc>
+                <a:spcPct val="100000"/>
+              </a:lnSpc>
+              <a:tabLst>
+                <a:tab algn="l" pos="0"/>
+              </a:tabLst>
+            </a:pPr>
+            <a:r>
+              <a:rPr b="1" lang="en-IN" sz="3600" spc="-1" strike="noStrike">
+                <a:solidFill>
+                  <a:srgbClr val="331d54"/>
+                </a:solidFill>
+                <a:latin typeface="Arial"/>
+                <a:ea typeface="Arial"/>
+              </a:rPr>
+              <a:t>Kociemba's algorithm:</a:t>
+            </a:r>
+            <a:endParaRPr b="0" lang="en-IN" sz="3600" spc="-1" strike="noStrike">
+              <a:solidFill>
+                <a:srgbClr val="000000"/>
+              </a:solidFill>
+              <a:latin typeface="Arial"/>
+            </a:endParaRPr>
+          </a:p>
+        </p:txBody>
+      </p:sp>
+      <p:sp>
+        <p:nvSpPr>
+          <p:cNvPr id="161" name="Google Shape;385;p 5"/>
+          <p:cNvSpPr/>
+          <p:nvPr/>
+        </p:nvSpPr>
+        <p:spPr>
+          <a:xfrm>
+            <a:off x="180000" y="1080000"/>
+            <a:ext cx="5399640" cy="3238920"/>
+          </a:xfrm>
+          <a:prstGeom prst="rect">
+            <a:avLst/>
+          </a:prstGeom>
+          <a:noFill/>
+          <a:ln w="0">
+            <a:noFill/>
+          </a:ln>
+        </p:spPr>
+        <p:style>
+          <a:lnRef idx="0"/>
+          <a:fillRef idx="0"/>
+          <a:effectRef idx="0"/>
+          <a:fontRef idx="minor"/>
+        </p:style>
+        <p:txBody>
+          <a:bodyPr lIns="90000" rIns="90000" tIns="45000" bIns="45000" anchor="t">
+            <a:noAutofit/>
+          </a:bodyPr>
+          <a:p>
+            <a:pPr>
+              <a:lnSpc>
+                <a:spcPct val="100000"/>
+              </a:lnSpc>
+            </a:pPr>
+            <a:endParaRPr b="0" lang="en-IN" sz="1800" spc="-1" strike="noStrike">
+              <a:solidFill>
+                <a:srgbClr val="000000"/>
+              </a:solidFill>
+              <a:latin typeface="Arial"/>
+              <a:ea typeface="DejaVu Sans"/>
+            </a:endParaRPr>
+          </a:p>
+        </p:txBody>
+      </p:sp>
+      <p:sp>
+        <p:nvSpPr>
+          <p:cNvPr id="162" name=""/>
+          <p:cNvSpPr/>
+          <p:nvPr/>
+        </p:nvSpPr>
+        <p:spPr>
+          <a:xfrm>
+            <a:off x="180000" y="900000"/>
+            <a:ext cx="8819640" cy="2339640"/>
+          </a:xfrm>
+          <a:prstGeom prst="rect">
+            <a:avLst/>
+          </a:prstGeom>
+          <a:noFill/>
+          <a:ln w="0">
+            <a:noFill/>
+          </a:ln>
+        </p:spPr>
+        <p:style>
+          <a:lnRef idx="0"/>
+          <a:fillRef idx="0"/>
+          <a:effectRef idx="0"/>
+          <a:fontRef idx="minor"/>
+        </p:style>
+        <p:txBody>
+          <a:bodyPr lIns="90000" rIns="90000" tIns="45000" bIns="45000" anchor="t">
+            <a:noAutofit/>
+          </a:bodyPr>
+          <a:p>
+            <a:r>
+              <a:rPr b="0" lang="en-IN" sz="1800" spc="-1" strike="noStrike">
+                <a:solidFill>
+                  <a:srgbClr val="000000"/>
+                </a:solidFill>
+                <a:latin typeface="Roboto"/>
+              </a:rPr>
+              <a:t>The algorithm uses a sophisticated search strategy that involves analyzing the possible moves that can be made from a given cube state, and then selecting the move that will bring the cube closer to the solved state. This process is repeated until the cube is solved. Kociemba's algorithm is highly optimized, and can solve the Rubik's Cube in an average of 21 moves or less, which is much more efficient than the beginner's method.</a:t>
+            </a:r>
+            <a:endParaRPr b="0" lang="en-IN" sz="1800" spc="-1" strike="noStrike">
+              <a:solidFill>
+                <a:srgbClr val="000000"/>
+              </a:solidFill>
+              <a:latin typeface="Arial"/>
+            </a:endParaRPr>
+          </a:p>
+          <a:p>
+            <a:endParaRPr b="0" lang="en-IN" sz="1800" spc="-1" strike="noStrike">
+              <a:solidFill>
+                <a:srgbClr val="000000"/>
+              </a:solidFill>
+              <a:latin typeface="Arial"/>
+            </a:endParaRPr>
+          </a:p>
+          <a:p>
+            <a:r>
+              <a:rPr b="0" lang="en-IN" sz="1800" spc="-1" strike="noStrike">
+                <a:solidFill>
+                  <a:srgbClr val="000000"/>
+                </a:solidFill>
+                <a:latin typeface="Roboto"/>
+              </a:rPr>
+              <a:t>Overall, Kociemba's algorithm is a highly effective method for solving the Rubik's Cube, and it is used by many speedcubers around the world.</a:t>
+            </a:r>
+            <a:endParaRPr b="0" lang="en-IN" sz="1800" spc="-1" strike="noStrike">
+              <a:solidFill>
+                <a:srgbClr val="000000"/>
+              </a:solidFill>
+              <a:latin typeface="Arial"/>
+            </a:endParaRPr>
+          </a:p>
+        </p:txBody>
+      </p:sp>
+      <p:pic>
+        <p:nvPicPr>
+          <p:cNvPr id="163" name="" descr=""/>
+          <p:cNvPicPr/>
+          <p:nvPr/>
+        </p:nvPicPr>
+        <p:blipFill>
+          <a:blip r:embed="rId1"/>
+          <a:stretch/>
+        </p:blipFill>
+        <p:spPr>
+          <a:xfrm>
+            <a:off x="2160000" y="3393000"/>
+            <a:ext cx="4837320" cy="1646640"/>
+          </a:xfrm>
+          <a:prstGeom prst="rect">
+            <a:avLst/>
+          </a:prstGeom>
+          <a:ln w="0">
+            <a:noFill/>
+          </a:ln>
+        </p:spPr>
+      </p:pic>
+    </p:spTree>
+  </p:cSld>
+  <mc:AlternateContent>
+    <mc:Choice Requires="p14">
+      <p:transition spd="slow" p14:dur="2000"/>
+    </mc:Choice>
+    <mc:Fallback>
+      <p:transition spd="slow"/>
+    </mc:Fallback>
+  </mc:AlternateContent>
+</p:sld>
+</file>
+
+<file path=ppt/slides/slide14.xml><?xml version="1.0" encoding="utf-8"?>
+<p:sld xmlns:a="http://schemas.openxmlformats.org/drawingml/2006/main" xmlns:p="http://schemas.openxmlformats.org/presentationml/2006/main" xmlns:r="http://schemas.openxmlformats.org/officeDocument/2006/relationships" xmlns:p14="http://schemas.microsoft.com/office/powerpoint/2010/main" xmlns:p15="http://schemas.microsoft.com/office/powerpoint/2012/main" xmlns:mc="http://schemas.openxmlformats.org/markup-compatibility/2006">
+  <p:cSld>
+    <p:spTree>
+      <p:nvGrpSpPr>
+        <p:cNvPr id="1" name=""/>
+        <p:cNvGrpSpPr/>
+        <p:nvPr/>
+      </p:nvGrpSpPr>
+      <p:grpSpPr>
+        <a:xfrm>
+          <a:off x="0" y="0"/>
+          <a:ext cx="0" cy="0"/>
+          <a:chOff x="0" y="0"/>
+          <a:chExt cx="0" cy="0"/>
+        </a:xfrm>
+      </p:grpSpPr>
+      <p:sp>
+        <p:nvSpPr>
+          <p:cNvPr id="164" name="Google Shape;385;p 6"/>
+          <p:cNvSpPr/>
+          <p:nvPr/>
+        </p:nvSpPr>
+        <p:spPr>
+          <a:xfrm>
+            <a:off x="1620000" y="180000"/>
+            <a:ext cx="5484960" cy="636480"/>
+          </a:xfrm>
+          <a:prstGeom prst="rect">
+            <a:avLst/>
+          </a:prstGeom>
+          <a:noFill/>
+          <a:ln w="0">
+            <a:noFill/>
+          </a:ln>
+        </p:spPr>
+        <p:style>
+          <a:lnRef idx="0"/>
+          <a:fillRef idx="0"/>
+          <a:effectRef idx="0"/>
+          <a:fontRef idx="minor"/>
+        </p:style>
+        <p:txBody>
+          <a:bodyPr lIns="90000" rIns="90000" tIns="45000" bIns="45000" anchor="t">
+            <a:noAutofit/>
+          </a:bodyPr>
+          <a:p>
+            <a:pPr algn="ctr">
+              <a:lnSpc>
+                <a:spcPct val="100000"/>
+              </a:lnSpc>
+              <a:tabLst>
+                <a:tab algn="l" pos="0"/>
+              </a:tabLst>
+            </a:pPr>
+            <a:r>
+              <a:rPr b="1" lang="en-IN" sz="3600" spc="-1" strike="noStrike">
+                <a:solidFill>
+                  <a:srgbClr val="331d54"/>
+                </a:solidFill>
+                <a:latin typeface="Arial"/>
+                <a:ea typeface="Arial"/>
+              </a:rPr>
+              <a:t>Kociemba's Efficiency:</a:t>
+            </a:r>
+            <a:endParaRPr b="0" lang="en-IN" sz="3600" spc="-1" strike="noStrike">
+              <a:solidFill>
+                <a:srgbClr val="000000"/>
+              </a:solidFill>
+              <a:latin typeface="Arial"/>
+            </a:endParaRPr>
+          </a:p>
+        </p:txBody>
+      </p:sp>
+      <p:sp>
+        <p:nvSpPr>
+          <p:cNvPr id="165" name="Google Shape;385;p 7"/>
+          <p:cNvSpPr/>
+          <p:nvPr/>
+        </p:nvSpPr>
+        <p:spPr>
+          <a:xfrm>
+            <a:off x="180000" y="1080000"/>
+            <a:ext cx="5399640" cy="3238920"/>
+          </a:xfrm>
+          <a:prstGeom prst="rect">
+            <a:avLst/>
+          </a:prstGeom>
+          <a:noFill/>
+          <a:ln w="0">
+            <a:noFill/>
+          </a:ln>
+        </p:spPr>
+        <p:style>
+          <a:lnRef idx="0"/>
+          <a:fillRef idx="0"/>
+          <a:effectRef idx="0"/>
+          <a:fontRef idx="minor"/>
+        </p:style>
+        <p:txBody>
+          <a:bodyPr lIns="90000" rIns="90000" tIns="45000" bIns="45000" anchor="t">
+            <a:noAutofit/>
+          </a:bodyPr>
+          <a:p>
+            <a:pPr>
+              <a:lnSpc>
+                <a:spcPct val="100000"/>
+              </a:lnSpc>
+            </a:pPr>
+            <a:endParaRPr b="0" lang="en-IN" sz="1800" spc="-1" strike="noStrike">
+              <a:solidFill>
+                <a:srgbClr val="000000"/>
+              </a:solidFill>
+              <a:latin typeface="Arial"/>
+              <a:ea typeface="DejaVu Sans"/>
+            </a:endParaRPr>
+          </a:p>
+        </p:txBody>
+      </p:sp>
+      <p:pic>
+        <p:nvPicPr>
+          <p:cNvPr id="166" name="" descr=""/>
+          <p:cNvPicPr/>
+          <p:nvPr/>
+        </p:nvPicPr>
+        <p:blipFill>
+          <a:blip r:embed="rId1"/>
+          <a:stretch/>
+        </p:blipFill>
+        <p:spPr>
+          <a:xfrm>
+            <a:off x="360000" y="900000"/>
+            <a:ext cx="8639640" cy="4139640"/>
+          </a:xfrm>
+          <a:prstGeom prst="rect">
+            <a:avLst/>
+          </a:prstGeom>
+          <a:ln w="0">
+            <a:noFill/>
+          </a:ln>
+        </p:spPr>
+      </p:pic>
+    </p:spTree>
+  </p:cSld>
+  <mc:AlternateContent>
+    <mc:Choice Requires="p14">
+      <p:transition spd="slow" p14:dur="2000"/>
+    </mc:Choice>
+    <mc:Fallback>
+      <p:transition spd="slow"/>
+    </mc:Fallback>
+  </mc:AlternateContent>
+</p:sld>
+</file>
+
+<file path=ppt/slides/slide15.xml><?xml version="1.0" encoding="utf-8"?>
+<p:sld xmlns:a="http://schemas.openxmlformats.org/drawingml/2006/main" xmlns:p="http://schemas.openxmlformats.org/presentationml/2006/main" xmlns:r="http://schemas.openxmlformats.org/officeDocument/2006/relationships" xmlns:p14="http://schemas.microsoft.com/office/powerpoint/2010/main" xmlns:p15="http://schemas.microsoft.com/office/powerpoint/2012/main" xmlns:mc="http://schemas.openxmlformats.org/markup-compatibility/2006">
+  <p:cSld>
+    <p:spTree>
+      <p:nvGrpSpPr>
+        <p:cNvPr id="1" name=""/>
+        <p:cNvGrpSpPr/>
+        <p:nvPr/>
+      </p:nvGrpSpPr>
+      <p:grpSpPr>
+        <a:xfrm>
+          <a:off x="0" y="0"/>
+          <a:ext cx="0" cy="0"/>
+          <a:chOff x="0" y="0"/>
+          <a:chExt cx="0" cy="0"/>
+        </a:xfrm>
+      </p:grpSpPr>
+      <p:sp>
+        <p:nvSpPr>
+          <p:cNvPr id="167" name="PlaceHolder 1"/>
+          <p:cNvSpPr>
+            <a:spLocks noGrp="1"/>
+          </p:cNvSpPr>
+          <p:nvPr>
+            <p:ph type="title"/>
+          </p:nvPr>
+        </p:nvSpPr>
+        <p:spPr>
+          <a:xfrm>
+            <a:off x="710280" y="536760"/>
+            <a:ext cx="7719120" cy="477000"/>
+          </a:xfrm>
+          <a:prstGeom prst="rect">
+            <a:avLst/>
+          </a:prstGeom>
+          <a:noFill/>
+          <a:ln w="0">
+            <a:noFill/>
+          </a:ln>
+        </p:spPr>
+        <p:txBody>
+          <a:bodyPr lIns="0" rIns="0" tIns="91440" bIns="91440" anchor="ctr">
+            <a:noAutofit/>
+          </a:bodyPr>
+          <a:p>
+            <a:pPr indent="0">
+              <a:lnSpc>
+                <a:spcPct val="100000"/>
+              </a:lnSpc>
+              <a:buNone/>
+              <a:tabLst>
+                <a:tab algn="l" pos="0"/>
+              </a:tabLst>
+            </a:pPr>
+            <a:r>
+              <a:rPr b="0" lang="en-IN" sz="4000" spc="-1" strike="noStrike">
+                <a:solidFill>
+                  <a:srgbClr val="64306c"/>
+                </a:solidFill>
+                <a:latin typeface="Fira Sans Extra Condensed Medium"/>
+                <a:ea typeface="Fira Sans Extra Condensed Medium"/>
+              </a:rPr>
+              <a:t>Hardware requirements</a:t>
+            </a:r>
+            <a:endParaRPr b="0" lang="en-IN" sz="4000" spc="-1" strike="noStrike">
+              <a:solidFill>
+                <a:srgbClr val="000000"/>
+              </a:solidFill>
+              <a:latin typeface="Arial"/>
+            </a:endParaRPr>
+          </a:p>
+        </p:txBody>
+      </p:sp>
+      <p:sp>
+        <p:nvSpPr>
+          <p:cNvPr id="168" name="PlaceHolder 2"/>
+          <p:cNvSpPr>
+            <a:spLocks noGrp="1"/>
+          </p:cNvSpPr>
+          <p:nvPr>
+            <p:ph/>
+          </p:nvPr>
+        </p:nvSpPr>
+        <p:spPr>
+          <a:xfrm>
+            <a:off x="710280" y="1152360"/>
+            <a:ext cx="5021280" cy="3450240"/>
+          </a:xfrm>
+          <a:prstGeom prst="rect">
+            <a:avLst/>
+          </a:prstGeom>
+          <a:noFill/>
+          <a:ln w="0">
+            <a:noFill/>
+          </a:ln>
+        </p:spPr>
+        <p:txBody>
+          <a:bodyPr lIns="0" rIns="0" tIns="91440" bIns="91440" anchor="t">
+            <a:noAutofit/>
+          </a:bodyPr>
+          <a:p>
+            <a:pPr marL="457200" indent="-343080">
+              <a:lnSpc>
+                <a:spcPct val="150000"/>
+              </a:lnSpc>
+              <a:spcBef>
+                <a:spcPts val="1001"/>
+              </a:spcBef>
+              <a:buClr>
+                <a:srgbClr val="000000"/>
+              </a:buClr>
+              <a:buFont typeface="Roboto"/>
+              <a:buChar char="●"/>
+            </a:pPr>
+            <a:r>
+              <a:rPr b="0" lang="en-IN" sz="1600" spc="-1" strike="noStrike">
+                <a:solidFill>
+                  <a:schemeClr val="dk1"/>
+                </a:solidFill>
+                <a:latin typeface="Roboto"/>
+                <a:ea typeface="Roboto"/>
+              </a:rPr>
+              <a:t>1.5 GHz processor or higher.</a:t>
+            </a:r>
+            <a:endParaRPr b="0" lang="en-IN" sz="1600" spc="-1" strike="noStrike">
+              <a:solidFill>
+                <a:srgbClr val="000000"/>
+              </a:solidFill>
+              <a:latin typeface="Arial"/>
+            </a:endParaRPr>
+          </a:p>
+          <a:p>
+            <a:pPr marL="457200" indent="-343080">
+              <a:lnSpc>
+                <a:spcPct val="150000"/>
+              </a:lnSpc>
+              <a:spcBef>
+                <a:spcPts val="1001"/>
+              </a:spcBef>
+              <a:buClr>
+                <a:srgbClr val="000000"/>
+              </a:buClr>
+              <a:buFont typeface="Roboto"/>
+              <a:buChar char="●"/>
+            </a:pPr>
+            <a:r>
+              <a:rPr b="0" lang="en-IN" sz="1600" spc="-1" strike="noStrike">
+                <a:solidFill>
+                  <a:schemeClr val="dk1"/>
+                </a:solidFill>
+                <a:latin typeface="Roboto"/>
+                <a:ea typeface="Roboto"/>
+              </a:rPr>
+              <a:t>2 GB RAM or higher.</a:t>
+            </a:r>
+            <a:endParaRPr b="0" lang="en-IN" sz="1600" spc="-1" strike="noStrike">
+              <a:solidFill>
+                <a:srgbClr val="000000"/>
+              </a:solidFill>
+              <a:latin typeface="Arial"/>
+            </a:endParaRPr>
+          </a:p>
+          <a:p>
+            <a:pPr marL="457200" indent="-343080">
+              <a:lnSpc>
+                <a:spcPct val="150000"/>
+              </a:lnSpc>
+              <a:spcBef>
+                <a:spcPts val="1001"/>
+              </a:spcBef>
+              <a:buClr>
+                <a:srgbClr val="000000"/>
+              </a:buClr>
+              <a:buFont typeface="Roboto"/>
+              <a:buChar char="●"/>
+            </a:pPr>
+            <a:r>
+              <a:rPr b="0" lang="en-IN" sz="1600" spc="-1" strike="noStrike">
+                <a:solidFill>
+                  <a:schemeClr val="dk1"/>
+                </a:solidFill>
+                <a:latin typeface="Roboto"/>
+                <a:ea typeface="Roboto"/>
+              </a:rPr>
+              <a:t>500 MB Available Hard Drive Space</a:t>
+            </a:r>
+            <a:endParaRPr b="0" lang="en-IN" sz="1600" spc="-1" strike="noStrike">
+              <a:solidFill>
+                <a:srgbClr val="000000"/>
+              </a:solidFill>
+              <a:latin typeface="Arial"/>
+            </a:endParaRPr>
+          </a:p>
+          <a:p>
+            <a:pPr marL="457200" indent="-343080">
+              <a:lnSpc>
+                <a:spcPct val="150000"/>
+              </a:lnSpc>
+              <a:spcBef>
+                <a:spcPts val="1001"/>
+              </a:spcBef>
+              <a:buClr>
+                <a:srgbClr val="000000"/>
+              </a:buClr>
+              <a:buFont typeface="Roboto"/>
+              <a:buChar char="●"/>
+            </a:pPr>
+            <a:r>
+              <a:rPr b="0" lang="en-IN" sz="1600" spc="-1" strike="noStrike">
+                <a:solidFill>
+                  <a:schemeClr val="dk1"/>
+                </a:solidFill>
+                <a:latin typeface="Roboto"/>
+                <a:ea typeface="Roboto"/>
+              </a:rPr>
+              <a:t>Windows 7 SP2 or later operating system OR Any LINUX distribution or MAC OS.</a:t>
+            </a:r>
+            <a:endParaRPr b="0" lang="en-IN" sz="1600" spc="-1" strike="noStrike">
+              <a:solidFill>
+                <a:srgbClr val="000000"/>
+              </a:solidFill>
+              <a:latin typeface="Arial"/>
+            </a:endParaRPr>
+          </a:p>
+          <a:p>
+            <a:pPr marL="457200" indent="-343080">
+              <a:lnSpc>
+                <a:spcPct val="150000"/>
+              </a:lnSpc>
+              <a:spcBef>
+                <a:spcPts val="1001"/>
+              </a:spcBef>
+              <a:buClr>
+                <a:srgbClr val="000000"/>
+              </a:buClr>
+              <a:buFont typeface="Roboto"/>
+              <a:buChar char="●"/>
+            </a:pPr>
+            <a:r>
+              <a:rPr b="0" lang="en-IN" sz="1600" spc="-1" strike="noStrike">
+                <a:solidFill>
+                  <a:schemeClr val="dk1"/>
+                </a:solidFill>
+                <a:latin typeface="Roboto"/>
+                <a:ea typeface="Roboto"/>
+              </a:rPr>
+              <a:t>An active Internet Connection.(not requied for gameplay)</a:t>
+            </a:r>
+            <a:endParaRPr b="0" lang="en-IN" sz="1600" spc="-1" strike="noStrike">
+              <a:solidFill>
+                <a:srgbClr val="000000"/>
+              </a:solidFill>
+              <a:latin typeface="Arial"/>
+            </a:endParaRPr>
+          </a:p>
+        </p:txBody>
+      </p:sp>
+      <p:pic>
+        <p:nvPicPr>
+          <p:cNvPr id="169" name="Google Shape;399;p68" descr=""/>
+          <p:cNvPicPr/>
+          <p:nvPr/>
+        </p:nvPicPr>
+        <p:blipFill>
+          <a:blip r:embed="rId1"/>
+          <a:stretch/>
+        </p:blipFill>
+        <p:spPr>
+          <a:xfrm>
+            <a:off x="5740560" y="1895400"/>
+            <a:ext cx="3151800" cy="1773720"/>
+          </a:xfrm>
+          <a:prstGeom prst="rect">
+            <a:avLst/>
+          </a:prstGeom>
+          <a:ln w="0">
+            <a:noFill/>
+          </a:ln>
+        </p:spPr>
+      </p:pic>
     </p:spTree>
   </p:cSld>
   <mc:AlternateContent>
@@ -7959,7 +8590,7 @@
                             </p:stCondLst>
                             <p:childTnLst>
                               <p:par>
-                                <p:cTn id="175" nodeType="clickEffect" fill="hold" presetClass="entr" presetID="10">
+                                <p:cTn id="175" nodeType="clickEffect" fill="hold" presetClass="entr" presetID="16" presetSubtype="21">
                                   <p:stCondLst>
                                     <p:cond delay="0"/>
                                   </p:stCondLst>
@@ -7972,383 +8603,7 @@
                                           </p:stCondLst>
                                         </p:cTn>
                                         <p:tgtEl>
-                                          <p:spTgt spid="153"/>
-                                        </p:tgtEl>
-                                        <p:attrNameLst>
-                                          <p:attrName>style.visibility</p:attrName>
-                                        </p:attrNameLst>
-                                      </p:cBhvr>
-                                      <p:to>
-                                        <p:strVal val="visible"/>
-                                      </p:to>
-                                    </p:set>
-                                    <p:animEffect filter="fade" transition="in">
-                                      <p:cBhvr additive="repl">
-                                        <p:cTn id="177" dur="500"/>
-                                        <p:tgtEl>
-                                          <p:spTgt spid="153"/>
-                                        </p:tgtEl>
-                                      </p:cBhvr>
-                                    </p:animEffect>
-                                  </p:childTnLst>
-                                </p:cTn>
-                              </p:par>
-                            </p:childTnLst>
-                          </p:cTn>
-                        </p:par>
-                      </p:childTnLst>
-                    </p:cTn>
-                  </p:par>
-                </p:childTnLst>
-              </p:cTn>
-              <p:prevCondLst>
-                <p:cond evt="onPrev">
-                  <p:tgtEl>
-                    <p:sldTgt/>
-                  </p:tgtEl>
-                </p:cond>
-              </p:prevCondLst>
-              <p:nextCondLst>
-                <p:cond evt="onNext">
-                  <p:tgtEl>
-                    <p:sldTgt/>
-                  </p:tgtEl>
-                </p:cond>
-              </p:nextCondLst>
-            </p:seq>
-          </p:childTnLst>
-        </p:cTn>
-      </p:par>
-    </p:tnLst>
-  </p:timing>
-</p:sld>
-</file>
-
-<file path=ppt/slides/slide12.xml><?xml version="1.0" encoding="utf-8"?>
-<p:sld xmlns:a="http://schemas.openxmlformats.org/drawingml/2006/main" xmlns:p="http://schemas.openxmlformats.org/presentationml/2006/main" xmlns:r="http://schemas.openxmlformats.org/officeDocument/2006/relationships" xmlns:p14="http://schemas.microsoft.com/office/powerpoint/2010/main" xmlns:p15="http://schemas.microsoft.com/office/powerpoint/2012/main" xmlns:mc="http://schemas.openxmlformats.org/markup-compatibility/2006">
-  <p:cSld>
-    <p:spTree>
-      <p:nvGrpSpPr>
-        <p:cNvPr id="1" name=""/>
-        <p:cNvGrpSpPr/>
-        <p:nvPr/>
-      </p:nvGrpSpPr>
-      <p:grpSpPr>
-        <a:xfrm>
-          <a:off x="0" y="0"/>
-          <a:ext cx="0" cy="0"/>
-          <a:chOff x="0" y="0"/>
-          <a:chExt cx="0" cy="0"/>
-        </a:xfrm>
-      </p:grpSpPr>
-      <p:sp>
-        <p:nvSpPr>
-          <p:cNvPr id="155" name="PlaceHolder 1"/>
-          <p:cNvSpPr>
-            <a:spLocks noGrp="1"/>
-          </p:cNvSpPr>
-          <p:nvPr>
-            <p:ph type="title"/>
-          </p:nvPr>
-        </p:nvSpPr>
-        <p:spPr>
-          <a:xfrm>
-            <a:off x="710280" y="536760"/>
-            <a:ext cx="7719840" cy="477720"/>
-          </a:xfrm>
-          <a:prstGeom prst="rect">
-            <a:avLst/>
-          </a:prstGeom>
-          <a:noFill/>
-          <a:ln w="0">
-            <a:noFill/>
-          </a:ln>
-        </p:spPr>
-        <p:txBody>
-          <a:bodyPr lIns="0" rIns="0" tIns="91440" bIns="91440" anchor="ctr">
-            <a:noAutofit/>
-          </a:bodyPr>
-          <a:p>
-            <a:pPr indent="0">
-              <a:lnSpc>
-                <a:spcPct val="100000"/>
-              </a:lnSpc>
-              <a:buNone/>
-              <a:tabLst>
-                <a:tab algn="l" pos="0"/>
-              </a:tabLst>
-            </a:pPr>
-            <a:r>
-              <a:rPr b="0" lang="en-IN" sz="4000" spc="-1" strike="noStrike">
-                <a:solidFill>
-                  <a:srgbClr val="64306c"/>
-                </a:solidFill>
-                <a:latin typeface="Fira Sans Extra Condensed Medium"/>
-                <a:ea typeface="Fira Sans Extra Condensed Medium"/>
-              </a:rPr>
-              <a:t>Hardware requirements</a:t>
-            </a:r>
-            <a:endParaRPr b="0" lang="en-US" sz="4000" spc="-1" strike="noStrike">
-              <a:solidFill>
-                <a:srgbClr val="000000"/>
-              </a:solidFill>
-              <a:latin typeface="Arial"/>
-            </a:endParaRPr>
-          </a:p>
-        </p:txBody>
-      </p:sp>
-      <p:sp>
-        <p:nvSpPr>
-          <p:cNvPr id="156" name="PlaceHolder 2"/>
-          <p:cNvSpPr>
-            <a:spLocks noGrp="1"/>
-          </p:cNvSpPr>
-          <p:nvPr>
-            <p:ph/>
-          </p:nvPr>
-        </p:nvSpPr>
-        <p:spPr>
-          <a:xfrm>
-            <a:off x="710280" y="1152360"/>
-            <a:ext cx="5022000" cy="3450960"/>
-          </a:xfrm>
-          <a:prstGeom prst="rect">
-            <a:avLst/>
-          </a:prstGeom>
-          <a:noFill/>
-          <a:ln w="0">
-            <a:noFill/>
-          </a:ln>
-        </p:spPr>
-        <p:txBody>
-          <a:bodyPr lIns="0" rIns="0" tIns="91440" bIns="91440" anchor="t">
-            <a:noAutofit/>
-          </a:bodyPr>
-          <a:p>
-            <a:pPr marL="457200" indent="-343080">
-              <a:lnSpc>
-                <a:spcPct val="150000"/>
-              </a:lnSpc>
-              <a:spcBef>
-                <a:spcPts val="1001"/>
-              </a:spcBef>
-              <a:buClr>
-                <a:srgbClr val="000000"/>
-              </a:buClr>
-              <a:buFont typeface="Roboto"/>
-              <a:buChar char="●"/>
-            </a:pPr>
-            <a:r>
-              <a:rPr b="0" lang="en-IN" sz="1600" spc="-1" strike="noStrike">
-                <a:solidFill>
-                  <a:schemeClr val="dk1"/>
-                </a:solidFill>
-                <a:latin typeface="Roboto"/>
-                <a:ea typeface="Roboto"/>
-              </a:rPr>
-              <a:t>1.5 GHz processor or higher.</a:t>
-            </a:r>
-            <a:endParaRPr b="0" lang="en-US" sz="1600" spc="-1" strike="noStrike">
-              <a:solidFill>
-                <a:srgbClr val="000000"/>
-              </a:solidFill>
-              <a:latin typeface="Arial"/>
-            </a:endParaRPr>
-          </a:p>
-          <a:p>
-            <a:pPr marL="457200" indent="-343080">
-              <a:lnSpc>
-                <a:spcPct val="150000"/>
-              </a:lnSpc>
-              <a:spcBef>
-                <a:spcPts val="1001"/>
-              </a:spcBef>
-              <a:buClr>
-                <a:srgbClr val="000000"/>
-              </a:buClr>
-              <a:buFont typeface="Roboto"/>
-              <a:buChar char="●"/>
-            </a:pPr>
-            <a:r>
-              <a:rPr b="0" lang="en-IN" sz="1600" spc="-1" strike="noStrike">
-                <a:solidFill>
-                  <a:schemeClr val="dk1"/>
-                </a:solidFill>
-                <a:latin typeface="Roboto"/>
-                <a:ea typeface="Roboto"/>
-              </a:rPr>
-              <a:t>2 GB RAM or higher.</a:t>
-            </a:r>
-            <a:endParaRPr b="0" lang="en-US" sz="1600" spc="-1" strike="noStrike">
-              <a:solidFill>
-                <a:srgbClr val="000000"/>
-              </a:solidFill>
-              <a:latin typeface="Arial"/>
-            </a:endParaRPr>
-          </a:p>
-          <a:p>
-            <a:pPr marL="457200" indent="-343080">
-              <a:lnSpc>
-                <a:spcPct val="150000"/>
-              </a:lnSpc>
-              <a:spcBef>
-                <a:spcPts val="1001"/>
-              </a:spcBef>
-              <a:buClr>
-                <a:srgbClr val="000000"/>
-              </a:buClr>
-              <a:buFont typeface="Roboto"/>
-              <a:buChar char="●"/>
-            </a:pPr>
-            <a:r>
-              <a:rPr b="0" lang="en-IN" sz="1600" spc="-1" strike="noStrike">
-                <a:solidFill>
-                  <a:schemeClr val="dk1"/>
-                </a:solidFill>
-                <a:latin typeface="Roboto"/>
-                <a:ea typeface="Roboto"/>
-              </a:rPr>
-              <a:t>500 MB Available Hard Drive Space</a:t>
-            </a:r>
-            <a:endParaRPr b="0" lang="en-US" sz="1600" spc="-1" strike="noStrike">
-              <a:solidFill>
-                <a:srgbClr val="000000"/>
-              </a:solidFill>
-              <a:latin typeface="Arial"/>
-            </a:endParaRPr>
-          </a:p>
-          <a:p>
-            <a:pPr marL="457200" indent="-343080">
-              <a:lnSpc>
-                <a:spcPct val="150000"/>
-              </a:lnSpc>
-              <a:spcBef>
-                <a:spcPts val="1001"/>
-              </a:spcBef>
-              <a:buClr>
-                <a:srgbClr val="000000"/>
-              </a:buClr>
-              <a:buFont typeface="Roboto"/>
-              <a:buChar char="●"/>
-            </a:pPr>
-            <a:r>
-              <a:rPr b="0" lang="en-IN" sz="1600" spc="-1" strike="noStrike">
-                <a:solidFill>
-                  <a:schemeClr val="dk1"/>
-                </a:solidFill>
-                <a:latin typeface="Roboto"/>
-                <a:ea typeface="Roboto"/>
-              </a:rPr>
-              <a:t>Windows 7 SP2 or later operating system OR Any LINUX distribution or MAC OS.</a:t>
-            </a:r>
-            <a:endParaRPr b="0" lang="en-US" sz="1600" spc="-1" strike="noStrike">
-              <a:solidFill>
-                <a:srgbClr val="000000"/>
-              </a:solidFill>
-              <a:latin typeface="Arial"/>
-            </a:endParaRPr>
-          </a:p>
-          <a:p>
-            <a:pPr marL="457200" indent="-343080">
-              <a:lnSpc>
-                <a:spcPct val="150000"/>
-              </a:lnSpc>
-              <a:spcBef>
-                <a:spcPts val="1001"/>
-              </a:spcBef>
-              <a:buClr>
-                <a:srgbClr val="000000"/>
-              </a:buClr>
-              <a:buFont typeface="Roboto"/>
-              <a:buChar char="●"/>
-            </a:pPr>
-            <a:r>
-              <a:rPr b="0" lang="en-IN" sz="1600" spc="-1" strike="noStrike">
-                <a:solidFill>
-                  <a:schemeClr val="dk1"/>
-                </a:solidFill>
-                <a:latin typeface="Roboto"/>
-                <a:ea typeface="Roboto"/>
-              </a:rPr>
-              <a:t>An active Internet Connection.(not requied for gameplay)</a:t>
-            </a:r>
-            <a:endParaRPr b="0" lang="en-US" sz="1600" spc="-1" strike="noStrike">
-              <a:solidFill>
-                <a:srgbClr val="000000"/>
-              </a:solidFill>
-              <a:latin typeface="Arial"/>
-            </a:endParaRPr>
-          </a:p>
-        </p:txBody>
-      </p:sp>
-      <p:pic>
-        <p:nvPicPr>
-          <p:cNvPr id="157" name="Google Shape;399;p68" descr=""/>
-          <p:cNvPicPr/>
-          <p:nvPr/>
-        </p:nvPicPr>
-        <p:blipFill>
-          <a:blip r:embed="rId1"/>
-          <a:stretch/>
-        </p:blipFill>
-        <p:spPr>
-          <a:xfrm>
-            <a:off x="5740560" y="1895400"/>
-            <a:ext cx="3152520" cy="1774440"/>
-          </a:xfrm>
-          <a:prstGeom prst="rect">
-            <a:avLst/>
-          </a:prstGeom>
-          <a:ln w="0">
-            <a:noFill/>
-          </a:ln>
-        </p:spPr>
-      </p:pic>
-    </p:spTree>
-  </p:cSld>
-  <mc:AlternateContent>
-    <mc:Choice Requires="p14">
-      <p:transition spd="slow" p14:dur="2000"/>
-    </mc:Choice>
-    <mc:Fallback>
-      <p:transition spd="slow"/>
-    </mc:Fallback>
-  </mc:AlternateContent>
-  <p:timing>
-    <p:tnLst>
-      <p:par>
-        <p:cTn id="178" dur="indefinite" restart="never" nodeType="tmRoot">
-          <p:childTnLst>
-            <p:seq>
-              <p:cTn id="179" dur="indefinite" nodeType="mainSeq">
-                <p:childTnLst>
-                  <p:par>
-                    <p:cTn id="180" fill="hold">
-                      <p:stCondLst>
-                        <p:cond delay="indefinite"/>
-                      </p:stCondLst>
-                      <p:childTnLst>
-                        <p:par>
-                          <p:cTn id="181" fill="hold">
-                            <p:stCondLst>
-                              <p:cond delay="0"/>
-                            </p:stCondLst>
-                            <p:childTnLst>
-                              <p:par>
-                                <p:cTn id="182" nodeType="clickEffect" fill="hold" presetClass="entr" presetID="16" presetSubtype="21">
-                                  <p:stCondLst>
-                                    <p:cond delay="0"/>
-                                  </p:stCondLst>
-                                  <p:childTnLst>
-                                    <p:set>
-                                      <p:cBhvr>
-                                        <p:cTn id="183" dur="1" fill="hold">
-                                          <p:stCondLst>
-                                            <p:cond delay="0"/>
-                                          </p:stCondLst>
-                                        </p:cTn>
-                                        <p:tgtEl>
-                                          <p:spTgt spid="156">
+                                          <p:spTgt spid="168">
                                             <p:txEl>
                                               <p:pRg st="0" end="0"/>
                                             </p:txEl>
@@ -8364,9 +8619,9 @@
                                     </p:set>
                                     <p:animEffect filter="barn(inVertical)" transition="in">
                                       <p:cBhvr additive="repl">
-                                        <p:cTn id="184" dur="500"/>
+                                        <p:cTn id="177" dur="500"/>
                                         <p:tgtEl>
-                                          <p:spTgt spid="156">
+                                          <p:spTgt spid="168">
                                             <p:txEl>
                                               <p:pRg st="0" end="0"/>
                                             </p:txEl>
@@ -8384,32 +8639,32 @@
                     </p:cTn>
                   </p:par>
                   <p:par>
-                    <p:cTn id="185" fill="hold">
+                    <p:cTn id="178" fill="hold">
                       <p:stCondLst>
                         <p:cond delay="indefinite"/>
                       </p:stCondLst>
                       <p:childTnLst>
                         <p:par>
-                          <p:cTn id="186" fill="hold">
+                          <p:cTn id="179" fill="hold">
                             <p:stCondLst>
                               <p:cond delay="0"/>
                             </p:stCondLst>
                             <p:childTnLst>
                               <p:par>
-                                <p:cTn id="187" nodeType="clickEffect" fill="hold" presetClass="entr" presetID="16" presetSubtype="21">
+                                <p:cTn id="180" nodeType="clickEffect" fill="hold" presetClass="entr" presetID="16" presetSubtype="21">
                                   <p:stCondLst>
                                     <p:cond delay="0"/>
                                   </p:stCondLst>
                                   <p:childTnLst>
                                     <p:set>
                                       <p:cBhvr>
-                                        <p:cTn id="188" dur="1" fill="hold">
+                                        <p:cTn id="181" dur="1" fill="hold">
                                           <p:stCondLst>
                                             <p:cond delay="0"/>
                                           </p:stCondLst>
                                         </p:cTn>
                                         <p:tgtEl>
-                                          <p:spTgt spid="156">
+                                          <p:spTgt spid="168">
                                             <p:txEl>
                                               <p:pRg st="1" end="1"/>
                                             </p:txEl>
@@ -8425,9 +8680,9 @@
                                     </p:set>
                                     <p:animEffect filter="barn(inVertical)" transition="in">
                                       <p:cBhvr additive="repl">
-                                        <p:cTn id="189" dur="500"/>
+                                        <p:cTn id="182" dur="500"/>
                                         <p:tgtEl>
-                                          <p:spTgt spid="156">
+                                          <p:spTgt spid="168">
                                             <p:txEl>
                                               <p:pRg st="1" end="1"/>
                                             </p:txEl>
@@ -8445,32 +8700,32 @@
                     </p:cTn>
                   </p:par>
                   <p:par>
-                    <p:cTn id="190" fill="hold">
+                    <p:cTn id="183" fill="hold">
                       <p:stCondLst>
                         <p:cond delay="indefinite"/>
                       </p:stCondLst>
                       <p:childTnLst>
                         <p:par>
-                          <p:cTn id="191" fill="hold">
+                          <p:cTn id="184" fill="hold">
                             <p:stCondLst>
                               <p:cond delay="0"/>
                             </p:stCondLst>
                             <p:childTnLst>
                               <p:par>
-                                <p:cTn id="192" nodeType="clickEffect" fill="hold" presetClass="entr" presetID="16" presetSubtype="21">
+                                <p:cTn id="185" nodeType="clickEffect" fill="hold" presetClass="entr" presetID="16" presetSubtype="21">
                                   <p:stCondLst>
                                     <p:cond delay="0"/>
                                   </p:stCondLst>
                                   <p:childTnLst>
                                     <p:set>
                                       <p:cBhvr>
-                                        <p:cTn id="193" dur="1" fill="hold">
+                                        <p:cTn id="186" dur="1" fill="hold">
                                           <p:stCondLst>
                                             <p:cond delay="0"/>
                                           </p:stCondLst>
                                         </p:cTn>
                                         <p:tgtEl>
-                                          <p:spTgt spid="156">
+                                          <p:spTgt spid="168">
                                             <p:txEl>
                                               <p:pRg st="2" end="2"/>
                                             </p:txEl>
@@ -8486,9 +8741,9 @@
                                     </p:set>
                                     <p:animEffect filter="barn(inVertical)" transition="in">
                                       <p:cBhvr additive="repl">
-                                        <p:cTn id="194" dur="500"/>
+                                        <p:cTn id="187" dur="500"/>
                                         <p:tgtEl>
-                                          <p:spTgt spid="156">
+                                          <p:spTgt spid="168">
                                             <p:txEl>
                                               <p:pRg st="2" end="2"/>
                                             </p:txEl>
@@ -8506,32 +8761,32 @@
                     </p:cTn>
                   </p:par>
                   <p:par>
-                    <p:cTn id="195" fill="hold">
+                    <p:cTn id="188" fill="hold">
                       <p:stCondLst>
                         <p:cond delay="indefinite"/>
                       </p:stCondLst>
                       <p:childTnLst>
                         <p:par>
-                          <p:cTn id="196" fill="hold">
+                          <p:cTn id="189" fill="hold">
                             <p:stCondLst>
                               <p:cond delay="0"/>
                             </p:stCondLst>
                             <p:childTnLst>
                               <p:par>
-                                <p:cTn id="197" nodeType="clickEffect" fill="hold" presetClass="entr" presetID="16" presetSubtype="21">
+                                <p:cTn id="190" nodeType="clickEffect" fill="hold" presetClass="entr" presetID="16" presetSubtype="21">
                                   <p:stCondLst>
                                     <p:cond delay="0"/>
                                   </p:stCondLst>
                                   <p:childTnLst>
                                     <p:set>
                                       <p:cBhvr>
-                                        <p:cTn id="198" dur="1" fill="hold">
+                                        <p:cTn id="191" dur="1" fill="hold">
                                           <p:stCondLst>
                                             <p:cond delay="0"/>
                                           </p:stCondLst>
                                         </p:cTn>
                                         <p:tgtEl>
-                                          <p:spTgt spid="156">
+                                          <p:spTgt spid="168">
                                             <p:txEl>
                                               <p:pRg st="3" end="3"/>
                                             </p:txEl>
@@ -8547,9 +8802,9 @@
                                     </p:set>
                                     <p:animEffect filter="barn(inVertical)" transition="in">
                                       <p:cBhvr additive="repl">
-                                        <p:cTn id="199" dur="500"/>
+                                        <p:cTn id="192" dur="500"/>
                                         <p:tgtEl>
-                                          <p:spTgt spid="156">
+                                          <p:spTgt spid="168">
                                             <p:txEl>
                                               <p:pRg st="3" end="3"/>
                                             </p:txEl>
@@ -8567,32 +8822,32 @@
                     </p:cTn>
                   </p:par>
                   <p:par>
-                    <p:cTn id="200" fill="hold">
+                    <p:cTn id="193" fill="hold">
                       <p:stCondLst>
                         <p:cond delay="indefinite"/>
                       </p:stCondLst>
                       <p:childTnLst>
                         <p:par>
-                          <p:cTn id="201" fill="hold">
+                          <p:cTn id="194" fill="hold">
                             <p:stCondLst>
                               <p:cond delay="0"/>
                             </p:stCondLst>
                             <p:childTnLst>
                               <p:par>
-                                <p:cTn id="202" nodeType="clickEffect" fill="hold" presetClass="entr" presetID="16" presetSubtype="21">
+                                <p:cTn id="195" nodeType="clickEffect" fill="hold" presetClass="entr" presetID="16" presetSubtype="21">
                                   <p:stCondLst>
                                     <p:cond delay="0"/>
                                   </p:stCondLst>
                                   <p:childTnLst>
                                     <p:set>
                                       <p:cBhvr>
-                                        <p:cTn id="203" dur="1" fill="hold">
+                                        <p:cTn id="196" dur="1" fill="hold">
                                           <p:stCondLst>
                                             <p:cond delay="0"/>
                                           </p:stCondLst>
                                         </p:cTn>
                                         <p:tgtEl>
-                                          <p:spTgt spid="156">
+                                          <p:spTgt spid="168">
                                             <p:txEl>
                                               <p:pRg st="4" end="4"/>
                                             </p:txEl>
@@ -8608,9 +8863,9 @@
                                     </p:set>
                                     <p:animEffect filter="barn(inVertical)" transition="in">
                                       <p:cBhvr additive="repl">
-                                        <p:cTn id="204" dur="500"/>
+                                        <p:cTn id="197" dur="500"/>
                                         <p:tgtEl>
-                                          <p:spTgt spid="156">
+                                          <p:spTgt spid="168">
                                             <p:txEl>
                                               <p:pRg st="4" end="4"/>
                                             </p:txEl>
@@ -8652,7 +8907,7 @@
 </p:sld>
 </file>
 
-<file path=ppt/slides/slide13.xml><?xml version="1.0" encoding="utf-8"?>
+<file path=ppt/slides/slide16.xml><?xml version="1.0" encoding="utf-8"?>
 <p:sld xmlns:a="http://schemas.openxmlformats.org/drawingml/2006/main" xmlns:p="http://schemas.openxmlformats.org/presentationml/2006/main" xmlns:r="http://schemas.openxmlformats.org/officeDocument/2006/relationships" xmlns:p14="http://schemas.microsoft.com/office/powerpoint/2010/main" xmlns:p15="http://schemas.microsoft.com/office/powerpoint/2012/main" xmlns:mc="http://schemas.openxmlformats.org/markup-compatibility/2006">
   <p:cSld>
     <p:spTree>
@@ -8671,7 +8926,7 @@
       </p:grpSpPr>
       <p:sp>
         <p:nvSpPr>
-          <p:cNvPr id="158" name="PlaceHolder 1"/>
+          <p:cNvPr id="170" name="PlaceHolder 1"/>
           <p:cNvSpPr>
             <a:spLocks noGrp="1"/>
           </p:cNvSpPr>
@@ -8682,7 +8937,7 @@
         <p:spPr>
           <a:xfrm>
             <a:off x="710280" y="536760"/>
-            <a:ext cx="7719840" cy="477720"/>
+            <a:ext cx="7719120" cy="477000"/>
           </a:xfrm>
           <a:prstGeom prst="rect">
             <a:avLst/>
@@ -8716,18 +8971,18 @@
               </a:rPr>
               <a:t>Software requirements</a:t>
             </a:r>
-            <a:endParaRPr b="0" lang="en-US" sz="4000" spc="-1" strike="noStrike">
-              <a:solidFill>
-                <a:srgbClr val="000000"/>
-              </a:solidFill>
-              <a:latin typeface="Arial"/>
-            </a:endParaRPr>
-          </a:p>
-        </p:txBody>
-      </p:sp>
-      <p:sp>
-        <p:nvSpPr>
-          <p:cNvPr id="159" name="PlaceHolder 2"/>
+            <a:endParaRPr b="0" lang="en-IN" sz="4000" spc="-1" strike="noStrike">
+              <a:solidFill>
+                <a:srgbClr val="000000"/>
+              </a:solidFill>
+              <a:latin typeface="Arial"/>
+            </a:endParaRPr>
+          </a:p>
+        </p:txBody>
+      </p:sp>
+      <p:sp>
+        <p:nvSpPr>
+          <p:cNvPr id="171" name="PlaceHolder 2"/>
           <p:cNvSpPr>
             <a:spLocks noGrp="1"/>
           </p:cNvSpPr>
@@ -8738,7 +8993,7 @@
         <p:spPr>
           <a:xfrm>
             <a:off x="710280" y="1152360"/>
-            <a:ext cx="4681080" cy="3450960"/>
+            <a:ext cx="4680360" cy="3450240"/>
           </a:xfrm>
           <a:prstGeom prst="rect">
             <a:avLst/>
@@ -8776,7 +9031,7 @@
               </a:rPr>
               <a:t>Any Modern OS.</a:t>
             </a:r>
-            <a:endParaRPr b="0" lang="en-US" sz="1600" spc="-1" strike="noStrike">
+            <a:endParaRPr b="0" lang="en-IN" sz="1600" spc="-1" strike="noStrike">
               <a:solidFill>
                 <a:srgbClr val="000000"/>
               </a:solidFill>
@@ -8807,7 +9062,7 @@
               </a:rPr>
               <a:t>Visual Studio Code.</a:t>
             </a:r>
-            <a:endParaRPr b="0" lang="en-US" sz="1600" spc="-1" strike="noStrike">
+            <a:endParaRPr b="0" lang="en-IN" sz="1600" spc="-1" strike="noStrike">
               <a:solidFill>
                 <a:srgbClr val="000000"/>
               </a:solidFill>
@@ -8838,7 +9093,7 @@
               </a:rPr>
               <a:t>Git and GitHub.</a:t>
             </a:r>
-            <a:endParaRPr b="0" lang="en-US" sz="1600" spc="-1" strike="noStrike">
+            <a:endParaRPr b="0" lang="en-IN" sz="1600" spc="-1" strike="noStrike">
               <a:solidFill>
                 <a:srgbClr val="000000"/>
               </a:solidFill>
@@ -8869,7 +9124,7 @@
               </a:rPr>
               <a:t>Unity3D</a:t>
             </a:r>
-            <a:endParaRPr b="0" lang="en-US" sz="1600" spc="-1" strike="noStrike">
+            <a:endParaRPr b="0" lang="en-IN" sz="1600" spc="-1" strike="noStrike">
               <a:solidFill>
                 <a:srgbClr val="000000"/>
               </a:solidFill>
@@ -8900,7 +9155,7 @@
               </a:rPr>
               <a:t>Blender</a:t>
             </a:r>
-            <a:endParaRPr b="0" lang="en-US" sz="1600" spc="-1" strike="noStrike">
+            <a:endParaRPr b="0" lang="en-IN" sz="1600" spc="-1" strike="noStrike">
               <a:solidFill>
                 <a:srgbClr val="000000"/>
               </a:solidFill>
@@ -8931,7 +9186,7 @@
               </a:rPr>
               <a:t>UnityAPI</a:t>
             </a:r>
-            <a:endParaRPr b="0" lang="en-US" sz="1600" spc="-1" strike="noStrike">
+            <a:endParaRPr b="0" lang="en-IN" sz="1600" spc="-1" strike="noStrike">
               <a:solidFill>
                 <a:srgbClr val="000000"/>
               </a:solidFill>
@@ -8942,7 +9197,7 @@
       </p:sp>
       <p:pic>
         <p:nvPicPr>
-          <p:cNvPr id="160" name="Google Shape;406;p69" descr=""/>
+          <p:cNvPr id="172" name="Google Shape;406;p69" descr=""/>
           <p:cNvPicPr/>
           <p:nvPr/>
         </p:nvPicPr>
@@ -8953,7 +9208,7 @@
         <p:spPr>
           <a:xfrm>
             <a:off x="5394960" y="1537560"/>
-            <a:ext cx="3166560" cy="1775520"/>
+            <a:ext cx="3165840" cy="1774800"/>
           </a:xfrm>
           <a:prstGeom prst="rect">
             <a:avLst/>
@@ -8976,38 +9231,38 @@
   <p:timing>
     <p:tnLst>
       <p:par>
-        <p:cTn id="205" dur="indefinite" restart="never" nodeType="tmRoot">
+        <p:cTn id="198" dur="indefinite" restart="never" nodeType="tmRoot">
           <p:childTnLst>
             <p:seq>
-              <p:cTn id="206" dur="indefinite" nodeType="mainSeq">
+              <p:cTn id="199" dur="indefinite" nodeType="mainSeq">
                 <p:childTnLst>
                   <p:par>
-                    <p:cTn id="207" fill="hold">
+                    <p:cTn id="200" fill="hold">
                       <p:stCondLst>
                         <p:cond delay="indefinite"/>
                       </p:stCondLst>
                       <p:childTnLst>
                         <p:par>
-                          <p:cTn id="208" fill="hold">
+                          <p:cTn id="201" fill="hold">
                             <p:stCondLst>
                               <p:cond delay="0"/>
                             </p:stCondLst>
                             <p:childTnLst>
                               <p:par>
-                                <p:cTn id="209" nodeType="clickEffect" fill="hold" presetClass="entr" presetID="16" presetSubtype="21">
+                                <p:cTn id="202" nodeType="clickEffect" fill="hold" presetClass="entr" presetID="16" presetSubtype="21">
                                   <p:stCondLst>
                                     <p:cond delay="0"/>
                                   </p:stCondLst>
                                   <p:childTnLst>
                                     <p:set>
                                       <p:cBhvr>
-                                        <p:cTn id="210" dur="1" fill="hold">
+                                        <p:cTn id="203" dur="1" fill="hold">
                                           <p:stCondLst>
                                             <p:cond delay="0"/>
                                           </p:stCondLst>
                                         </p:cTn>
                                         <p:tgtEl>
-                                          <p:spTgt spid="160"/>
+                                          <p:spTgt spid="172"/>
                                         </p:tgtEl>
                                         <p:attrNameLst>
                                           <p:attrName>style.visibility</p:attrName>
@@ -9019,9 +9274,9 @@
                                     </p:set>
                                     <p:animEffect filter="barn(inVertical)" transition="in">
                                       <p:cBhvr additive="repl">
-                                        <p:cTn id="211" dur="500"/>
+                                        <p:cTn id="204" dur="500"/>
                                         <p:tgtEl>
-                                          <p:spTgt spid="160"/>
+                                          <p:spTgt spid="172"/>
                                         </p:tgtEl>
                                       </p:cBhvr>
                                     </p:animEffect>
@@ -9035,32 +9290,32 @@
                     </p:cTn>
                   </p:par>
                   <p:par>
-                    <p:cTn id="212" fill="hold">
+                    <p:cTn id="205" fill="hold">
                       <p:stCondLst>
                         <p:cond delay="indefinite"/>
                       </p:stCondLst>
                       <p:childTnLst>
                         <p:par>
-                          <p:cTn id="213" fill="hold">
+                          <p:cTn id="206" fill="hold">
                             <p:stCondLst>
                               <p:cond delay="0"/>
                             </p:stCondLst>
                             <p:childTnLst>
                               <p:par>
-                                <p:cTn id="214" nodeType="clickEffect" fill="hold" presetClass="entr" presetID="2" presetSubtype="4">
+                                <p:cTn id="207" nodeType="clickEffect" fill="hold" presetClass="entr" presetID="2" presetSubtype="4">
                                   <p:stCondLst>
                                     <p:cond delay="0"/>
                                   </p:stCondLst>
                                   <p:childTnLst>
                                     <p:set>
                                       <p:cBhvr>
-                                        <p:cTn id="215" dur="1" fill="hold">
+                                        <p:cTn id="208" dur="1" fill="hold">
                                           <p:stCondLst>
                                             <p:cond delay="0"/>
                                           </p:stCondLst>
                                         </p:cTn>
                                         <p:tgtEl>
-                                          <p:spTgt spid="158"/>
+                                          <p:spTgt spid="170"/>
                                         </p:tgtEl>
                                         <p:attrNameLst>
                                           <p:attrName>style.visibility</p:attrName>
@@ -9072,9 +9327,9 @@
                                     </p:set>
                                     <p:anim calcmode="lin" valueType="num">
                                       <p:cBhvr additive="repl">
-                                        <p:cTn id="216" dur="500" fill="hold"/>
+                                        <p:cTn id="209" dur="500" fill="hold"/>
                                         <p:tgtEl>
-                                          <p:spTgt spid="158"/>
+                                          <p:spTgt spid="170"/>
                                         </p:tgtEl>
                                         <p:attrNameLst>
                                           <p:attrName>ppt_x</p:attrName>
@@ -9095,9 +9350,9 @@
                                     </p:anim>
                                     <p:anim calcmode="lin" valueType="num">
                                       <p:cBhvr additive="repl">
-                                        <p:cTn id="217" dur="500" fill="hold"/>
+                                        <p:cTn id="210" dur="500" fill="hold"/>
                                         <p:tgtEl>
-                                          <p:spTgt spid="158"/>
+                                          <p:spTgt spid="170"/>
                                         </p:tgtEl>
                                         <p:attrNameLst>
                                           <p:attrName>ppt_y</p:attrName>
@@ -9126,32 +9381,32 @@
                     </p:cTn>
                   </p:par>
                   <p:par>
-                    <p:cTn id="218" fill="hold">
+                    <p:cTn id="211" fill="hold">
                       <p:stCondLst>
                         <p:cond delay="indefinite"/>
                       </p:stCondLst>
                       <p:childTnLst>
                         <p:par>
-                          <p:cTn id="219" fill="hold">
+                          <p:cTn id="212" fill="hold">
                             <p:stCondLst>
                               <p:cond delay="0"/>
                             </p:stCondLst>
                             <p:childTnLst>
                               <p:par>
-                                <p:cTn id="220" nodeType="clickEffect" fill="hold" presetClass="entr" presetID="10">
+                                <p:cTn id="213" nodeType="clickEffect" fill="hold" presetClass="entr" presetID="10">
                                   <p:stCondLst>
                                     <p:cond delay="0"/>
                                   </p:stCondLst>
                                   <p:childTnLst>
                                     <p:set>
                                       <p:cBhvr>
-                                        <p:cTn id="221" dur="1" fill="hold">
+                                        <p:cTn id="214" dur="1" fill="hold">
                                           <p:stCondLst>
                                             <p:cond delay="0"/>
                                           </p:stCondLst>
                                         </p:cTn>
                                         <p:tgtEl>
-                                          <p:spTgt spid="159">
+                                          <p:spTgt spid="171">
                                             <p:txEl>
                                               <p:pRg st="0" end="0"/>
                                             </p:txEl>
@@ -9167,9 +9422,9 @@
                                     </p:set>
                                     <p:animEffect filter="fade" transition="in">
                                       <p:cBhvr additive="repl">
-                                        <p:cTn id="222" dur="500"/>
+                                        <p:cTn id="215" dur="500"/>
                                         <p:tgtEl>
-                                          <p:spTgt spid="159">
+                                          <p:spTgt spid="171">
                                             <p:txEl>
                                               <p:pRg st="0" end="0"/>
                                             </p:txEl>
@@ -9187,32 +9442,32 @@
                     </p:cTn>
                   </p:par>
                   <p:par>
-                    <p:cTn id="223" fill="hold">
+                    <p:cTn id="216" fill="hold">
                       <p:stCondLst>
                         <p:cond delay="indefinite"/>
                       </p:stCondLst>
                       <p:childTnLst>
                         <p:par>
-                          <p:cTn id="224" fill="hold">
+                          <p:cTn id="217" fill="hold">
                             <p:stCondLst>
                               <p:cond delay="0"/>
                             </p:stCondLst>
                             <p:childTnLst>
                               <p:par>
-                                <p:cTn id="225" nodeType="clickEffect" fill="hold" presetClass="entr" presetID="10">
+                                <p:cTn id="218" nodeType="clickEffect" fill="hold" presetClass="entr" presetID="10">
                                   <p:stCondLst>
                                     <p:cond delay="0"/>
                                   </p:stCondLst>
                                   <p:childTnLst>
                                     <p:set>
                                       <p:cBhvr>
-                                        <p:cTn id="226" dur="1" fill="hold">
+                                        <p:cTn id="219" dur="1" fill="hold">
                                           <p:stCondLst>
                                             <p:cond delay="0"/>
                                           </p:stCondLst>
                                         </p:cTn>
                                         <p:tgtEl>
-                                          <p:spTgt spid="159">
+                                          <p:spTgt spid="171">
                                             <p:txEl>
                                               <p:pRg st="1" end="1"/>
                                             </p:txEl>
@@ -9228,9 +9483,9 @@
                                     </p:set>
                                     <p:animEffect filter="fade" transition="in">
                                       <p:cBhvr additive="repl">
-                                        <p:cTn id="227" dur="500"/>
+                                        <p:cTn id="220" dur="500"/>
                                         <p:tgtEl>
-                                          <p:spTgt spid="159">
+                                          <p:spTgt spid="171">
                                             <p:txEl>
                                               <p:pRg st="1" end="1"/>
                                             </p:txEl>
@@ -9248,32 +9503,32 @@
                     </p:cTn>
                   </p:par>
                   <p:par>
-                    <p:cTn id="228" fill="hold">
+                    <p:cTn id="221" fill="hold">
                       <p:stCondLst>
                         <p:cond delay="indefinite"/>
                       </p:stCondLst>
                       <p:childTnLst>
                         <p:par>
-                          <p:cTn id="229" fill="hold">
+                          <p:cTn id="222" fill="hold">
                             <p:stCondLst>
                               <p:cond delay="0"/>
                             </p:stCondLst>
                             <p:childTnLst>
                               <p:par>
-                                <p:cTn id="230" nodeType="clickEffect" fill="hold" presetClass="entr" presetID="10">
+                                <p:cTn id="223" nodeType="clickEffect" fill="hold" presetClass="entr" presetID="10">
                                   <p:stCondLst>
                                     <p:cond delay="0"/>
                                   </p:stCondLst>
                                   <p:childTnLst>
                                     <p:set>
                                       <p:cBhvr>
-                                        <p:cTn id="231" dur="1" fill="hold">
+                                        <p:cTn id="224" dur="1" fill="hold">
                                           <p:stCondLst>
                                             <p:cond delay="0"/>
                                           </p:stCondLst>
                                         </p:cTn>
                                         <p:tgtEl>
-                                          <p:spTgt spid="159">
+                                          <p:spTgt spid="171">
                                             <p:txEl>
                                               <p:pRg st="2" end="2"/>
                                             </p:txEl>
@@ -9289,9 +9544,9 @@
                                     </p:set>
                                     <p:animEffect filter="fade" transition="in">
                                       <p:cBhvr additive="repl">
-                                        <p:cTn id="232" dur="500"/>
+                                        <p:cTn id="225" dur="500"/>
                                         <p:tgtEl>
-                                          <p:spTgt spid="159">
+                                          <p:spTgt spid="171">
                                             <p:txEl>
                                               <p:pRg st="2" end="2"/>
                                             </p:txEl>
@@ -9309,32 +9564,32 @@
                     </p:cTn>
                   </p:par>
                   <p:par>
-                    <p:cTn id="233" fill="hold">
+                    <p:cTn id="226" fill="hold">
                       <p:stCondLst>
                         <p:cond delay="indefinite"/>
                       </p:stCondLst>
                       <p:childTnLst>
                         <p:par>
-                          <p:cTn id="234" fill="hold">
+                          <p:cTn id="227" fill="hold">
                             <p:stCondLst>
                               <p:cond delay="0"/>
                             </p:stCondLst>
                             <p:childTnLst>
                               <p:par>
-                                <p:cTn id="235" nodeType="clickEffect" fill="hold" presetClass="entr" presetID="10">
+                                <p:cTn id="228" nodeType="clickEffect" fill="hold" presetClass="entr" presetID="10">
                                   <p:stCondLst>
                                     <p:cond delay="0"/>
                                   </p:stCondLst>
                                   <p:childTnLst>
                                     <p:set>
                                       <p:cBhvr>
-                                        <p:cTn id="236" dur="1" fill="hold">
+                                        <p:cTn id="229" dur="1" fill="hold">
                                           <p:stCondLst>
                                             <p:cond delay="0"/>
                                           </p:stCondLst>
                                         </p:cTn>
                                         <p:tgtEl>
-                                          <p:spTgt spid="159">
+                                          <p:spTgt spid="171">
                                             <p:txEl>
                                               <p:pRg st="3" end="3"/>
                                             </p:txEl>
@@ -9350,9 +9605,9 @@
                                     </p:set>
                                     <p:animEffect filter="fade" transition="in">
                                       <p:cBhvr additive="repl">
-                                        <p:cTn id="237" dur="500"/>
+                                        <p:cTn id="230" dur="500"/>
                                         <p:tgtEl>
-                                          <p:spTgt spid="159">
+                                          <p:spTgt spid="171">
                                             <p:txEl>
                                               <p:pRg st="3" end="3"/>
                                             </p:txEl>
@@ -9370,32 +9625,32 @@
                     </p:cTn>
                   </p:par>
                   <p:par>
-                    <p:cTn id="238" fill="hold">
+                    <p:cTn id="231" fill="hold">
                       <p:stCondLst>
                         <p:cond delay="indefinite"/>
                       </p:stCondLst>
                       <p:childTnLst>
                         <p:par>
-                          <p:cTn id="239" fill="hold">
+                          <p:cTn id="232" fill="hold">
                             <p:stCondLst>
                               <p:cond delay="0"/>
                             </p:stCondLst>
                             <p:childTnLst>
                               <p:par>
-                                <p:cTn id="240" nodeType="clickEffect" fill="hold" presetClass="entr" presetID="10">
+                                <p:cTn id="233" nodeType="clickEffect" fill="hold" presetClass="entr" presetID="10">
                                   <p:stCondLst>
                                     <p:cond delay="0"/>
                                   </p:stCondLst>
                                   <p:childTnLst>
                                     <p:set>
                                       <p:cBhvr>
-                                        <p:cTn id="241" dur="1" fill="hold">
+                                        <p:cTn id="234" dur="1" fill="hold">
                                           <p:stCondLst>
                                             <p:cond delay="0"/>
                                           </p:stCondLst>
                                         </p:cTn>
                                         <p:tgtEl>
-                                          <p:spTgt spid="159">
+                                          <p:spTgt spid="171">
                                             <p:txEl>
                                               <p:pRg st="4" end="4"/>
                                             </p:txEl>
@@ -9411,9 +9666,9 @@
                                     </p:set>
                                     <p:animEffect filter="fade" transition="in">
                                       <p:cBhvr additive="repl">
-                                        <p:cTn id="242" dur="500"/>
+                                        <p:cTn id="235" dur="500"/>
                                         <p:tgtEl>
-                                          <p:spTgt spid="159">
+                                          <p:spTgt spid="171">
                                             <p:txEl>
                                               <p:pRg st="4" end="4"/>
                                             </p:txEl>
@@ -9431,32 +9686,32 @@
                     </p:cTn>
                   </p:par>
                   <p:par>
-                    <p:cTn id="243" fill="hold">
+                    <p:cTn id="236" fill="hold">
                       <p:stCondLst>
                         <p:cond delay="indefinite"/>
                       </p:stCondLst>
                       <p:childTnLst>
                         <p:par>
-                          <p:cTn id="244" fill="hold">
+                          <p:cTn id="237" fill="hold">
                             <p:stCondLst>
                               <p:cond delay="0"/>
                             </p:stCondLst>
                             <p:childTnLst>
                               <p:par>
-                                <p:cTn id="245" nodeType="clickEffect" fill="hold" presetClass="entr" presetID="10">
+                                <p:cTn id="238" nodeType="clickEffect" fill="hold" presetClass="entr" presetID="10">
                                   <p:stCondLst>
                                     <p:cond delay="0"/>
                                   </p:stCondLst>
                                   <p:childTnLst>
                                     <p:set>
                                       <p:cBhvr>
-                                        <p:cTn id="246" dur="1" fill="hold">
+                                        <p:cTn id="239" dur="1" fill="hold">
                                           <p:stCondLst>
                                             <p:cond delay="0"/>
                                           </p:stCondLst>
                                         </p:cTn>
                                         <p:tgtEl>
-                                          <p:spTgt spid="159">
+                                          <p:spTgt spid="171">
                                             <p:txEl>
                                               <p:pRg st="5" end="5"/>
                                             </p:txEl>
@@ -9472,9 +9727,9 @@
                                     </p:set>
                                     <p:animEffect filter="fade" transition="in">
                                       <p:cBhvr additive="repl">
-                                        <p:cTn id="247" dur="500"/>
+                                        <p:cTn id="240" dur="500"/>
                                         <p:tgtEl>
-                                          <p:spTgt spid="159">
+                                          <p:spTgt spid="171">
                                             <p:txEl>
                                               <p:pRg st="5" end="5"/>
                                             </p:txEl>
@@ -9516,7 +9771,7 @@
 </p:sld>
 </file>
 
-<file path=ppt/slides/slide14.xml><?xml version="1.0" encoding="utf-8"?>
+<file path=ppt/slides/slide17.xml><?xml version="1.0" encoding="utf-8"?>
 <p:sld xmlns:a="http://schemas.openxmlformats.org/drawingml/2006/main" xmlns:p="http://schemas.openxmlformats.org/presentationml/2006/main" xmlns:r="http://schemas.openxmlformats.org/officeDocument/2006/relationships" xmlns:p14="http://schemas.microsoft.com/office/powerpoint/2010/main" xmlns:p15="http://schemas.microsoft.com/office/powerpoint/2012/main" xmlns:mc="http://schemas.openxmlformats.org/markup-compatibility/2006">
   <p:cSld>
     <p:spTree>
@@ -9535,7 +9790,7 @@
       </p:grpSpPr>
       <p:sp>
         <p:nvSpPr>
-          <p:cNvPr id="161" name="PlaceHolder 1"/>
+          <p:cNvPr id="173" name="PlaceHolder 1"/>
           <p:cNvSpPr>
             <a:spLocks noGrp="1"/>
           </p:cNvSpPr>
@@ -9546,7 +9801,7 @@
         <p:spPr>
           <a:xfrm>
             <a:off x="710280" y="154440"/>
-            <a:ext cx="7719840" cy="477720"/>
+            <a:ext cx="7719120" cy="477000"/>
           </a:xfrm>
           <a:prstGeom prst="rect">
             <a:avLst/>
@@ -9580,25 +9835,25 @@
               </a:rPr>
               <a:t>References</a:t>
             </a:r>
-            <a:endParaRPr b="0" lang="en-US" sz="4000" spc="-1" strike="noStrike">
-              <a:solidFill>
-                <a:srgbClr val="000000"/>
-              </a:solidFill>
-              <a:latin typeface="Arial"/>
-            </a:endParaRPr>
-          </a:p>
-        </p:txBody>
-      </p:sp>
-      <p:sp>
-        <p:nvSpPr>
-          <p:cNvPr id="162" name="Google Shape;413;p70"/>
+            <a:endParaRPr b="0" lang="en-IN" sz="4000" spc="-1" strike="noStrike">
+              <a:solidFill>
+                <a:srgbClr val="000000"/>
+              </a:solidFill>
+              <a:latin typeface="Arial"/>
+            </a:endParaRPr>
+          </a:p>
+        </p:txBody>
+      </p:sp>
+      <p:sp>
+        <p:nvSpPr>
+          <p:cNvPr id="174" name="Google Shape;413;p70"/>
           <p:cNvSpPr/>
           <p:nvPr/>
         </p:nvSpPr>
         <p:spPr>
           <a:xfrm>
             <a:off x="1135440" y="2761560"/>
-            <a:ext cx="5299560" cy="398160"/>
+            <a:ext cx="5298840" cy="397440"/>
           </a:xfrm>
           <a:prstGeom prst="rect">
             <a:avLst/>
@@ -9639,14 +9894,14 @@
       </p:sp>
       <p:sp>
         <p:nvSpPr>
-          <p:cNvPr id="163" name="TextBox 162"/>
+          <p:cNvPr id="175" name="TextBox 162"/>
           <p:cNvSpPr/>
           <p:nvPr/>
         </p:nvSpPr>
         <p:spPr>
           <a:xfrm>
             <a:off x="540000" y="817560"/>
-            <a:ext cx="5579640" cy="1342080"/>
+            <a:ext cx="5578920" cy="1341360"/>
           </a:xfrm>
           <a:prstGeom prst="rect">
             <a:avLst/>
@@ -9867,14 +10122,14 @@
       </p:sp>
       <p:sp>
         <p:nvSpPr>
-          <p:cNvPr id="164" name="TextBox 163"/>
+          <p:cNvPr id="176" name="TextBox 163"/>
           <p:cNvSpPr/>
           <p:nvPr/>
         </p:nvSpPr>
         <p:spPr>
           <a:xfrm>
             <a:off x="540000" y="2082960"/>
-            <a:ext cx="5021280" cy="678240"/>
+            <a:ext cx="5020560" cy="677520"/>
           </a:xfrm>
           <a:prstGeom prst="rect">
             <a:avLst/>
@@ -9979,14 +10234,14 @@
       </p:sp>
       <p:sp>
         <p:nvSpPr>
-          <p:cNvPr id="165" name="TextBox 164"/>
+          <p:cNvPr id="177" name="TextBox 164"/>
           <p:cNvSpPr/>
           <p:nvPr/>
         </p:nvSpPr>
         <p:spPr>
           <a:xfrm>
             <a:off x="540000" y="2693520"/>
-            <a:ext cx="5685120" cy="1626120"/>
+            <a:ext cx="5684400" cy="1625400"/>
           </a:xfrm>
           <a:prstGeom prst="rect">
             <a:avLst/>
@@ -10212,14 +10467,14 @@
       </p:sp>
       <p:sp>
         <p:nvSpPr>
-          <p:cNvPr id="166" name="TextBox 165"/>
+          <p:cNvPr id="178" name="TextBox 165"/>
           <p:cNvSpPr/>
           <p:nvPr/>
         </p:nvSpPr>
         <p:spPr>
           <a:xfrm>
             <a:off x="6364800" y="4181400"/>
-            <a:ext cx="2778840" cy="858240"/>
+            <a:ext cx="2778120" cy="857520"/>
           </a:xfrm>
           <a:prstGeom prst="rect">
             <a:avLst/>
@@ -10318,7 +10573,7 @@
 </p:sld>
 </file>
 
-<file path=ppt/slides/slide15.xml><?xml version="1.0" encoding="utf-8"?>
+<file path=ppt/slides/slide18.xml><?xml version="1.0" encoding="utf-8"?>
 <p:sld xmlns:a="http://schemas.openxmlformats.org/drawingml/2006/main" xmlns:p="http://schemas.openxmlformats.org/presentationml/2006/main" xmlns:r="http://schemas.openxmlformats.org/officeDocument/2006/relationships" xmlns:p14="http://schemas.microsoft.com/office/powerpoint/2010/main" xmlns:p15="http://schemas.microsoft.com/office/powerpoint/2012/main" xmlns:mc="http://schemas.openxmlformats.org/markup-compatibility/2006">
   <p:cSld>
     <p:spTree>
@@ -10337,7 +10592,7 @@
       </p:grpSpPr>
       <p:sp>
         <p:nvSpPr>
-          <p:cNvPr id="167" name="PlaceHolder 1"/>
+          <p:cNvPr id="179" name="PlaceHolder 1"/>
           <p:cNvSpPr>
             <a:spLocks noGrp="1"/>
           </p:cNvSpPr>
@@ -10348,7 +10603,7 @@
         <p:spPr>
           <a:xfrm>
             <a:off x="245160" y="1753920"/>
-            <a:ext cx="5919120" cy="1631880"/>
+            <a:ext cx="5918400" cy="1631160"/>
           </a:xfrm>
           <a:prstGeom prst="rect">
             <a:avLst/>
@@ -10382,7 +10637,7 @@
               </a:rPr>
               <a:t>Any Question ?</a:t>
             </a:r>
-            <a:endParaRPr b="0" lang="en-US" sz="6000" spc="-1" strike="noStrike">
+            <a:endParaRPr b="0" lang="en-IN" sz="6000" spc="-1" strike="noStrike">
               <a:solidFill>
                 <a:srgbClr val="000000"/>
               </a:solidFill>
@@ -10393,7 +10648,7 @@
       </p:sp>
       <p:pic>
         <p:nvPicPr>
-          <p:cNvPr id="168" name="Google Shape;420;p71" descr=""/>
+          <p:cNvPr id="180" name="Google Shape;420;p71" descr=""/>
           <p:cNvPicPr/>
           <p:nvPr/>
         </p:nvPicPr>
@@ -10404,7 +10659,7 @@
         <p:spPr>
           <a:xfrm>
             <a:off x="6666840" y="1150200"/>
-            <a:ext cx="1940760" cy="2839320"/>
+            <a:ext cx="1940040" cy="2838600"/>
           </a:xfrm>
           <a:prstGeom prst="rect">
             <a:avLst/>
@@ -10427,7 +10682,7 @@
 </p:sld>
 </file>
 
-<file path=ppt/slides/slide16.xml><?xml version="1.0" encoding="utf-8"?>
+<file path=ppt/slides/slide19.xml><?xml version="1.0" encoding="utf-8"?>
 <p:sld xmlns:a="http://schemas.openxmlformats.org/drawingml/2006/main" xmlns:p="http://schemas.openxmlformats.org/presentationml/2006/main" xmlns:r="http://schemas.openxmlformats.org/officeDocument/2006/relationships" xmlns:p14="http://schemas.microsoft.com/office/powerpoint/2010/main" xmlns:p15="http://schemas.microsoft.com/office/powerpoint/2012/main" xmlns:mc="http://schemas.openxmlformats.org/markup-compatibility/2006">
   <p:cSld>
     <p:spTree>
@@ -10446,7 +10701,7 @@
       </p:grpSpPr>
       <p:pic>
         <p:nvPicPr>
-          <p:cNvPr id="169" name="Google Shape;425;p72" descr=""/>
+          <p:cNvPr id="181" name="Google Shape;425;p72" descr=""/>
           <p:cNvPicPr/>
           <p:nvPr/>
         </p:nvPicPr>
@@ -10457,7 +10712,7 @@
         <p:spPr>
           <a:xfrm>
             <a:off x="0" y="0"/>
-            <a:ext cx="9140400" cy="5140080"/>
+            <a:ext cx="9139680" cy="5139360"/>
           </a:xfrm>
           <a:prstGeom prst="rect">
             <a:avLst/>
@@ -10480,38 +10735,38 @@
   <p:timing>
     <p:tnLst>
       <p:par>
-        <p:cTn id="248" dur="indefinite" restart="never" nodeType="tmRoot">
+        <p:cTn id="241" dur="indefinite" restart="never" nodeType="tmRoot">
           <p:childTnLst>
             <p:seq>
-              <p:cTn id="249" dur="indefinite" nodeType="mainSeq">
+              <p:cTn id="242" dur="indefinite" nodeType="mainSeq">
                 <p:childTnLst>
                   <p:par>
-                    <p:cTn id="250" fill="hold">
+                    <p:cTn id="243" fill="hold">
                       <p:stCondLst>
                         <p:cond delay="indefinite"/>
                       </p:stCondLst>
                       <p:childTnLst>
                         <p:par>
-                          <p:cTn id="251" fill="hold">
+                          <p:cTn id="244" fill="hold">
                             <p:stCondLst>
                               <p:cond delay="0"/>
                             </p:stCondLst>
                             <p:childTnLst>
                               <p:par>
-                                <p:cTn id="252" nodeType="clickEffect" fill="hold" presetClass="entr" presetID="10">
+                                <p:cTn id="245" nodeType="clickEffect" fill="hold" presetClass="entr" presetID="10">
                                   <p:stCondLst>
                                     <p:cond delay="0"/>
                                   </p:stCondLst>
                                   <p:childTnLst>
                                     <p:set>
                                       <p:cBhvr>
-                                        <p:cTn id="253" dur="1" fill="hold">
+                                        <p:cTn id="246" dur="1" fill="hold">
                                           <p:stCondLst>
                                             <p:cond delay="0"/>
                                           </p:stCondLst>
                                         </p:cTn>
                                         <p:tgtEl>
-                                          <p:spTgt spid="169"/>
+                                          <p:spTgt spid="181"/>
                                         </p:tgtEl>
                                         <p:attrNameLst>
                                           <p:attrName>style.visibility</p:attrName>
@@ -10523,9 +10778,9 @@
                                     </p:set>
                                     <p:animEffect filter="fade" transition="in">
                                       <p:cBhvr additive="repl">
-                                        <p:cTn id="254" dur="500"/>
+                                        <p:cTn id="247" dur="500"/>
                                         <p:tgtEl>
-                                          <p:spTgt spid="169"/>
+                                          <p:spTgt spid="181"/>
                                         </p:tgtEl>
                                       </p:cBhvr>
                                     </p:animEffect>
@@ -10593,7 +10848,7 @@
         <p:spPr>
           <a:xfrm>
             <a:off x="710280" y="536760"/>
-            <a:ext cx="7719840" cy="477720"/>
+            <a:ext cx="7719120" cy="477000"/>
           </a:xfrm>
           <a:prstGeom prst="rect">
             <a:avLst/>
@@ -10627,7 +10882,7 @@
               </a:rPr>
               <a:t>Team Members</a:t>
             </a:r>
-            <a:endParaRPr b="0" lang="en-US" sz="4000" spc="-1" strike="noStrike">
+            <a:endParaRPr b="0" lang="en-IN" sz="4000" spc="-1" strike="noStrike">
               <a:solidFill>
                 <a:srgbClr val="000000"/>
               </a:solidFill>
@@ -10648,8 +10903,8 @@
         </p:nvSpPr>
         <p:spPr>
           <a:xfrm>
-            <a:off x="710280" y="1152360"/>
-            <a:ext cx="7719840" cy="3450960"/>
+            <a:off x="710280" y="1800000"/>
+            <a:ext cx="3429360" cy="2087280"/>
           </a:xfrm>
           <a:prstGeom prst="rect">
             <a:avLst/>
@@ -10676,7 +10931,7 @@
                 <a:tab algn="l" pos="0"/>
               </a:tabLst>
             </a:pPr>
-            <a:endParaRPr b="0" lang="en-US" sz="2000" spc="-1" strike="noStrike">
+            <a:endParaRPr b="0" lang="en-IN" sz="2000" spc="-1" strike="noStrike">
               <a:solidFill>
                 <a:srgbClr val="000000"/>
               </a:solidFill>
@@ -10706,7 +10961,7 @@
               </a:rPr>
               <a:t>Prakash Shah(205028)</a:t>
             </a:r>
-            <a:endParaRPr b="0" lang="en-US" sz="2000" spc="-1" strike="noStrike">
+            <a:endParaRPr b="0" lang="en-IN" sz="2000" spc="-1" strike="noStrike">
               <a:solidFill>
                 <a:srgbClr val="000000"/>
               </a:solidFill>
@@ -10736,7 +10991,7 @@
               </a:rPr>
               <a:t>Sagar Goswami(205040)</a:t>
             </a:r>
-            <a:endParaRPr b="0" lang="en-US" sz="2000" spc="-1" strike="noStrike">
+            <a:endParaRPr b="0" lang="en-IN" sz="2000" spc="-1" strike="noStrike">
               <a:solidFill>
                 <a:srgbClr val="000000"/>
               </a:solidFill>
@@ -10757,8 +11012,8 @@
         </p:blipFill>
         <p:spPr>
           <a:xfrm>
-            <a:off x="5378400" y="1294920"/>
-            <a:ext cx="3418560" cy="2558520"/>
+            <a:off x="5221800" y="1800000"/>
+            <a:ext cx="3417840" cy="2557800"/>
           </a:xfrm>
           <a:prstGeom prst="rect">
             <a:avLst/>
@@ -11343,7 +11598,7 @@
         <p:spPr>
           <a:xfrm>
             <a:off x="502560" y="716760"/>
-            <a:ext cx="7719840" cy="477720"/>
+            <a:ext cx="7719120" cy="477000"/>
           </a:xfrm>
           <a:prstGeom prst="rect">
             <a:avLst/>
@@ -11377,7 +11632,7 @@
               </a:rPr>
               <a:t>What is Rubikc ?</a:t>
             </a:r>
-            <a:endParaRPr b="0" lang="en-US" sz="3200" spc="-1" strike="noStrike">
+            <a:endParaRPr b="0" lang="en-IN" sz="3200" spc="-1" strike="noStrike">
               <a:solidFill>
                 <a:srgbClr val="000000"/>
               </a:solidFill>
@@ -11399,7 +11654,7 @@
         <p:spPr>
           <a:xfrm>
             <a:off x="266040" y="1468440"/>
-            <a:ext cx="4568400" cy="3099960"/>
+            <a:ext cx="4567680" cy="3099240"/>
           </a:xfrm>
           <a:prstGeom prst="rect">
             <a:avLst/>
@@ -11457,7 +11712,7 @@
               </a:rPr>
               <a:t>The Rubikc, The Rubic's Cube is a 3-D combination puzzle originally invented in 1974 by Hungarian sculptor and professor of architecture Ernő Rubik.</a:t>
             </a:r>
-            <a:endParaRPr b="0" lang="en-US" sz="2000" spc="-1" strike="noStrike">
+            <a:endParaRPr b="0" lang="en-IN" sz="2000" spc="-1" strike="noStrike">
               <a:solidFill>
                 <a:srgbClr val="000000"/>
               </a:solidFill>
@@ -11479,7 +11734,7 @@
         <p:spPr>
           <a:xfrm>
             <a:off x="4898160" y="1655640"/>
-            <a:ext cx="4038120" cy="2605320"/>
+            <a:ext cx="4037400" cy="2604600"/>
           </a:xfrm>
           <a:prstGeom prst="rect">
             <a:avLst/>
@@ -11730,7 +11985,7 @@
         <p:spPr>
           <a:xfrm>
             <a:off x="984600" y="586440"/>
-            <a:ext cx="7719840" cy="477720"/>
+            <a:ext cx="7719120" cy="477000"/>
           </a:xfrm>
           <a:prstGeom prst="rect">
             <a:avLst/>
@@ -11764,7 +12019,7 @@
               </a:rPr>
               <a:t>Aim </a:t>
             </a:r>
-            <a:endParaRPr b="0" lang="en-US" sz="4800" spc="-1" strike="noStrike">
+            <a:endParaRPr b="0" lang="en-IN" sz="4800" spc="-1" strike="noStrike">
               <a:solidFill>
                 <a:srgbClr val="000000"/>
               </a:solidFill>
@@ -11786,7 +12041,7 @@
         <p:spPr>
           <a:xfrm>
             <a:off x="984600" y="1318680"/>
-            <a:ext cx="7719840" cy="3450960"/>
+            <a:ext cx="7719120" cy="3450240"/>
           </a:xfrm>
           <a:prstGeom prst="rect">
             <a:avLst/>
@@ -11824,7 +12079,7 @@
               </a:rPr>
               <a:t>This, “Rubikc” cube project aims to make a Rubic Cube game using Unity3D Game engine for demonstration of Technology learned by students of BCA Semester 6.</a:t>
             </a:r>
-            <a:endParaRPr b="0" lang="en-US" sz="1600" spc="-1" strike="noStrike">
+            <a:endParaRPr b="0" lang="en-IN" sz="1600" spc="-1" strike="noStrike">
               <a:solidFill>
                 <a:srgbClr val="000000"/>
               </a:solidFill>
@@ -11855,7 +12110,7 @@
               </a:rPr>
               <a:t>This is a Simple game which aims to show how basic technologies can be used to create a simple and real-life like games and entertainment. For this, we need a game that is user-friendly, Simple and eye-catching.</a:t>
             </a:r>
-            <a:endParaRPr b="0" lang="en-US" sz="1600" spc="-1" strike="noStrike">
+            <a:endParaRPr b="0" lang="en-IN" sz="1600" spc="-1" strike="noStrike">
               <a:solidFill>
                 <a:srgbClr val="000000"/>
               </a:solidFill>
@@ -11889,7 +12144,7 @@
               </a:rPr>
               <a:t>This game will be made using basic technologies such C#, Mono, .NET Core 7, Unity engine and Unity’s own API for Gamplay programming.</a:t>
             </a:r>
-            <a:endParaRPr b="0" lang="en-US" sz="1600" spc="-1" strike="noStrike">
+            <a:endParaRPr b="0" lang="en-IN" sz="1600" spc="-1" strike="noStrike">
               <a:solidFill>
                 <a:srgbClr val="000000"/>
               </a:solidFill>
@@ -12167,9 +12422,9 @@
         <p:grpSpPr>
           <a:xfrm>
             <a:off x="840960" y="1309680"/>
-            <a:ext cx="3052800" cy="1663200"/>
+            <a:ext cx="3052080" cy="1662480"/>
             <a:chOff x="840960" y="1309680"/>
-            <a:chExt cx="3052800" cy="1663200"/>
+            <a:chExt cx="3052080" cy="1662480"/>
           </a:xfrm>
         </p:grpSpPr>
         <p:sp>
@@ -12181,15 +12436,15 @@
           <p:spPr>
             <a:xfrm>
               <a:off x="1106280" y="1309680"/>
-              <a:ext cx="2521080" cy="1636920"/>
+              <a:ext cx="2520360" cy="1636200"/>
             </a:xfrm>
             <a:custGeom>
               <a:avLst/>
               <a:gdLst>
-                <a:gd name="textAreaLeft" fmla="*/ 0 w 2521080"/>
-                <a:gd name="textAreaRight" fmla="*/ 2522160 w 2521080"/>
-                <a:gd name="textAreaTop" fmla="*/ 0 h 1636920"/>
-                <a:gd name="textAreaBottom" fmla="*/ 1638000 h 1636920"/>
+                <a:gd name="textAreaLeft" fmla="*/ 0 w 2520360"/>
+                <a:gd name="textAreaRight" fmla="*/ 2522160 w 2520360"/>
+                <a:gd name="textAreaTop" fmla="*/ 0 h 1636200"/>
+                <a:gd name="textAreaBottom" fmla="*/ 1638000 h 1636200"/>
               </a:gdLst>
               <a:ahLst/>
               <a:rect l="textAreaLeft" t="textAreaTop" r="textAreaRight" b="textAreaBottom"/>
@@ -12276,15 +12531,15 @@
           <p:spPr>
             <a:xfrm>
               <a:off x="840960" y="2836800"/>
-              <a:ext cx="3052800" cy="136080"/>
+              <a:ext cx="3052080" cy="135360"/>
             </a:xfrm>
             <a:custGeom>
               <a:avLst/>
               <a:gdLst>
-                <a:gd name="textAreaLeft" fmla="*/ 0 w 3052800"/>
-                <a:gd name="textAreaRight" fmla="*/ 3053880 w 3052800"/>
-                <a:gd name="textAreaTop" fmla="*/ 0 h 136080"/>
-                <a:gd name="textAreaBottom" fmla="*/ 137160 h 136080"/>
+                <a:gd name="textAreaLeft" fmla="*/ 0 w 3052080"/>
+                <a:gd name="textAreaRight" fmla="*/ 3053880 w 3052080"/>
+                <a:gd name="textAreaTop" fmla="*/ 0 h 135360"/>
+                <a:gd name="textAreaBottom" fmla="*/ 137160 h 135360"/>
               </a:gdLst>
               <a:ahLst/>
               <a:rect l="textAreaLeft" t="textAreaTop" r="textAreaRight" b="textAreaBottom"/>
@@ -12361,15 +12616,15 @@
           <p:spPr>
             <a:xfrm>
               <a:off x="840960" y="2836800"/>
-              <a:ext cx="3052800" cy="66960"/>
+              <a:ext cx="3052080" cy="66240"/>
             </a:xfrm>
             <a:custGeom>
               <a:avLst/>
               <a:gdLst>
-                <a:gd name="textAreaLeft" fmla="*/ 0 w 3052800"/>
-                <a:gd name="textAreaRight" fmla="*/ 3053880 w 3052800"/>
-                <a:gd name="textAreaTop" fmla="*/ 0 h 66960"/>
-                <a:gd name="textAreaBottom" fmla="*/ 68040 h 66960"/>
+                <a:gd name="textAreaLeft" fmla="*/ 0 w 3052080"/>
+                <a:gd name="textAreaRight" fmla="*/ 3053880 w 3052080"/>
+                <a:gd name="textAreaTop" fmla="*/ 0 h 66240"/>
+                <a:gd name="textAreaBottom" fmla="*/ 68040 h 66240"/>
               </a:gdLst>
               <a:ahLst/>
               <a:rect l="textAreaLeft" t="textAreaTop" r="textAreaRight" b="textAreaBottom"/>
@@ -12446,15 +12701,15 @@
           <p:spPr>
             <a:xfrm>
               <a:off x="1224360" y="1474560"/>
-              <a:ext cx="2285640" cy="1106640"/>
+              <a:ext cx="2284920" cy="1105920"/>
             </a:xfrm>
             <a:custGeom>
               <a:avLst/>
               <a:gdLst>
-                <a:gd name="textAreaLeft" fmla="*/ 0 w 2285640"/>
-                <a:gd name="textAreaRight" fmla="*/ 2286720 w 2285640"/>
-                <a:gd name="textAreaTop" fmla="*/ 0 h 1106640"/>
-                <a:gd name="textAreaBottom" fmla="*/ 1107720 h 1106640"/>
+                <a:gd name="textAreaLeft" fmla="*/ 0 w 2284920"/>
+                <a:gd name="textAreaRight" fmla="*/ 2286720 w 2284920"/>
+                <a:gd name="textAreaTop" fmla="*/ 0 h 1105920"/>
+                <a:gd name="textAreaBottom" fmla="*/ 1107720 h 1105920"/>
               </a:gdLst>
               <a:ahLst/>
               <a:rect l="textAreaLeft" t="textAreaTop" r="textAreaRight" b="textAreaBottom"/>
@@ -12522,9 +12777,9 @@
         <p:grpSpPr>
           <a:xfrm>
             <a:off x="5184360" y="1293120"/>
-            <a:ext cx="3052800" cy="1663200"/>
+            <a:ext cx="3052080" cy="1662480"/>
             <a:chOff x="5184360" y="1293120"/>
-            <a:chExt cx="3052800" cy="1663200"/>
+            <a:chExt cx="3052080" cy="1662480"/>
           </a:xfrm>
         </p:grpSpPr>
         <p:sp>
@@ -12536,15 +12791,15 @@
           <p:spPr>
             <a:xfrm>
               <a:off x="5449680" y="1293120"/>
-              <a:ext cx="2521080" cy="1636920"/>
+              <a:ext cx="2520360" cy="1636200"/>
             </a:xfrm>
             <a:custGeom>
               <a:avLst/>
               <a:gdLst>
-                <a:gd name="textAreaLeft" fmla="*/ 0 w 2521080"/>
-                <a:gd name="textAreaRight" fmla="*/ 2522160 w 2521080"/>
-                <a:gd name="textAreaTop" fmla="*/ 0 h 1636920"/>
-                <a:gd name="textAreaBottom" fmla="*/ 1638000 h 1636920"/>
+                <a:gd name="textAreaLeft" fmla="*/ 0 w 2520360"/>
+                <a:gd name="textAreaRight" fmla="*/ 2522160 w 2520360"/>
+                <a:gd name="textAreaTop" fmla="*/ 0 h 1636200"/>
+                <a:gd name="textAreaBottom" fmla="*/ 1638000 h 1636200"/>
               </a:gdLst>
               <a:ahLst/>
               <a:rect l="textAreaLeft" t="textAreaTop" r="textAreaRight" b="textAreaBottom"/>
@@ -12631,15 +12886,15 @@
           <p:spPr>
             <a:xfrm>
               <a:off x="5184360" y="2820240"/>
-              <a:ext cx="3052800" cy="136080"/>
+              <a:ext cx="3052080" cy="135360"/>
             </a:xfrm>
             <a:custGeom>
               <a:avLst/>
               <a:gdLst>
-                <a:gd name="textAreaLeft" fmla="*/ 0 w 3052800"/>
-                <a:gd name="textAreaRight" fmla="*/ 3053880 w 3052800"/>
-                <a:gd name="textAreaTop" fmla="*/ 0 h 136080"/>
-                <a:gd name="textAreaBottom" fmla="*/ 137160 h 136080"/>
+                <a:gd name="textAreaLeft" fmla="*/ 0 w 3052080"/>
+                <a:gd name="textAreaRight" fmla="*/ 3053880 w 3052080"/>
+                <a:gd name="textAreaTop" fmla="*/ 0 h 135360"/>
+                <a:gd name="textAreaBottom" fmla="*/ 137160 h 135360"/>
               </a:gdLst>
               <a:ahLst/>
               <a:rect l="textAreaLeft" t="textAreaTop" r="textAreaRight" b="textAreaBottom"/>
@@ -12716,15 +12971,15 @@
           <p:spPr>
             <a:xfrm>
               <a:off x="5184360" y="2820240"/>
-              <a:ext cx="3052800" cy="66960"/>
+              <a:ext cx="3052080" cy="66240"/>
             </a:xfrm>
             <a:custGeom>
               <a:avLst/>
               <a:gdLst>
-                <a:gd name="textAreaLeft" fmla="*/ 0 w 3052800"/>
-                <a:gd name="textAreaRight" fmla="*/ 3053880 w 3052800"/>
-                <a:gd name="textAreaTop" fmla="*/ 0 h 66960"/>
-                <a:gd name="textAreaBottom" fmla="*/ 68040 h 66960"/>
+                <a:gd name="textAreaLeft" fmla="*/ 0 w 3052080"/>
+                <a:gd name="textAreaRight" fmla="*/ 3053880 w 3052080"/>
+                <a:gd name="textAreaTop" fmla="*/ 0 h 66240"/>
+                <a:gd name="textAreaBottom" fmla="*/ 68040 h 66240"/>
               </a:gdLst>
               <a:ahLst/>
               <a:rect l="textAreaLeft" t="textAreaTop" r="textAreaRight" b="textAreaBottom"/>
@@ -12801,15 +13056,15 @@
           <p:spPr>
             <a:xfrm>
               <a:off x="5567760" y="1458000"/>
-              <a:ext cx="2285640" cy="1106640"/>
+              <a:ext cx="2284920" cy="1105920"/>
             </a:xfrm>
             <a:custGeom>
               <a:avLst/>
               <a:gdLst>
-                <a:gd name="textAreaLeft" fmla="*/ 0 w 2285640"/>
-                <a:gd name="textAreaRight" fmla="*/ 2286720 w 2285640"/>
-                <a:gd name="textAreaTop" fmla="*/ 0 h 1106640"/>
-                <a:gd name="textAreaBottom" fmla="*/ 1107720 h 1106640"/>
+                <a:gd name="textAreaLeft" fmla="*/ 0 w 2284920"/>
+                <a:gd name="textAreaRight" fmla="*/ 2286720 w 2284920"/>
+                <a:gd name="textAreaTop" fmla="*/ 0 h 1105920"/>
+                <a:gd name="textAreaBottom" fmla="*/ 1107720 h 1105920"/>
               </a:gdLst>
               <a:ahLst/>
               <a:rect l="textAreaLeft" t="textAreaTop" r="textAreaRight" b="textAreaBottom"/>
@@ -12877,7 +13132,7 @@
         <p:spPr>
           <a:xfrm>
             <a:off x="1440000" y="2976120"/>
-            <a:ext cx="1756440" cy="1796760"/>
+            <a:ext cx="3059640" cy="1796040"/>
           </a:xfrm>
           <a:prstGeom prst="rect">
             <a:avLst/>
@@ -13000,7 +13255,35 @@
                 <a:latin typeface="Fira Sans Extra Condensed Medium"/>
                 <a:ea typeface="DejaVu Sans"/>
               </a:rPr>
-              <a:t>Unity 3D</a:t>
+              <a:t>Unity Scripting API</a:t>
+            </a:r>
+            <a:endParaRPr b="0" lang="en-IN" sz="2000" spc="-1" strike="noStrike">
+              <a:solidFill>
+                <a:srgbClr val="000000"/>
+              </a:solidFill>
+              <a:latin typeface="Arial"/>
+            </a:endParaRPr>
+          </a:p>
+          <a:p>
+            <a:pPr marL="343080" indent="-343080">
+              <a:lnSpc>
+                <a:spcPct val="100000"/>
+              </a:lnSpc>
+              <a:buClr>
+                <a:srgbClr val="000000"/>
+              </a:buClr>
+              <a:buFont typeface="Arial"/>
+              <a:buChar char="•"/>
+            </a:pPr>
+            <a:r>
+              <a:rPr b="0" lang="en-IN" sz="2000" spc="-1" strike="noStrike">
+                <a:solidFill>
+                  <a:srgbClr val="000000"/>
+                </a:solidFill>
+                <a:latin typeface="Fira Sans Extra Condensed Medium"/>
+                <a:ea typeface="DejaVu Sans"/>
+              </a:rPr>
+              <a:t>WebGL</a:t>
             </a:r>
             <a:endParaRPr b="0" lang="en-IN" sz="2000" spc="-1" strike="noStrike">
               <a:solidFill>
@@ -13020,7 +13303,7 @@
         <p:spPr>
           <a:xfrm>
             <a:off x="1101240" y="421920"/>
-            <a:ext cx="2495520" cy="474840"/>
+            <a:ext cx="2494800" cy="474120"/>
           </a:xfrm>
           <a:prstGeom prst="rect">
             <a:avLst/>
@@ -13077,7 +13360,7 @@
         <p:spPr>
           <a:xfrm>
             <a:off x="5089680" y="293040"/>
-            <a:ext cx="3187080" cy="783720"/>
+            <a:ext cx="3186360" cy="783000"/>
           </a:xfrm>
           <a:prstGeom prst="rect">
             <a:avLst/>
@@ -13138,7 +13421,7 @@
         <p:spPr>
           <a:xfrm>
             <a:off x="1536840" y="1525320"/>
-            <a:ext cx="1659600" cy="1005120"/>
+            <a:ext cx="1658880" cy="1004400"/>
           </a:xfrm>
           <a:prstGeom prst="rect">
             <a:avLst/>
@@ -13161,7 +13444,7 @@
         <p:spPr>
           <a:xfrm>
             <a:off x="5567760" y="1398240"/>
-            <a:ext cx="2316960" cy="1298520"/>
+            <a:ext cx="2316240" cy="1297800"/>
           </a:xfrm>
           <a:prstGeom prst="rect">
             <a:avLst/>
@@ -13180,7 +13463,7 @@
         <p:spPr>
           <a:xfrm>
             <a:off x="5220000" y="2958480"/>
-            <a:ext cx="3921840" cy="1796760"/>
+            <a:ext cx="3921120" cy="1796040"/>
           </a:xfrm>
           <a:prstGeom prst="rect">
             <a:avLst/>
@@ -13304,6 +13587,34 @@
                 <a:ea typeface="DejaVu Sans"/>
               </a:rPr>
               <a:t>Git and GitHub</a:t>
+            </a:r>
+            <a:endParaRPr b="0" lang="en-IN" sz="2000" spc="-1" strike="noStrike">
+              <a:solidFill>
+                <a:srgbClr val="000000"/>
+              </a:solidFill>
+              <a:latin typeface="Arial"/>
+            </a:endParaRPr>
+          </a:p>
+          <a:p>
+            <a:pPr marL="343080" indent="-343080">
+              <a:lnSpc>
+                <a:spcPct val="100000"/>
+              </a:lnSpc>
+              <a:buClr>
+                <a:srgbClr val="000000"/>
+              </a:buClr>
+              <a:buFont typeface="Arial"/>
+              <a:buChar char="•"/>
+            </a:pPr>
+            <a:r>
+              <a:rPr b="0" lang="en-IN" sz="2000" spc="-1" strike="noStrike">
+                <a:solidFill>
+                  <a:srgbClr val="000000"/>
+                </a:solidFill>
+                <a:latin typeface="Arial"/>
+                <a:ea typeface="DejaVu Sans"/>
+              </a:rPr>
+              <a:t>Unity 3D Game Engine</a:t>
             </a:r>
             <a:endParaRPr b="0" lang="en-IN" sz="2000" spc="-1" strike="noStrike">
               <a:solidFill>
@@ -13789,7 +14100,7 @@
         <p:spPr>
           <a:xfrm>
             <a:off x="2514600" y="257400"/>
-            <a:ext cx="4111200" cy="622800"/>
+            <a:ext cx="4110480" cy="622080"/>
           </a:xfrm>
           <a:prstGeom prst="rect">
             <a:avLst/>
@@ -13823,7 +14134,7 @@
               </a:rPr>
               <a:t>Benefits</a:t>
             </a:r>
-            <a:endParaRPr b="0" lang="en-US" sz="4400" spc="-1" strike="noStrike">
+            <a:endParaRPr b="0" lang="en-IN" sz="4400" spc="-1" strike="noStrike">
               <a:solidFill>
                 <a:srgbClr val="000000"/>
               </a:solidFill>
@@ -13841,7 +14152,7 @@
         <p:spPr>
           <a:xfrm>
             <a:off x="543960" y="1227240"/>
-            <a:ext cx="8398080" cy="2785320"/>
+            <a:ext cx="8397360" cy="2784600"/>
           </a:xfrm>
           <a:prstGeom prst="rect">
             <a:avLst/>
@@ -14183,6 +14494,29 @@
           </a:p>
         </p:txBody>
       </p:sp>
+      <p:pic>
+        <p:nvPicPr>
+          <p:cNvPr id="144" name="" descr=""/>
+          <p:cNvPicPr/>
+          <p:nvPr/>
+        </p:nvPicPr>
+        <p:blipFill>
+          <a:blip r:embed="rId1"/>
+          <a:stretch/>
+        </p:blipFill>
+        <p:spPr>
+          <a:xfrm>
+            <a:off x="4724280" y="1005480"/>
+            <a:ext cx="4275360" cy="3494160"/>
+          </a:xfrm>
+          <a:prstGeom prst="rect">
+            <a:avLst/>
+          </a:prstGeom>
+          <a:ln w="0">
+            <a:noFill/>
+          </a:ln>
+        </p:spPr>
+      </p:pic>
     </p:spTree>
   </p:cSld>
   <mc:AlternateContent>
@@ -14427,7 +14761,7 @@
       </p:grpSpPr>
       <p:sp>
         <p:nvSpPr>
-          <p:cNvPr id="144" name="PlaceHolder 1"/>
+          <p:cNvPr id="145" name="PlaceHolder 1"/>
           <p:cNvSpPr>
             <a:spLocks noGrp="1"/>
           </p:cNvSpPr>
@@ -14438,7 +14772,7 @@
         <p:spPr>
           <a:xfrm>
             <a:off x="2516040" y="81360"/>
-            <a:ext cx="4111200" cy="624240"/>
+            <a:ext cx="4110480" cy="623520"/>
           </a:xfrm>
           <a:prstGeom prst="rect">
             <a:avLst/>
@@ -14472,25 +14806,25 @@
               </a:rPr>
               <a:t>Features</a:t>
             </a:r>
-            <a:endParaRPr b="0" lang="en-US" sz="4400" spc="-1" strike="noStrike">
-              <a:solidFill>
-                <a:srgbClr val="000000"/>
-              </a:solidFill>
-              <a:latin typeface="Arial"/>
-            </a:endParaRPr>
-          </a:p>
-        </p:txBody>
-      </p:sp>
-      <p:sp>
-        <p:nvSpPr>
-          <p:cNvPr id="145" name="TextBox 2"/>
+            <a:endParaRPr b="0" lang="en-IN" sz="4400" spc="-1" strike="noStrike">
+              <a:solidFill>
+                <a:srgbClr val="000000"/>
+              </a:solidFill>
+              <a:latin typeface="Arial"/>
+            </a:endParaRPr>
+          </a:p>
+        </p:txBody>
+      </p:sp>
+      <p:sp>
+        <p:nvSpPr>
+          <p:cNvPr id="146" name="TextBox 2"/>
           <p:cNvSpPr/>
           <p:nvPr/>
         </p:nvSpPr>
         <p:spPr>
           <a:xfrm>
             <a:off x="627840" y="706320"/>
-            <a:ext cx="8016840" cy="4470120"/>
+            <a:ext cx="8016120" cy="4470120"/>
           </a:xfrm>
           <a:prstGeom prst="rect">
             <a:avLst/>
@@ -14762,7 +15096,7 @@
                                           </p:stCondLst>
                                         </p:cTn>
                                         <p:tgtEl>
-                                          <p:spTgt spid="145"/>
+                                          <p:spTgt spid="146"/>
                                         </p:tgtEl>
                                         <p:attrNameLst>
                                           <p:attrName>style.visibility</p:attrName>
@@ -14776,7 +15110,7 @@
                                       <p:cBhvr additive="repl">
                                         <p:cTn id="136" dur="500" fill="hold"/>
                                         <p:tgtEl>
-                                          <p:spTgt spid="145"/>
+                                          <p:spTgt spid="146"/>
                                         </p:tgtEl>
                                         <p:attrNameLst>
                                           <p:attrName>ppt_x</p:attrName>
@@ -14799,7 +15133,7 @@
                                       <p:cBhvr additive="repl">
                                         <p:cTn id="137" dur="500" fill="hold"/>
                                         <p:tgtEl>
-                                          <p:spTgt spid="145"/>
+                                          <p:spTgt spid="146"/>
                                         </p:tgtEl>
                                         <p:attrNameLst>
                                           <p:attrName>ppt_y</p:attrName>
@@ -14871,7 +15205,7 @@
       </p:grpSpPr>
       <p:sp>
         <p:nvSpPr>
-          <p:cNvPr id="146" name="PlaceHolder 1"/>
+          <p:cNvPr id="147" name="PlaceHolder 1"/>
           <p:cNvSpPr>
             <a:spLocks noGrp="1"/>
           </p:cNvSpPr>
@@ -14882,7 +15216,7 @@
         <p:spPr>
           <a:xfrm>
             <a:off x="710280" y="536760"/>
-            <a:ext cx="7719840" cy="477720"/>
+            <a:ext cx="7719120" cy="477000"/>
           </a:xfrm>
           <a:prstGeom prst="rect">
             <a:avLst/>
@@ -14916,18 +15250,18 @@
               </a:rPr>
               <a:t>Limitations</a:t>
             </a:r>
-            <a:endParaRPr b="0" lang="en-US" sz="4000" spc="-1" strike="noStrike">
-              <a:solidFill>
-                <a:srgbClr val="000000"/>
-              </a:solidFill>
-              <a:latin typeface="Arial"/>
-            </a:endParaRPr>
-          </a:p>
-        </p:txBody>
-      </p:sp>
-      <p:sp>
-        <p:nvSpPr>
-          <p:cNvPr id="147" name="PlaceHolder 2"/>
+            <a:endParaRPr b="0" lang="en-IN" sz="4000" spc="-1" strike="noStrike">
+              <a:solidFill>
+                <a:srgbClr val="000000"/>
+              </a:solidFill>
+              <a:latin typeface="Arial"/>
+            </a:endParaRPr>
+          </a:p>
+        </p:txBody>
+      </p:sp>
+      <p:sp>
+        <p:nvSpPr>
+          <p:cNvPr id="148" name="PlaceHolder 2"/>
           <p:cNvSpPr>
             <a:spLocks noGrp="1"/>
           </p:cNvSpPr>
@@ -14938,7 +15272,7 @@
         <p:spPr>
           <a:xfrm>
             <a:off x="375120" y="1800000"/>
-            <a:ext cx="8084520" cy="1846080"/>
+            <a:ext cx="8083800" cy="1845360"/>
           </a:xfrm>
           <a:prstGeom prst="rect">
             <a:avLst/>
@@ -14975,7 +15309,7 @@
               </a:rPr>
               <a:t>1. Haven’t implemented different cube size than 3x3.</a:t>
             </a:r>
-            <a:endParaRPr b="0" lang="en-US" sz="1800" spc="-1" strike="noStrike">
+            <a:endParaRPr b="0" lang="en-IN" sz="1800" spc="-1" strike="noStrike">
               <a:solidFill>
                 <a:srgbClr val="000000"/>
               </a:solidFill>
@@ -15005,7 +15339,7 @@
               </a:rPr>
               <a:t>2. More Platform can be supported like Xbox, Playstation and Nintendo Switch.</a:t>
             </a:r>
-            <a:endParaRPr b="0" lang="en-US" sz="1800" spc="-1" strike="noStrike">
+            <a:endParaRPr b="0" lang="en-IN" sz="1800" spc="-1" strike="noStrike">
               <a:solidFill>
                 <a:srgbClr val="000000"/>
               </a:solidFill>
@@ -15035,7 +15369,7 @@
               </a:rPr>
               <a:t>3. Haven’t tested on MacOS or Android Devices although likely portable.</a:t>
             </a:r>
-            <a:endParaRPr b="0" lang="en-US" sz="1800" spc="-1" strike="noStrike">
+            <a:endParaRPr b="0" lang="en-IN" sz="1800" spc="-1" strike="noStrike">
               <a:solidFill>
                 <a:srgbClr val="000000"/>
               </a:solidFill>
@@ -15088,7 +15422,7 @@
                                           </p:stCondLst>
                                         </p:cTn>
                                         <p:tgtEl>
-                                          <p:spTgt spid="147">
+                                          <p:spTgt spid="148">
                                             <p:txEl>
                                               <p:pRg st="0" end="0"/>
                                             </p:txEl>
@@ -15106,7 +15440,7 @@
                                       <p:cBhvr additive="repl">
                                         <p:cTn id="144" dur="500" fill="hold"/>
                                         <p:tgtEl>
-                                          <p:spTgt spid="147">
+                                          <p:spTgt spid="148">
                                             <p:txEl>
                                               <p:pRg st="0" end="0"/>
                                             </p:txEl>
@@ -15133,7 +15467,7 @@
                                       <p:cBhvr additive="repl">
                                         <p:cTn id="145" dur="500" fill="hold"/>
                                         <p:tgtEl>
-                                          <p:spTgt spid="147">
+                                          <p:spTgt spid="148">
                                             <p:txEl>
                                               <p:pRg st="0" end="0"/>
                                             </p:txEl>
@@ -15191,7 +15525,7 @@
                                           </p:stCondLst>
                                         </p:cTn>
                                         <p:tgtEl>
-                                          <p:spTgt spid="147">
+                                          <p:spTgt spid="148">
                                             <p:txEl>
                                               <p:pRg st="1" end="1"/>
                                             </p:txEl>
@@ -15209,7 +15543,7 @@
                                       <p:cBhvr additive="repl">
                                         <p:cTn id="150" dur="500" fill="hold"/>
                                         <p:tgtEl>
-                                          <p:spTgt spid="147">
+                                          <p:spTgt spid="148">
                                             <p:txEl>
                                               <p:pRg st="1" end="1"/>
                                             </p:txEl>
@@ -15236,7 +15570,7 @@
                                       <p:cBhvr additive="repl">
                                         <p:cTn id="151" dur="500" fill="hold"/>
                                         <p:tgtEl>
-                                          <p:spTgt spid="147">
+                                          <p:spTgt spid="148">
                                             <p:txEl>
                                               <p:pRg st="1" end="1"/>
                                             </p:txEl>
@@ -15294,7 +15628,7 @@
                                           </p:stCondLst>
                                         </p:cTn>
                                         <p:tgtEl>
-                                          <p:spTgt spid="147">
+                                          <p:spTgt spid="148">
                                             <p:txEl>
                                               <p:pRg st="2" end="2"/>
                                             </p:txEl>
@@ -15312,7 +15646,7 @@
                                       <p:cBhvr additive="repl">
                                         <p:cTn id="156" dur="500" fill="hold"/>
                                         <p:tgtEl>
-                                          <p:spTgt spid="147">
+                                          <p:spTgt spid="148">
                                             <p:txEl>
                                               <p:pRg st="2" end="2"/>
                                             </p:txEl>
@@ -15339,7 +15673,7 @@
                                       <p:cBhvr additive="repl">
                                         <p:cTn id="157" dur="500" fill="hold"/>
                                         <p:tgtEl>
-                                          <p:spTgt spid="147">
+                                          <p:spTgt spid="148">
                                             <p:txEl>
                                               <p:pRg st="2" end="2"/>
                                             </p:txEl>
@@ -15415,7 +15749,7 @@
       </p:grpSpPr>
       <p:sp>
         <p:nvSpPr>
-          <p:cNvPr id="148" name="PlaceHolder 1"/>
+          <p:cNvPr id="149" name="PlaceHolder 1"/>
           <p:cNvSpPr>
             <a:spLocks noGrp="1"/>
           </p:cNvSpPr>
@@ -15425,8 +15759,8 @@
         </p:nvSpPr>
         <p:spPr>
           <a:xfrm>
-            <a:off x="2880000" y="180000"/>
-            <a:ext cx="3239640" cy="698400"/>
+            <a:off x="2160000" y="0"/>
+            <a:ext cx="5037120" cy="537120"/>
           </a:xfrm>
           <a:prstGeom prst="rect">
             <a:avLst/>
@@ -15458,9 +15792,9 @@
                 <a:latin typeface="Arial"/>
                 <a:ea typeface="Arial"/>
               </a:rPr>
-              <a:t>Solved Cube</a:t>
+              <a:t>Shuffled State</a:t>
             </a:r>
-            <a:endParaRPr b="0" lang="en-US" sz="3600" spc="-1" strike="noStrike">
+            <a:endParaRPr b="0" lang="en-IN" sz="3600" spc="-1" strike="noStrike">
               <a:solidFill>
                 <a:srgbClr val="000000"/>
               </a:solidFill>
@@ -15471,7 +15805,7 @@
       </p:sp>
       <p:pic>
         <p:nvPicPr>
-          <p:cNvPr id="149" name="Picture 148" descr=""/>
+          <p:cNvPr id="150" name="Picture 150" descr=""/>
           <p:cNvPicPr/>
           <p:nvPr/>
         </p:nvPicPr>
@@ -15481,8 +15815,8 @@
         </p:blipFill>
         <p:spPr>
           <a:xfrm>
-            <a:off x="1980000" y="900000"/>
-            <a:ext cx="4909680" cy="3927600"/>
+            <a:off x="1080000" y="720000"/>
+            <a:ext cx="7379640" cy="4214880"/>
           </a:xfrm>
           <a:prstGeom prst="rect">
             <a:avLst/>
@@ -15523,7 +15857,7 @@
                             </p:stCondLst>
                             <p:childTnLst>
                               <p:par>
-                                <p:cTn id="162" nodeType="clickEffect" fill="hold" presetClass="entr" presetID="16" presetSubtype="21">
+                                <p:cTn id="162" nodeType="clickEffect" fill="hold" presetClass="entr" presetID="1">
                                   <p:stCondLst>
                                     <p:cond delay="0"/>
                                   </p:stCondLst>
@@ -15536,7 +15870,7 @@
                                           </p:stCondLst>
                                         </p:cTn>
                                         <p:tgtEl>
-                                          <p:spTgt spid="149"/>
+                                          <p:spTgt spid="150"/>
                                         </p:tgtEl>
                                         <p:attrNameLst>
                                           <p:attrName>style.visibility</p:attrName>
@@ -15546,14 +15880,6 @@
                                         <p:strVal val="visible"/>
                                       </p:to>
                                     </p:set>
-                                    <p:animEffect filter="barn(inVertical)" transition="in">
-                                      <p:cBhvr additive="repl">
-                                        <p:cTn id="164" dur="500"/>
-                                        <p:tgtEl>
-                                          <p:spTgt spid="149"/>
-                                        </p:tgtEl>
-                                      </p:cBhvr>
-                                    </p:animEffect>
                                   </p:childTnLst>
                                 </p:cTn>
                               </p:par>
